--- a/slides/02-js-basics.pptx
+++ b/slides/02-js-basics.pptx
@@ -163,618 +163,11 @@
 <file path=ppt/revisionInfo.xml><?xml version="1.0" encoding="utf-8"?>
 <p1510:revInfo xmlns:a="http://schemas.openxmlformats.org/drawingml/2006/main" xmlns:r="http://schemas.openxmlformats.org/officeDocument/2006/relationships" xmlns:p1510="http://schemas.microsoft.com/office/powerpoint/2015/10/main">
   <p1510:revLst>
-    <p1510:client id="{29E84A5E-7045-7349-8EB9-E37DA956361E}" v="237" dt="2021-04-09T11:00:09.994"/>
-    <p1510:client id="{CA169F45-5589-4D02-B933-EE3D29406E05}" v="12" dt="2021-04-09T09:53:46.459"/>
+    <p1510:client id="{248C5610-0776-68C6-AF59-DD7E2B86B4C3}" v="7" dt="2024-02-26T12:18:22.900"/>
+    <p1510:client id="{2DCD3CA1-42F1-0711-D5B0-827756F129E8}" v="14" dt="2024-02-26T14:25:47.946"/>
+    <p1510:client id="{FDE8BC85-C3D6-4C6A-A695-00B09FD81115}" v="10" dt="2024-02-26T19:02:51.589"/>
   </p1510:revLst>
 </p1510:revInfo>
-</file>
-
-<file path=ppt/changesInfos/changesInfo1.xml><?xml version="1.0" encoding="utf-8"?>
-<pc:chgInfo xmlns:a="http://schemas.openxmlformats.org/drawingml/2006/main" xmlns:r="http://schemas.openxmlformats.org/officeDocument/2006/relationships" xmlns:ac="http://schemas.microsoft.com/office/drawing/2013/main/command" xmlns:pc="http://schemas.microsoft.com/office/powerpoint/2013/main/command">
-  <pc:docChgLst>
-    <pc:chgData name="Iryna Samakhavets" userId="9c3389a2-2eec-47b9-9265-8354a2c6e60c" providerId="ADAL" clId="{CA169F45-5589-4D02-B933-EE3D29406E05}"/>
-    <pc:docChg chg="custSel modMainMaster">
-      <pc:chgData name="Iryna Samakhavets" userId="9c3389a2-2eec-47b9-9265-8354a2c6e60c" providerId="ADAL" clId="{CA169F45-5589-4D02-B933-EE3D29406E05}" dt="2021-04-09T09:53:46.459" v="1" actId="478"/>
-      <pc:docMkLst>
-        <pc:docMk/>
-      </pc:docMkLst>
-      <pc:sldMasterChg chg="modSldLayout">
-        <pc:chgData name="Iryna Samakhavets" userId="9c3389a2-2eec-47b9-9265-8354a2c6e60c" providerId="ADAL" clId="{CA169F45-5589-4D02-B933-EE3D29406E05}" dt="2021-04-09T09:53:46.459" v="1" actId="478"/>
-        <pc:sldMasterMkLst>
-          <pc:docMk/>
-          <pc:sldMasterMk cId="6025338" sldId="2147483717"/>
-        </pc:sldMasterMkLst>
-        <pc:sldLayoutChg chg="delSp mod">
-          <pc:chgData name="Iryna Samakhavets" userId="9c3389a2-2eec-47b9-9265-8354a2c6e60c" providerId="ADAL" clId="{CA169F45-5589-4D02-B933-EE3D29406E05}" dt="2021-04-09T09:53:44.615" v="0" actId="478"/>
-          <pc:sldLayoutMkLst>
-            <pc:docMk/>
-            <pc:sldMasterMk cId="6025338" sldId="2147483717"/>
-            <pc:sldLayoutMk cId="854095972" sldId="2147483744"/>
-          </pc:sldLayoutMkLst>
-          <pc:picChg chg="del">
-            <ac:chgData name="Iryna Samakhavets" userId="9c3389a2-2eec-47b9-9265-8354a2c6e60c" providerId="ADAL" clId="{CA169F45-5589-4D02-B933-EE3D29406E05}" dt="2021-04-09T09:53:44.615" v="0" actId="478"/>
-            <ac:picMkLst>
-              <pc:docMk/>
-              <pc:sldMasterMk cId="6025338" sldId="2147483717"/>
-              <pc:sldLayoutMk cId="854095972" sldId="2147483744"/>
-              <ac:picMk id="8" creationId="{16CBFE6D-2574-4431-9DE8-59662CACBA43}"/>
-            </ac:picMkLst>
-          </pc:picChg>
-        </pc:sldLayoutChg>
-        <pc:sldLayoutChg chg="delSp mod">
-          <pc:chgData name="Iryna Samakhavets" userId="9c3389a2-2eec-47b9-9265-8354a2c6e60c" providerId="ADAL" clId="{CA169F45-5589-4D02-B933-EE3D29406E05}" dt="2021-04-09T09:53:46.459" v="1" actId="478"/>
-          <pc:sldLayoutMkLst>
-            <pc:docMk/>
-            <pc:sldMasterMk cId="6025338" sldId="2147483717"/>
-            <pc:sldLayoutMk cId="96996155" sldId="2147483762"/>
-          </pc:sldLayoutMkLst>
-          <pc:picChg chg="del">
-            <ac:chgData name="Iryna Samakhavets" userId="9c3389a2-2eec-47b9-9265-8354a2c6e60c" providerId="ADAL" clId="{CA169F45-5589-4D02-B933-EE3D29406E05}" dt="2021-04-09T09:53:46.459" v="1" actId="478"/>
-            <ac:picMkLst>
-              <pc:docMk/>
-              <pc:sldMasterMk cId="6025338" sldId="2147483717"/>
-              <pc:sldLayoutMk cId="96996155" sldId="2147483762"/>
-              <ac:picMk id="8" creationId="{16CBFE6D-2574-4431-9DE8-59662CACBA43}"/>
-            </ac:picMkLst>
-          </pc:picChg>
-        </pc:sldLayoutChg>
-      </pc:sldMasterChg>
-    </pc:docChg>
-  </pc:docChgLst>
-  <pc:docChgLst>
-    <pc:chgData name="Palina Vilava" userId="2da16f30-436a-4d99-a599-a4b0cba3622b" providerId="ADAL" clId="{29E84A5E-7045-7349-8EB9-E37DA956361E}"/>
-    <pc:docChg chg="undo custSel addSld delSld modSld modMainMaster">
-      <pc:chgData name="Palina Vilava" userId="2da16f30-436a-4d99-a599-a4b0cba3622b" providerId="ADAL" clId="{29E84A5E-7045-7349-8EB9-E37DA956361E}" dt="2021-04-09T11:00:09.995" v="236" actId="403"/>
-      <pc:docMkLst>
-        <pc:docMk/>
-      </pc:docMkLst>
-      <pc:sldChg chg="addSp delSp modSp mod chgLayout">
-        <pc:chgData name="Palina Vilava" userId="2da16f30-436a-4d99-a599-a4b0cba3622b" providerId="ADAL" clId="{29E84A5E-7045-7349-8EB9-E37DA956361E}" dt="2021-04-09T11:00:09.995" v="236" actId="403"/>
-        <pc:sldMkLst>
-          <pc:docMk/>
-          <pc:sldMk cId="3591971344" sldId="256"/>
-        </pc:sldMkLst>
-        <pc:spChg chg="add mod ord">
-          <ac:chgData name="Palina Vilava" userId="2da16f30-436a-4d99-a599-a4b0cba3622b" providerId="ADAL" clId="{29E84A5E-7045-7349-8EB9-E37DA956361E}" dt="2021-04-09T11:00:09.995" v="236" actId="403"/>
-          <ac:spMkLst>
-            <pc:docMk/>
-            <pc:sldMk cId="3591971344" sldId="256"/>
-            <ac:spMk id="2" creationId="{CA3BB777-E3A7-3349-B820-C2E473EC54E8}"/>
-          </ac:spMkLst>
-        </pc:spChg>
-        <pc:spChg chg="add mod ord">
-          <ac:chgData name="Palina Vilava" userId="2da16f30-436a-4d99-a599-a4b0cba3622b" providerId="ADAL" clId="{29E84A5E-7045-7349-8EB9-E37DA956361E}" dt="2021-04-09T10:59:51.416" v="230" actId="20577"/>
-          <ac:spMkLst>
-            <pc:docMk/>
-            <pc:sldMk cId="3591971344" sldId="256"/>
-            <ac:spMk id="3" creationId="{887DE665-95EF-7C44-9386-81441B656B3A}"/>
-          </ac:spMkLst>
-        </pc:spChg>
-        <pc:spChg chg="add mod ord">
-          <ac:chgData name="Palina Vilava" userId="2da16f30-436a-4d99-a599-a4b0cba3622b" providerId="ADAL" clId="{29E84A5E-7045-7349-8EB9-E37DA956361E}" dt="2021-04-09T10:59:54.667" v="234" actId="20577"/>
-          <ac:spMkLst>
-            <pc:docMk/>
-            <pc:sldMk cId="3591971344" sldId="256"/>
-            <ac:spMk id="4" creationId="{022A8A66-7877-3B41-B6B6-945CAC5423E0}"/>
-          </ac:spMkLst>
-        </pc:spChg>
-        <pc:spChg chg="del">
-          <ac:chgData name="Palina Vilava" userId="2da16f30-436a-4d99-a599-a4b0cba3622b" providerId="ADAL" clId="{29E84A5E-7045-7349-8EB9-E37DA956361E}" dt="2021-04-07T11:56:23.391" v="114" actId="700"/>
-          <ac:spMkLst>
-            <pc:docMk/>
-            <pc:sldMk cId="3591971344" sldId="256"/>
-            <ac:spMk id="5" creationId="{37E5DFE9-0BB9-46C0-95F0-4076A0680178}"/>
-          </ac:spMkLst>
-        </pc:spChg>
-        <pc:spChg chg="del">
-          <ac:chgData name="Palina Vilava" userId="2da16f30-436a-4d99-a599-a4b0cba3622b" providerId="ADAL" clId="{29E84A5E-7045-7349-8EB9-E37DA956361E}" dt="2021-04-07T11:56:23.391" v="114" actId="700"/>
-          <ac:spMkLst>
-            <pc:docMk/>
-            <pc:sldMk cId="3591971344" sldId="256"/>
-            <ac:spMk id="6" creationId="{F358BC15-9AFA-4B24-AD57-0B9FD9B03BC8}"/>
-          </ac:spMkLst>
-        </pc:spChg>
-        <pc:spChg chg="del">
-          <ac:chgData name="Palina Vilava" userId="2da16f30-436a-4d99-a599-a4b0cba3622b" providerId="ADAL" clId="{29E84A5E-7045-7349-8EB9-E37DA956361E}" dt="2021-04-07T11:56:23.391" v="114" actId="700"/>
-          <ac:spMkLst>
-            <pc:docMk/>
-            <pc:sldMk cId="3591971344" sldId="256"/>
-            <ac:spMk id="7" creationId="{2F97B039-F4FF-4D6E-A30E-8B9B8C8C3D02}"/>
-          </ac:spMkLst>
-        </pc:spChg>
-      </pc:sldChg>
-      <pc:sldChg chg="addSp delSp modSp new del mod">
-        <pc:chgData name="Palina Vilava" userId="2da16f30-436a-4d99-a599-a4b0cba3622b" providerId="ADAL" clId="{29E84A5E-7045-7349-8EB9-E37DA956361E}" dt="2021-04-07T11:57:43.844" v="197" actId="2696"/>
-        <pc:sldMkLst>
-          <pc:docMk/>
-          <pc:sldMk cId="3000497978" sldId="257"/>
-        </pc:sldMkLst>
-        <pc:spChg chg="add del mod">
-          <ac:chgData name="Palina Vilava" userId="2da16f30-436a-4d99-a599-a4b0cba3622b" providerId="ADAL" clId="{29E84A5E-7045-7349-8EB9-E37DA956361E}" dt="2021-04-07T11:57:13.622" v="183" actId="478"/>
-          <ac:spMkLst>
-            <pc:docMk/>
-            <pc:sldMk cId="3000497978" sldId="257"/>
-            <ac:spMk id="4" creationId="{E581BADC-09C4-A145-AF18-841F80A0068B}"/>
-          </ac:spMkLst>
-        </pc:spChg>
-        <pc:spChg chg="add del mod">
-          <ac:chgData name="Palina Vilava" userId="2da16f30-436a-4d99-a599-a4b0cba3622b" providerId="ADAL" clId="{29E84A5E-7045-7349-8EB9-E37DA956361E}" dt="2021-04-07T11:57:41.971" v="196" actId="478"/>
-          <ac:spMkLst>
-            <pc:docMk/>
-            <pc:sldMk cId="3000497978" sldId="257"/>
-            <ac:spMk id="5" creationId="{3BBFD6EB-8286-D94F-8D9D-A8E930B765CB}"/>
-          </ac:spMkLst>
-        </pc:spChg>
-      </pc:sldChg>
-      <pc:sldMasterChg chg="modSp mod addSldLayout modSldLayout">
-        <pc:chgData name="Palina Vilava" userId="2da16f30-436a-4d99-a599-a4b0cba3622b" providerId="ADAL" clId="{29E84A5E-7045-7349-8EB9-E37DA956361E}" dt="2021-04-07T12:17:51.959" v="199" actId="6014"/>
-        <pc:sldMasterMkLst>
-          <pc:docMk/>
-          <pc:sldMasterMk cId="6025338" sldId="2147483717"/>
-        </pc:sldMasterMkLst>
-        <pc:sldLayoutChg chg="mod">
-          <pc:chgData name="Palina Vilava" userId="2da16f30-436a-4d99-a599-a4b0cba3622b" providerId="ADAL" clId="{29E84A5E-7045-7349-8EB9-E37DA956361E}" dt="2021-04-07T11:47:20.872" v="45" actId="6014"/>
-          <pc:sldLayoutMkLst>
-            <pc:docMk/>
-            <pc:sldMasterMk cId="6025338" sldId="2147483717"/>
-            <pc:sldLayoutMk cId="802160967" sldId="2147483732"/>
-          </pc:sldLayoutMkLst>
-        </pc:sldLayoutChg>
-        <pc:sldLayoutChg chg="mod">
-          <pc:chgData name="Palina Vilava" userId="2da16f30-436a-4d99-a599-a4b0cba3622b" providerId="ADAL" clId="{29E84A5E-7045-7349-8EB9-E37DA956361E}" dt="2021-04-07T11:44:05.286" v="34" actId="6014"/>
-          <pc:sldLayoutMkLst>
-            <pc:docMk/>
-            <pc:sldMasterMk cId="6025338" sldId="2147483717"/>
-            <pc:sldLayoutMk cId="1641687614" sldId="2147483734"/>
-          </pc:sldLayoutMkLst>
-        </pc:sldLayoutChg>
-        <pc:sldLayoutChg chg="mod">
-          <pc:chgData name="Palina Vilava" userId="2da16f30-436a-4d99-a599-a4b0cba3622b" providerId="ADAL" clId="{29E84A5E-7045-7349-8EB9-E37DA956361E}" dt="2021-04-07T11:45:35.959" v="37" actId="6014"/>
-          <pc:sldLayoutMkLst>
-            <pc:docMk/>
-            <pc:sldMasterMk cId="6025338" sldId="2147483717"/>
-            <pc:sldLayoutMk cId="98546723" sldId="2147483735"/>
-          </pc:sldLayoutMkLst>
-        </pc:sldLayoutChg>
-        <pc:sldLayoutChg chg="mod">
-          <pc:chgData name="Palina Vilava" userId="2da16f30-436a-4d99-a599-a4b0cba3622b" providerId="ADAL" clId="{29E84A5E-7045-7349-8EB9-E37DA956361E}" dt="2021-04-07T11:41:55.585" v="26" actId="6014"/>
-          <pc:sldLayoutMkLst>
-            <pc:docMk/>
-            <pc:sldMasterMk cId="6025338" sldId="2147483717"/>
-            <pc:sldLayoutMk cId="3692294782" sldId="2147483736"/>
-          </pc:sldLayoutMkLst>
-        </pc:sldLayoutChg>
-        <pc:sldLayoutChg chg="mod">
-          <pc:chgData name="Palina Vilava" userId="2da16f30-436a-4d99-a599-a4b0cba3622b" providerId="ADAL" clId="{29E84A5E-7045-7349-8EB9-E37DA956361E}" dt="2021-04-07T11:45:46.641" v="38" actId="6014"/>
-          <pc:sldLayoutMkLst>
-            <pc:docMk/>
-            <pc:sldMasterMk cId="6025338" sldId="2147483717"/>
-            <pc:sldLayoutMk cId="821494556" sldId="2147483737"/>
-          </pc:sldLayoutMkLst>
-        </pc:sldLayoutChg>
-        <pc:sldLayoutChg chg="mod">
-          <pc:chgData name="Palina Vilava" userId="2da16f30-436a-4d99-a599-a4b0cba3622b" providerId="ADAL" clId="{29E84A5E-7045-7349-8EB9-E37DA956361E}" dt="2021-04-07T11:41:42.357" v="25" actId="6014"/>
-          <pc:sldLayoutMkLst>
-            <pc:docMk/>
-            <pc:sldMasterMk cId="6025338" sldId="2147483717"/>
-            <pc:sldLayoutMk cId="3661082933" sldId="2147483738"/>
-          </pc:sldLayoutMkLst>
-        </pc:sldLayoutChg>
-        <pc:sldLayoutChg chg="modSp mod">
-          <pc:chgData name="Palina Vilava" userId="2da16f30-436a-4d99-a599-a4b0cba3622b" providerId="ADAL" clId="{29E84A5E-7045-7349-8EB9-E37DA956361E}" dt="2021-04-07T11:46:00.419" v="39" actId="6014"/>
-          <pc:sldLayoutMkLst>
-            <pc:docMk/>
-            <pc:sldMasterMk cId="6025338" sldId="2147483717"/>
-            <pc:sldLayoutMk cId="3576920143" sldId="2147483739"/>
-          </pc:sldLayoutMkLst>
-          <pc:spChg chg="mod">
-            <ac:chgData name="Palina Vilava" userId="2da16f30-436a-4d99-a599-a4b0cba3622b" providerId="ADAL" clId="{29E84A5E-7045-7349-8EB9-E37DA956361E}" dt="2021-04-07T11:40:40.885" v="23" actId="14100"/>
-            <ac:spMkLst>
-              <pc:docMk/>
-              <pc:sldMasterMk cId="6025338" sldId="2147483717"/>
-              <pc:sldLayoutMk cId="3576920143" sldId="2147483739"/>
-              <ac:spMk id="2" creationId="{263D721A-127A-4DBE-B738-ABA4893319BC}"/>
-            </ac:spMkLst>
-          </pc:spChg>
-        </pc:sldLayoutChg>
-        <pc:sldLayoutChg chg="addSp delSp modSp mod">
-          <pc:chgData name="Palina Vilava" userId="2da16f30-436a-4d99-a599-a4b0cba3622b" providerId="ADAL" clId="{29E84A5E-7045-7349-8EB9-E37DA956361E}" dt="2021-04-07T11:41:32.307" v="24" actId="6014"/>
-          <pc:sldLayoutMkLst>
-            <pc:docMk/>
-            <pc:sldMasterMk cId="6025338" sldId="2147483717"/>
-            <pc:sldLayoutMk cId="2923105718" sldId="2147483740"/>
-          </pc:sldLayoutMkLst>
-          <pc:spChg chg="mod">
-            <ac:chgData name="Palina Vilava" userId="2da16f30-436a-4d99-a599-a4b0cba3622b" providerId="ADAL" clId="{29E84A5E-7045-7349-8EB9-E37DA956361E}" dt="2021-04-07T11:38:42.608" v="17" actId="14100"/>
-            <ac:spMkLst>
-              <pc:docMk/>
-              <pc:sldMasterMk cId="6025338" sldId="2147483717"/>
-              <pc:sldLayoutMk cId="2923105718" sldId="2147483740"/>
-              <ac:spMk id="2" creationId="{263D721A-127A-4DBE-B738-ABA4893319BC}"/>
-            </ac:spMkLst>
-          </pc:spChg>
-          <pc:spChg chg="del">
-            <ac:chgData name="Palina Vilava" userId="2da16f30-436a-4d99-a599-a4b0cba3622b" providerId="ADAL" clId="{29E84A5E-7045-7349-8EB9-E37DA956361E}" dt="2021-04-07T11:38:31.075" v="14" actId="478"/>
-            <ac:spMkLst>
-              <pc:docMk/>
-              <pc:sldMasterMk cId="6025338" sldId="2147483717"/>
-              <pc:sldLayoutMk cId="2923105718" sldId="2147483740"/>
-              <ac:spMk id="8" creationId="{10D45F08-25E9-4235-B1BA-50ED19539CA6}"/>
-            </ac:spMkLst>
-          </pc:spChg>
-          <pc:spChg chg="add mod">
-            <ac:chgData name="Palina Vilava" userId="2da16f30-436a-4d99-a599-a4b0cba3622b" providerId="ADAL" clId="{29E84A5E-7045-7349-8EB9-E37DA956361E}" dt="2021-04-07T11:38:34.413" v="16" actId="14100"/>
-            <ac:spMkLst>
-              <pc:docMk/>
-              <pc:sldMasterMk cId="6025338" sldId="2147483717"/>
-              <pc:sldLayoutMk cId="2923105718" sldId="2147483740"/>
-              <ac:spMk id="9" creationId="{46C1CA1B-2E41-DA49-A688-13BC117567D0}"/>
-            </ac:spMkLst>
-          </pc:spChg>
-          <pc:spChg chg="add del mod">
-            <ac:chgData name="Palina Vilava" userId="2da16f30-436a-4d99-a599-a4b0cba3622b" providerId="ADAL" clId="{29E84A5E-7045-7349-8EB9-E37DA956361E}" dt="2021-04-07T11:38:49.677" v="21" actId="478"/>
-            <ac:spMkLst>
-              <pc:docMk/>
-              <pc:sldMasterMk cId="6025338" sldId="2147483717"/>
-              <pc:sldLayoutMk cId="2923105718" sldId="2147483740"/>
-              <ac:spMk id="12" creationId="{BA5F1F02-3435-2C43-AE85-39F4D3B5ECB8}"/>
-            </ac:spMkLst>
-          </pc:spChg>
-        </pc:sldLayoutChg>
-        <pc:sldLayoutChg chg="mod">
-          <pc:chgData name="Palina Vilava" userId="2da16f30-436a-4d99-a599-a4b0cba3622b" providerId="ADAL" clId="{29E84A5E-7045-7349-8EB9-E37DA956361E}" dt="2021-04-07T11:45:28.812" v="36" actId="6014"/>
-          <pc:sldLayoutMkLst>
-            <pc:docMk/>
-            <pc:sldMasterMk cId="6025338" sldId="2147483717"/>
-            <pc:sldLayoutMk cId="2700087433" sldId="2147483741"/>
-          </pc:sldLayoutMkLst>
-        </pc:sldLayoutChg>
-        <pc:sldLayoutChg chg="mod">
-          <pc:chgData name="Palina Vilava" userId="2da16f30-436a-4d99-a599-a4b0cba3622b" providerId="ADAL" clId="{29E84A5E-7045-7349-8EB9-E37DA956361E}" dt="2021-04-07T11:46:24.279" v="40" actId="6014"/>
-          <pc:sldLayoutMkLst>
-            <pc:docMk/>
-            <pc:sldMasterMk cId="6025338" sldId="2147483717"/>
-            <pc:sldLayoutMk cId="1202495231" sldId="2147483742"/>
-          </pc:sldLayoutMkLst>
-        </pc:sldLayoutChg>
-        <pc:sldLayoutChg chg="mod">
-          <pc:chgData name="Palina Vilava" userId="2da16f30-436a-4d99-a599-a4b0cba3622b" providerId="ADAL" clId="{29E84A5E-7045-7349-8EB9-E37DA956361E}" dt="2021-04-07T11:43:36.884" v="32" actId="6014"/>
-          <pc:sldLayoutMkLst>
-            <pc:docMk/>
-            <pc:sldMasterMk cId="6025338" sldId="2147483717"/>
-            <pc:sldLayoutMk cId="3075079838" sldId="2147483743"/>
-          </pc:sldLayoutMkLst>
-        </pc:sldLayoutChg>
-        <pc:sldLayoutChg chg="mod">
-          <pc:chgData name="Palina Vilava" userId="2da16f30-436a-4d99-a599-a4b0cba3622b" providerId="ADAL" clId="{29E84A5E-7045-7349-8EB9-E37DA956361E}" dt="2021-04-07T11:42:52.238" v="30" actId="6014"/>
-          <pc:sldLayoutMkLst>
-            <pc:docMk/>
-            <pc:sldMasterMk cId="6025338" sldId="2147483717"/>
-            <pc:sldLayoutMk cId="854095972" sldId="2147483744"/>
-          </pc:sldLayoutMkLst>
-        </pc:sldLayoutChg>
-        <pc:sldLayoutChg chg="mod">
-          <pc:chgData name="Palina Vilava" userId="2da16f30-436a-4d99-a599-a4b0cba3622b" providerId="ADAL" clId="{29E84A5E-7045-7349-8EB9-E37DA956361E}" dt="2021-04-07T11:45:02.058" v="35" actId="6014"/>
-          <pc:sldLayoutMkLst>
-            <pc:docMk/>
-            <pc:sldMasterMk cId="6025338" sldId="2147483717"/>
-            <pc:sldLayoutMk cId="607523831" sldId="2147483745"/>
-          </pc:sldLayoutMkLst>
-        </pc:sldLayoutChg>
-        <pc:sldLayoutChg chg="mod">
-          <pc:chgData name="Palina Vilava" userId="2da16f30-436a-4d99-a599-a4b0cba3622b" providerId="ADAL" clId="{29E84A5E-7045-7349-8EB9-E37DA956361E}" dt="2021-04-07T11:46:42.567" v="41" actId="6014"/>
-          <pc:sldLayoutMkLst>
-            <pc:docMk/>
-            <pc:sldMasterMk cId="6025338" sldId="2147483717"/>
-            <pc:sldLayoutMk cId="21247453" sldId="2147483746"/>
-          </pc:sldLayoutMkLst>
-        </pc:sldLayoutChg>
-        <pc:sldLayoutChg chg="mod">
-          <pc:chgData name="Palina Vilava" userId="2da16f30-436a-4d99-a599-a4b0cba3622b" providerId="ADAL" clId="{29E84A5E-7045-7349-8EB9-E37DA956361E}" dt="2021-04-07T11:47:06.191" v="43" actId="6014"/>
-          <pc:sldLayoutMkLst>
-            <pc:docMk/>
-            <pc:sldMasterMk cId="6025338" sldId="2147483717"/>
-            <pc:sldLayoutMk cId="1088340687" sldId="2147483747"/>
-          </pc:sldLayoutMkLst>
-        </pc:sldLayoutChg>
-        <pc:sldLayoutChg chg="mod">
-          <pc:chgData name="Palina Vilava" userId="2da16f30-436a-4d99-a599-a4b0cba3622b" providerId="ADAL" clId="{29E84A5E-7045-7349-8EB9-E37DA956361E}" dt="2021-04-07T11:47:14.156" v="44" actId="6014"/>
-          <pc:sldLayoutMkLst>
-            <pc:docMk/>
-            <pc:sldMasterMk cId="6025338" sldId="2147483717"/>
-            <pc:sldLayoutMk cId="2713037627" sldId="2147483748"/>
-          </pc:sldLayoutMkLst>
-        </pc:sldLayoutChg>
-        <pc:sldLayoutChg chg="mod">
-          <pc:chgData name="Palina Vilava" userId="2da16f30-436a-4d99-a599-a4b0cba3622b" providerId="ADAL" clId="{29E84A5E-7045-7349-8EB9-E37DA956361E}" dt="2021-04-07T11:47:25.664" v="46" actId="6014"/>
-          <pc:sldLayoutMkLst>
-            <pc:docMk/>
-            <pc:sldMasterMk cId="6025338" sldId="2147483717"/>
-            <pc:sldLayoutMk cId="363397111" sldId="2147483749"/>
-          </pc:sldLayoutMkLst>
-        </pc:sldLayoutChg>
-        <pc:sldLayoutChg chg="mod">
-          <pc:chgData name="Palina Vilava" userId="2da16f30-436a-4d99-a599-a4b0cba3622b" providerId="ADAL" clId="{29E84A5E-7045-7349-8EB9-E37DA956361E}" dt="2021-04-07T11:43:15.176" v="31" actId="6014"/>
-          <pc:sldLayoutMkLst>
-            <pc:docMk/>
-            <pc:sldMasterMk cId="6025338" sldId="2147483717"/>
-            <pc:sldLayoutMk cId="4024236537" sldId="2147483755"/>
-          </pc:sldLayoutMkLst>
-        </pc:sldLayoutChg>
-        <pc:sldLayoutChg chg="mod">
-          <pc:chgData name="Palina Vilava" userId="2da16f30-436a-4d99-a599-a4b0cba3622b" providerId="ADAL" clId="{29E84A5E-7045-7349-8EB9-E37DA956361E}" dt="2021-04-07T11:43:53.573" v="33" actId="6014"/>
-          <pc:sldLayoutMkLst>
-            <pc:docMk/>
-            <pc:sldMasterMk cId="6025338" sldId="2147483717"/>
-            <pc:sldLayoutMk cId="2197146" sldId="2147483756"/>
-          </pc:sldLayoutMkLst>
-        </pc:sldLayoutChg>
-        <pc:sldLayoutChg chg="mod">
-          <pc:chgData name="Palina Vilava" userId="2da16f30-436a-4d99-a599-a4b0cba3622b" providerId="ADAL" clId="{29E84A5E-7045-7349-8EB9-E37DA956361E}" dt="2021-04-07T11:42:42.275" v="29" actId="6014"/>
-          <pc:sldLayoutMkLst>
-            <pc:docMk/>
-            <pc:sldMasterMk cId="6025338" sldId="2147483717"/>
-            <pc:sldLayoutMk cId="96996155" sldId="2147483762"/>
-          </pc:sldLayoutMkLst>
-        </pc:sldLayoutChg>
-        <pc:sldLayoutChg chg="addSp delSp modSp add mod modTransition">
-          <pc:chgData name="Palina Vilava" userId="2da16f30-436a-4d99-a599-a4b0cba3622b" providerId="ADAL" clId="{29E84A5E-7045-7349-8EB9-E37DA956361E}" dt="2021-04-07T11:48:55.966" v="71" actId="1036"/>
-          <pc:sldLayoutMkLst>
-            <pc:docMk/>
-            <pc:sldMasterMk cId="6025338" sldId="2147483717"/>
-            <pc:sldLayoutMk cId="951812729" sldId="2147483763"/>
-          </pc:sldLayoutMkLst>
-          <pc:spChg chg="mod">
-            <ac:chgData name="Palina Vilava" userId="2da16f30-436a-4d99-a599-a4b0cba3622b" providerId="ADAL" clId="{29E84A5E-7045-7349-8EB9-E37DA956361E}" dt="2021-04-07T11:48:29.909" v="50" actId="1076"/>
-            <ac:spMkLst>
-              <pc:docMk/>
-              <pc:sldMasterMk cId="6025338" sldId="2147483717"/>
-              <pc:sldLayoutMk cId="951812729" sldId="2147483763"/>
-              <ac:spMk id="2" creationId="{072D1CE3-09AB-4B8F-B4EA-802DA1F8168A}"/>
-            </ac:spMkLst>
-          </pc:spChg>
-          <pc:spChg chg="mod">
-            <ac:chgData name="Palina Vilava" userId="2da16f30-436a-4d99-a599-a4b0cba3622b" providerId="ADAL" clId="{29E84A5E-7045-7349-8EB9-E37DA956361E}" dt="2021-04-07T11:48:47.200" v="55" actId="14100"/>
-            <ac:spMkLst>
-              <pc:docMk/>
-              <pc:sldMasterMk cId="6025338" sldId="2147483717"/>
-              <pc:sldLayoutMk cId="951812729" sldId="2147483763"/>
-              <ac:spMk id="3" creationId="{BDF03CD9-50C7-44B7-B928-FC1A6F91398C}"/>
-            </ac:spMkLst>
-          </pc:spChg>
-          <pc:spChg chg="mod">
-            <ac:chgData name="Palina Vilava" userId="2da16f30-436a-4d99-a599-a4b0cba3622b" providerId="ADAL" clId="{29E84A5E-7045-7349-8EB9-E37DA956361E}" dt="2021-04-07T11:48:55.966" v="71" actId="1036"/>
-            <ac:spMkLst>
-              <pc:docMk/>
-              <pc:sldMasterMk cId="6025338" sldId="2147483717"/>
-              <pc:sldLayoutMk cId="951812729" sldId="2147483763"/>
-              <ac:spMk id="6" creationId="{1633460F-F216-4161-81D4-61770D44485A}"/>
-            </ac:spMkLst>
-          </pc:spChg>
-          <pc:spChg chg="mod">
-            <ac:chgData name="Palina Vilava" userId="2da16f30-436a-4d99-a599-a4b0cba3622b" providerId="ADAL" clId="{29E84A5E-7045-7349-8EB9-E37DA956361E}" dt="2021-04-07T11:48:55.966" v="71" actId="1036"/>
-            <ac:spMkLst>
-              <pc:docMk/>
-              <pc:sldMasterMk cId="6025338" sldId="2147483717"/>
-              <pc:sldLayoutMk cId="951812729" sldId="2147483763"/>
-              <ac:spMk id="9" creationId="{183A137D-51C1-42BD-8E6A-5A17CA8E69F1}"/>
-            </ac:spMkLst>
-          </pc:spChg>
-          <pc:spChg chg="mod">
-            <ac:chgData name="Palina Vilava" userId="2da16f30-436a-4d99-a599-a4b0cba3622b" providerId="ADAL" clId="{29E84A5E-7045-7349-8EB9-E37DA956361E}" dt="2021-04-07T11:48:55.966" v="71" actId="1036"/>
-            <ac:spMkLst>
-              <pc:docMk/>
-              <pc:sldMasterMk cId="6025338" sldId="2147483717"/>
-              <pc:sldLayoutMk cId="951812729" sldId="2147483763"/>
-              <ac:spMk id="10" creationId="{788F9D7D-61B7-4023-A90A-331ABB6016CE}"/>
-            </ac:spMkLst>
-          </pc:spChg>
-          <pc:spChg chg="mod">
-            <ac:chgData name="Palina Vilava" userId="2da16f30-436a-4d99-a599-a4b0cba3622b" providerId="ADAL" clId="{29E84A5E-7045-7349-8EB9-E37DA956361E}" dt="2021-04-07T11:48:55.966" v="71" actId="1036"/>
-            <ac:spMkLst>
-              <pc:docMk/>
-              <pc:sldMasterMk cId="6025338" sldId="2147483717"/>
-              <pc:sldLayoutMk cId="951812729" sldId="2147483763"/>
-              <ac:spMk id="11" creationId="{B5F31C29-0270-444C-AB5B-F5F8275A4E72}"/>
-            </ac:spMkLst>
-          </pc:spChg>
-          <pc:spChg chg="mod">
-            <ac:chgData name="Palina Vilava" userId="2da16f30-436a-4d99-a599-a4b0cba3622b" providerId="ADAL" clId="{29E84A5E-7045-7349-8EB9-E37DA956361E}" dt="2021-04-07T11:48:55.966" v="71" actId="1036"/>
-            <ac:spMkLst>
-              <pc:docMk/>
-              <pc:sldMasterMk cId="6025338" sldId="2147483717"/>
-              <pc:sldLayoutMk cId="951812729" sldId="2147483763"/>
-              <ac:spMk id="12" creationId="{0B6A5DF8-022B-46A9-9257-DAA098142E51}"/>
-            </ac:spMkLst>
-          </pc:spChg>
-          <pc:spChg chg="mod">
-            <ac:chgData name="Palina Vilava" userId="2da16f30-436a-4d99-a599-a4b0cba3622b" providerId="ADAL" clId="{29E84A5E-7045-7349-8EB9-E37DA956361E}" dt="2021-04-07T11:48:55.966" v="71" actId="1036"/>
-            <ac:spMkLst>
-              <pc:docMk/>
-              <pc:sldMasterMk cId="6025338" sldId="2147483717"/>
-              <pc:sldLayoutMk cId="951812729" sldId="2147483763"/>
-              <ac:spMk id="13" creationId="{7CF17201-04E3-48ED-9077-B42ECD88DB79}"/>
-            </ac:spMkLst>
-          </pc:spChg>
-          <pc:spChg chg="add mod">
-            <ac:chgData name="Palina Vilava" userId="2da16f30-436a-4d99-a599-a4b0cba3622b" providerId="ADAL" clId="{29E84A5E-7045-7349-8EB9-E37DA956361E}" dt="2021-04-07T11:48:43.733" v="54"/>
-            <ac:spMkLst>
-              <pc:docMk/>
-              <pc:sldMasterMk cId="6025338" sldId="2147483717"/>
-              <pc:sldLayoutMk cId="951812729" sldId="2147483763"/>
-              <ac:spMk id="14" creationId="{D26DCF78-A14C-7743-94BB-7E13C2AD8622}"/>
-            </ac:spMkLst>
-          </pc:spChg>
-          <pc:cxnChg chg="del">
-            <ac:chgData name="Palina Vilava" userId="2da16f30-436a-4d99-a599-a4b0cba3622b" providerId="ADAL" clId="{29E84A5E-7045-7349-8EB9-E37DA956361E}" dt="2021-04-07T11:48:43.048" v="53" actId="478"/>
-            <ac:cxnSpMkLst>
-              <pc:docMk/>
-              <pc:sldMasterMk cId="6025338" sldId="2147483717"/>
-              <pc:sldLayoutMk cId="951812729" sldId="2147483763"/>
-              <ac:cxnSpMk id="15" creationId="{654B6A1A-ED6A-490A-AA56-15684042F07D}"/>
-            </ac:cxnSpMkLst>
-          </pc:cxnChg>
-        </pc:sldLayoutChg>
-        <pc:sldLayoutChg chg="addSp delSp modSp new mod setBg">
-          <pc:chgData name="Palina Vilava" userId="2da16f30-436a-4d99-a599-a4b0cba3622b" providerId="ADAL" clId="{29E84A5E-7045-7349-8EB9-E37DA956361E}" dt="2021-04-07T11:54:21.629" v="112" actId="208"/>
-          <pc:sldLayoutMkLst>
-            <pc:docMk/>
-            <pc:sldMasterMk cId="6025338" sldId="2147483717"/>
-            <pc:sldLayoutMk cId="1550210797" sldId="2147483764"/>
-          </pc:sldLayoutMkLst>
-          <pc:spChg chg="del">
-            <ac:chgData name="Palina Vilava" userId="2da16f30-436a-4d99-a599-a4b0cba3622b" providerId="ADAL" clId="{29E84A5E-7045-7349-8EB9-E37DA956361E}" dt="2021-04-07T11:51:09.962" v="74" actId="478"/>
-            <ac:spMkLst>
-              <pc:docMk/>
-              <pc:sldMasterMk cId="6025338" sldId="2147483717"/>
-              <pc:sldLayoutMk cId="1550210797" sldId="2147483764"/>
-              <ac:spMk id="2" creationId="{E5B9B13E-8BAF-BF4C-BD87-150C944FB29D}"/>
-            </ac:spMkLst>
-          </pc:spChg>
-          <pc:spChg chg="add mod">
-            <ac:chgData name="Palina Vilava" userId="2da16f30-436a-4d99-a599-a4b0cba3622b" providerId="ADAL" clId="{29E84A5E-7045-7349-8EB9-E37DA956361E}" dt="2021-04-07T11:52:58.437" v="106" actId="1076"/>
-            <ac:spMkLst>
-              <pc:docMk/>
-              <pc:sldMasterMk cId="6025338" sldId="2147483717"/>
-              <pc:sldLayoutMk cId="1550210797" sldId="2147483764"/>
-              <ac:spMk id="4" creationId="{952A47A2-EF74-7B4A-948B-354D8CBA8096}"/>
-            </ac:spMkLst>
-          </pc:spChg>
-          <pc:spChg chg="add mod">
-            <ac:chgData name="Palina Vilava" userId="2da16f30-436a-4d99-a599-a4b0cba3622b" providerId="ADAL" clId="{29E84A5E-7045-7349-8EB9-E37DA956361E}" dt="2021-04-07T11:54:21.629" v="112" actId="208"/>
-            <ac:spMkLst>
-              <pc:docMk/>
-              <pc:sldMasterMk cId="6025338" sldId="2147483717"/>
-              <pc:sldLayoutMk cId="1550210797" sldId="2147483764"/>
-              <ac:spMk id="5" creationId="{5C14BDE5-32F5-E643-A4FF-D09A52DA71E1}"/>
-            </ac:spMkLst>
-          </pc:spChg>
-          <pc:spChg chg="add mod">
-            <ac:chgData name="Palina Vilava" userId="2da16f30-436a-4d99-a599-a4b0cba3622b" providerId="ADAL" clId="{29E84A5E-7045-7349-8EB9-E37DA956361E}" dt="2021-04-07T11:52:44.434" v="99" actId="1076"/>
-            <ac:spMkLst>
-              <pc:docMk/>
-              <pc:sldMasterMk cId="6025338" sldId="2147483717"/>
-              <pc:sldLayoutMk cId="1550210797" sldId="2147483764"/>
-              <ac:spMk id="6" creationId="{B01F7317-9450-7F4E-8CF4-A6FAE6DBDD15}"/>
-            </ac:spMkLst>
-          </pc:spChg>
-          <pc:spChg chg="add del mod">
-            <ac:chgData name="Palina Vilava" userId="2da16f30-436a-4d99-a599-a4b0cba3622b" providerId="ADAL" clId="{29E84A5E-7045-7349-8EB9-E37DA956361E}" dt="2021-04-07T11:54:11.801" v="110" actId="478"/>
-            <ac:spMkLst>
-              <pc:docMk/>
-              <pc:sldMasterMk cId="6025338" sldId="2147483717"/>
-              <pc:sldLayoutMk cId="1550210797" sldId="2147483764"/>
-              <ac:spMk id="7" creationId="{2FDF0298-E8CF-A643-8536-B75D08B36C93}"/>
-            </ac:spMkLst>
-          </pc:spChg>
-          <pc:spChg chg="add del mod">
-            <ac:chgData name="Palina Vilava" userId="2da16f30-436a-4d99-a599-a4b0cba3622b" providerId="ADAL" clId="{29E84A5E-7045-7349-8EB9-E37DA956361E}" dt="2021-04-07T11:54:11.801" v="110" actId="478"/>
-            <ac:spMkLst>
-              <pc:docMk/>
-              <pc:sldMasterMk cId="6025338" sldId="2147483717"/>
-              <pc:sldLayoutMk cId="1550210797" sldId="2147483764"/>
-              <ac:spMk id="8" creationId="{629CB466-9388-1645-92DD-67229A4AFD12}"/>
-            </ac:spMkLst>
-          </pc:spChg>
-          <pc:picChg chg="add mod">
-            <ac:chgData name="Palina Vilava" userId="2da16f30-436a-4d99-a599-a4b0cba3622b" providerId="ADAL" clId="{29E84A5E-7045-7349-8EB9-E37DA956361E}" dt="2021-04-07T11:52:56.796" v="105" actId="1076"/>
-            <ac:picMkLst>
-              <pc:docMk/>
-              <pc:sldMasterMk cId="6025338" sldId="2147483717"/>
-              <pc:sldLayoutMk cId="1550210797" sldId="2147483764"/>
-              <ac:picMk id="3" creationId="{631137FB-F149-DD41-B765-24A58A85DED8}"/>
-            </ac:picMkLst>
-          </pc:picChg>
-        </pc:sldLayoutChg>
-      </pc:sldMasterChg>
-      <pc:sldMasterChg chg="modSldLayout">
-        <pc:chgData name="Palina Vilava" userId="2da16f30-436a-4d99-a599-a4b0cba3622b" providerId="ADAL" clId="{29E84A5E-7045-7349-8EB9-E37DA956361E}" dt="2021-04-07T11:36:11.132" v="13"/>
-        <pc:sldMasterMkLst>
-          <pc:docMk/>
-          <pc:sldMasterMk cId="6025338" sldId="2147483763"/>
-        </pc:sldMasterMkLst>
-        <pc:sldLayoutChg chg="addSp delSp modSp mod">
-          <pc:chgData name="Palina Vilava" userId="2da16f30-436a-4d99-a599-a4b0cba3622b" providerId="ADAL" clId="{29E84A5E-7045-7349-8EB9-E37DA956361E}" dt="2021-04-07T11:35:40.398" v="9" actId="1038"/>
-          <pc:sldLayoutMkLst>
-            <pc:docMk/>
-            <pc:sldMasterMk cId="6025338" sldId="2147483717"/>
-            <pc:sldLayoutMk cId="3493115450" sldId="2147483764"/>
-          </pc:sldLayoutMkLst>
-          <pc:spChg chg="add mod">
-            <ac:chgData name="Palina Vilava" userId="2da16f30-436a-4d99-a599-a4b0cba3622b" providerId="ADAL" clId="{29E84A5E-7045-7349-8EB9-E37DA956361E}" dt="2021-04-07T11:35:40.398" v="9" actId="1038"/>
-            <ac:spMkLst>
-              <pc:docMk/>
-              <pc:sldMasterMk cId="6025338" sldId="2147483717"/>
-              <pc:sldLayoutMk cId="3493115450" sldId="2147483764"/>
-              <ac:spMk id="3" creationId="{81FA7817-3B6C-3F4A-B7B9-1C24248B02A6}"/>
-            </ac:spMkLst>
-          </pc:spChg>
-          <pc:spChg chg="del mod">
-            <ac:chgData name="Palina Vilava" userId="2da16f30-436a-4d99-a599-a4b0cba3622b" providerId="ADAL" clId="{29E84A5E-7045-7349-8EB9-E37DA956361E}" dt="2021-04-07T11:35:25.313" v="4" actId="478"/>
-            <ac:spMkLst>
-              <pc:docMk/>
-              <pc:sldMasterMk cId="6025338" sldId="2147483717"/>
-              <pc:sldLayoutMk cId="3493115450" sldId="2147483764"/>
-              <ac:spMk id="5" creationId="{A2159C2A-0FC8-422F-92E4-B92935AAE5A0}"/>
-            </ac:spMkLst>
-          </pc:spChg>
-        </pc:sldLayoutChg>
-        <pc:sldLayoutChg chg="addSp delSp modSp mod">
-          <pc:chgData name="Palina Vilava" userId="2da16f30-436a-4d99-a599-a4b0cba3622b" providerId="ADAL" clId="{29E84A5E-7045-7349-8EB9-E37DA956361E}" dt="2021-04-07T11:36:05.324" v="11"/>
-          <pc:sldLayoutMkLst>
-            <pc:docMk/>
-            <pc:sldMasterMk cId="6025338" sldId="2147483717"/>
-            <pc:sldLayoutMk cId="3812010030" sldId="2147483765"/>
-          </pc:sldLayoutMkLst>
-          <pc:spChg chg="add mod">
-            <ac:chgData name="Palina Vilava" userId="2da16f30-436a-4d99-a599-a4b0cba3622b" providerId="ADAL" clId="{29E84A5E-7045-7349-8EB9-E37DA956361E}" dt="2021-04-07T11:36:05.324" v="11"/>
-            <ac:spMkLst>
-              <pc:docMk/>
-              <pc:sldMasterMk cId="6025338" sldId="2147483717"/>
-              <pc:sldLayoutMk cId="3812010030" sldId="2147483765"/>
-              <ac:spMk id="8" creationId="{FB842CEE-8A53-0D42-A72B-7D63B1ED35C4}"/>
-            </ac:spMkLst>
-          </pc:spChg>
-          <pc:spChg chg="del">
-            <ac:chgData name="Palina Vilava" userId="2da16f30-436a-4d99-a599-a4b0cba3622b" providerId="ADAL" clId="{29E84A5E-7045-7349-8EB9-E37DA956361E}" dt="2021-04-07T11:36:04.744" v="10" actId="478"/>
-            <ac:spMkLst>
-              <pc:docMk/>
-              <pc:sldMasterMk cId="6025338" sldId="2147483717"/>
-              <pc:sldLayoutMk cId="3812010030" sldId="2147483765"/>
-              <ac:spMk id="10" creationId="{D3506A5C-D398-4F6C-BA3C-D23DAEA64409}"/>
-            </ac:spMkLst>
-          </pc:spChg>
-        </pc:sldLayoutChg>
-        <pc:sldLayoutChg chg="addSp delSp modSp mod">
-          <pc:chgData name="Palina Vilava" userId="2da16f30-436a-4d99-a599-a4b0cba3622b" providerId="ADAL" clId="{29E84A5E-7045-7349-8EB9-E37DA956361E}" dt="2021-04-07T11:36:11.132" v="13"/>
-          <pc:sldLayoutMkLst>
-            <pc:docMk/>
-            <pc:sldMasterMk cId="6025338" sldId="2147483717"/>
-            <pc:sldLayoutMk cId="2065613061" sldId="2147483766"/>
-          </pc:sldLayoutMkLst>
-          <pc:spChg chg="del">
-            <ac:chgData name="Palina Vilava" userId="2da16f30-436a-4d99-a599-a4b0cba3622b" providerId="ADAL" clId="{29E84A5E-7045-7349-8EB9-E37DA956361E}" dt="2021-04-07T11:36:10.559" v="12" actId="478"/>
-            <ac:spMkLst>
-              <pc:docMk/>
-              <pc:sldMasterMk cId="6025338" sldId="2147483717"/>
-              <pc:sldLayoutMk cId="2065613061" sldId="2147483766"/>
-              <ac:spMk id="5" creationId="{A2159C2A-0FC8-422F-92E4-B92935AAE5A0}"/>
-            </ac:spMkLst>
-          </pc:spChg>
-          <pc:spChg chg="add mod">
-            <ac:chgData name="Palina Vilava" userId="2da16f30-436a-4d99-a599-a4b0cba3622b" providerId="ADAL" clId="{29E84A5E-7045-7349-8EB9-E37DA956361E}" dt="2021-04-07T11:36:11.132" v="13"/>
-            <ac:spMkLst>
-              <pc:docMk/>
-              <pc:sldMasterMk cId="6025338" sldId="2147483717"/>
-              <pc:sldLayoutMk cId="2065613061" sldId="2147483766"/>
-              <ac:spMk id="7" creationId="{D6769452-030B-5548-B575-999D639F6D22}"/>
-            </ac:spMkLst>
-          </pc:spChg>
-        </pc:sldLayoutChg>
-      </pc:sldMasterChg>
-    </pc:docChg>
-  </pc:docChgLst>
-</pc:chgInfo>
 </file>
 
 <file path=ppt/notesMasters/notesMaster1.xml><?xml version="1.0" encoding="utf-8"?>
@@ -859,7 +252,7 @@
           <a:p>
             <a:fld id="{126DA449-81D0-4C65-80FA-E84926361CC3}" type="datetimeFigureOut">
               <a:rPr lang="en-US" smtClean="0"/>
-              <a:t>2/27/2024</a:t>
+              <a:t>2/29/2024</a:t>
             </a:fld>
             <a:endParaRPr lang="en-US"/>
           </a:p>
@@ -1170,7 +563,7 @@
           <a:bodyPr/>
           <a:lstStyle/>
           <a:p>
-            <a:endParaRPr lang="en-US" dirty="0"/>
+            <a:endParaRPr lang="en-US"/>
           </a:p>
         </p:txBody>
       </p:sp>
@@ -1255,10 +648,10 @@
           <a:lstStyle/>
           <a:p>
             <a:r>
-              <a:rPr lang="hu-HU" dirty="0"/>
+              <a:rPr lang="hu-HU"/>
               <a:t>Check: 1-create-html-with-js.html</a:t>
             </a:r>
-            <a:endParaRPr lang="en-US" dirty="0"/>
+            <a:endParaRPr lang="en-US"/>
           </a:p>
         </p:txBody>
       </p:sp>
@@ -1343,10 +736,10 @@
           <a:lstStyle/>
           <a:p>
             <a:r>
-              <a:rPr lang="hu-HU" dirty="0"/>
+              <a:rPr lang="hu-HU"/>
               <a:t>Check: 2a-event-handling.html &amp; 2b-event-handling.html</a:t>
             </a:r>
-            <a:endParaRPr lang="en-US" dirty="0"/>
+            <a:endParaRPr lang="en-US"/>
           </a:p>
         </p:txBody>
       </p:sp>
@@ -1560,12 +953,12 @@
           <a:p>
             <a:pPr lvl="0"/>
             <a:r>
-              <a:rPr lang="en-US" dirty="0">
+              <a:rPr lang="en-US">
                 <a:effectLst/>
               </a:rPr>
               <a:t>JANUARY 2022</a:t>
             </a:r>
-            <a:endParaRPr lang="en-US" dirty="0"/>
+            <a:endParaRPr lang="en-US"/>
           </a:p>
         </p:txBody>
       </p:sp>
@@ -4149,7 +3542,7 @@
               <a:buNone/>
             </a:pPr>
             <a:r>
-              <a:rPr lang="en-US" dirty="0"/>
+              <a:rPr lang="en-US"/>
               <a:t>Edit Master Text Styles</a:t>
             </a:r>
           </a:p>
@@ -4220,7 +3613,7 @@
               <a:buNone/>
             </a:pPr>
             <a:r>
-              <a:rPr lang="en-US" dirty="0"/>
+              <a:rPr lang="en-US"/>
               <a:t>Edit Master Text Styles</a:t>
             </a:r>
           </a:p>
@@ -4923,12 +4316,12 @@
           <a:p>
             <a:pPr lvl="0"/>
             <a:r>
-              <a:rPr lang="en-US" dirty="0">
+              <a:rPr lang="en-US">
                 <a:effectLst/>
               </a:rPr>
               <a:t>JANUARY 2022</a:t>
             </a:r>
-            <a:endParaRPr lang="en-US" dirty="0"/>
+            <a:endParaRPr lang="en-US"/>
           </a:p>
         </p:txBody>
       </p:sp>
@@ -5059,7 +4452,7 @@
               <a:buFont typeface="Arial" panose="020B0604020202020204" pitchFamily="34" charset="0"/>
             </a:pPr>
             <a:r>
-              <a:rPr lang="en-US" dirty="0"/>
+              <a:rPr lang="en-US"/>
               <a:t>Click to edit Master title style</a:t>
             </a:r>
           </a:p>
@@ -8440,12 +7833,12 @@
           <a:p>
             <a:pPr lvl="0"/>
             <a:r>
-              <a:rPr lang="en-US" dirty="0">
+              <a:rPr lang="en-US">
                 <a:effectLst/>
               </a:rPr>
               <a:t>JANUARY 2022</a:t>
             </a:r>
-            <a:endParaRPr lang="en-US" dirty="0"/>
+            <a:endParaRPr lang="en-US"/>
           </a:p>
         </p:txBody>
       </p:sp>
@@ -8536,7 +7929,7 @@
               <a:buFont typeface="Arial" panose="020B0604020202020204" pitchFamily="34" charset="0"/>
             </a:pPr>
             <a:r>
-              <a:rPr lang="en-US" dirty="0"/>
+              <a:rPr lang="en-US"/>
               <a:t>Click to edit Master title style</a:t>
             </a:r>
           </a:p>
@@ -22627,7 +22020,7 @@
           <a:lstStyle/>
           <a:p>
             <a:r>
-              <a:rPr lang="en-US" dirty="0"/>
+              <a:rPr lang="en-US"/>
               <a:t>Click To Edit Master Title Style</a:t>
             </a:r>
           </a:p>
@@ -22721,7 +22114,7 @@
               <a:defRPr/>
             </a:pPr>
             <a:r>
-              <a:rPr kumimoji="0" lang="en-US" sz="1400" b="0" i="0" u="none" strike="noStrike" kern="1200" cap="none" spc="0" normalizeH="0" baseline="0" noProof="0" dirty="0">
+              <a:rPr kumimoji="0" lang="en-US" sz="1400" b="0" i="0" u="none" strike="noStrike" kern="1200" cap="none" spc="0" normalizeH="0" baseline="0" noProof="0">
                 <a:ln>
                   <a:noFill/>
                 </a:ln>
@@ -22758,7 +22151,7 @@
               <a:defRPr/>
             </a:pPr>
             <a:r>
-              <a:rPr kumimoji="0" lang="en-US" sz="1400" b="0" i="0" u="none" strike="noStrike" kern="1200" cap="none" spc="0" normalizeH="0" baseline="0" noProof="0" dirty="0">
+              <a:rPr kumimoji="0" lang="en-US" sz="1400" b="0" i="0" u="none" strike="noStrike" kern="1200" cap="none" spc="0" normalizeH="0" baseline="0" noProof="0">
                 <a:ln>
                   <a:noFill/>
                 </a:ln>
@@ -22795,7 +22188,7 @@
               <a:defRPr/>
             </a:pPr>
             <a:r>
-              <a:rPr kumimoji="0" lang="en-US" sz="1200" b="0" i="0" u="none" strike="noStrike" kern="1200" cap="none" spc="0" normalizeH="0" baseline="0" noProof="0" dirty="0">
+              <a:rPr kumimoji="0" lang="en-US" sz="1200" b="0" i="0" u="none" strike="noStrike" kern="1200" cap="none" spc="0" normalizeH="0" baseline="0" noProof="0">
                 <a:ln>
                   <a:noFill/>
                 </a:ln>
@@ -22810,7 +22203,7 @@
               </a:rPr>
               <a:t>Third level</a:t>
             </a:r>
-            <a:endParaRPr lang="en-US" dirty="0"/>
+            <a:endParaRPr lang="en-US"/>
           </a:p>
         </p:txBody>
       </p:sp>
@@ -23581,10 +22974,10 @@
           <a:lstStyle/>
           <a:p>
             <a:r>
-              <a:rPr lang="hu-HU" dirty="0"/>
+              <a:rPr lang="hu-HU"/>
               <a:t>Jozsef Gal</a:t>
             </a:r>
-            <a:endParaRPr lang="en-US" dirty="0"/>
+            <a:endParaRPr lang="en-US"/>
           </a:p>
         </p:txBody>
       </p:sp>
@@ -23606,14 +22999,18 @@
         </p:nvSpPr>
         <p:spPr/>
         <p:txBody>
-          <a:bodyPr/>
+          <a:bodyPr vert="horz" lIns="0" tIns="0" rIns="0" bIns="0" rtlCol="0" anchor="t">
+            <a:spAutoFit/>
+          </a:bodyPr>
           <a:lstStyle/>
           <a:p>
             <a:r>
-              <a:rPr lang="hu-HU" dirty="0"/>
-              <a:t>Nyíregyháza – 2022/03/16</a:t>
-            </a:r>
-            <a:endParaRPr lang="en-US" dirty="0"/>
+              <a:rPr lang="hu-HU">
+                <a:cs typeface="Calibri"/>
+              </a:rPr>
+              <a:t>Nyíregyháza – 2024/02/27</a:t>
+            </a:r>
+            <a:endParaRPr lang="en-US"/>
           </a:p>
         </p:txBody>
       </p:sp>
@@ -23644,10 +23041,10 @@
           <a:lstStyle/>
           <a:p>
             <a:r>
-              <a:rPr lang="hu-HU" sz="7200" dirty="0"/>
+              <a:rPr lang="hu-HU" sz="7200"/>
               <a:t>Short introduction to JavaScript</a:t>
             </a:r>
-            <a:endParaRPr lang="en-US" sz="7200" dirty="0"/>
+            <a:endParaRPr lang="en-US" sz="7200"/>
           </a:p>
         </p:txBody>
       </p:sp>
@@ -23703,10 +23100,10 @@
           <a:lstStyle/>
           <a:p>
             <a:r>
-              <a:rPr lang="hu-HU" dirty="0"/>
+              <a:rPr lang="hu-HU"/>
               <a:t>JavaScript</a:t>
             </a:r>
-            <a:endParaRPr lang="en-US" dirty="0"/>
+            <a:endParaRPr lang="en-US"/>
           </a:p>
         </p:txBody>
       </p:sp>
@@ -23732,10 +23129,10 @@
           <a:lstStyle/>
           <a:p>
             <a:r>
-              <a:rPr lang="hu-HU" dirty="0"/>
+              <a:rPr lang="hu-HU"/>
               <a:t>Classes</a:t>
             </a:r>
-            <a:endParaRPr lang="en-US" dirty="0"/>
+            <a:endParaRPr lang="en-US"/>
           </a:p>
         </p:txBody>
       </p:sp>
@@ -23771,7 +23168,7 @@
               <a:buChar char="•"/>
             </a:pPr>
             <a:r>
-              <a:rPr lang="hu-HU" dirty="0"/>
+              <a:rPr lang="hu-HU"/>
               <a:t>Template for creating objects</a:t>
             </a:r>
           </a:p>
@@ -23781,7 +23178,7 @@
               <a:buChar char="•"/>
             </a:pPr>
             <a:r>
-              <a:rPr lang="hu-HU" dirty="0"/>
+              <a:rPr lang="hu-HU"/>
               <a:t>Before ES6: house of horror</a:t>
             </a:r>
           </a:p>
@@ -23791,7 +23188,7 @@
               <a:buChar char="•"/>
             </a:pPr>
             <a:r>
-              <a:rPr lang="hu-HU" dirty="0"/>
+              <a:rPr lang="hu-HU"/>
               <a:t>ES6: class expression</a:t>
             </a:r>
           </a:p>
@@ -23801,7 +23198,7 @@
               <a:buChar char="•"/>
             </a:pPr>
             <a:r>
-              <a:rPr lang="hu-HU" dirty="0"/>
+              <a:rPr lang="hu-HU"/>
               <a:t>Constructor</a:t>
             </a:r>
           </a:p>
@@ -23811,7 +23208,7 @@
               <a:buChar char="•"/>
             </a:pPr>
             <a:r>
-              <a:rPr lang="hu-HU" dirty="0"/>
+              <a:rPr lang="hu-HU"/>
               <a:t>Only „public” elements can be defined (no restriction definition)</a:t>
             </a:r>
           </a:p>
@@ -23820,7 +23217,7 @@
               <a:buFont typeface="Arial" panose="020B0604020202020204" pitchFamily="34" charset="0"/>
               <a:buChar char="•"/>
             </a:pPr>
-            <a:endParaRPr lang="hu-HU" dirty="0"/>
+            <a:endParaRPr lang="hu-HU"/>
           </a:p>
           <a:p>
             <a:pPr marL="285750" indent="-285750" algn="l">
@@ -23828,7 +23225,7 @@
               <a:buChar char="•"/>
             </a:pPr>
             <a:r>
-              <a:rPr lang="hu-HU" dirty="0"/>
+              <a:rPr lang="hu-HU"/>
               <a:t>Prototype:</a:t>
             </a:r>
           </a:p>
@@ -23838,7 +23235,7 @@
               <a:buChar char="•"/>
             </a:pPr>
             <a:r>
-              <a:rPr lang="hu-HU" dirty="0"/>
+              <a:rPr lang="hu-HU"/>
               <a:t>JS implements prototype-based inheritance</a:t>
             </a:r>
           </a:p>
@@ -23848,7 +23245,7 @@
               <a:buChar char="•"/>
             </a:pPr>
             <a:r>
-              <a:rPr lang="hu-HU" dirty="0"/>
+              <a:rPr lang="hu-HU"/>
               <a:t>Mechanism by which JS objects inherit features from one another</a:t>
             </a:r>
           </a:p>
@@ -23858,7 +23255,7 @@
               <a:buChar char="•"/>
             </a:pPr>
             <a:r>
-              <a:rPr lang="hu-HU" dirty="0"/>
+              <a:rPr lang="hu-HU"/>
               <a:t>Chain: every objects has a prototype, which can also have a (different) one</a:t>
             </a:r>
           </a:p>
@@ -23868,7 +23265,7 @@
               <a:buChar char="•"/>
             </a:pPr>
             <a:r>
-              <a:rPr lang="hu-HU" dirty="0"/>
+              <a:rPr lang="hu-HU"/>
               <a:t>__proto__ property: how to resolve methods?</a:t>
             </a:r>
           </a:p>
@@ -23877,7 +23274,7 @@
               <a:buFont typeface="Arial" panose="020B0604020202020204" pitchFamily="34" charset="0"/>
               <a:buChar char="•"/>
             </a:pPr>
-            <a:endParaRPr lang="hu-HU" dirty="0"/>
+            <a:endParaRPr lang="hu-HU"/>
           </a:p>
         </p:txBody>
       </p:sp>
@@ -23910,27 +23307,27 @@
           <a:lstStyle/>
           <a:p>
             <a:r>
-              <a:rPr lang="en-US" sz="1200" dirty="0">
+              <a:rPr lang="en-US" sz="1200">
                 <a:hlinkClick r:id="rId2"/>
               </a:rPr>
               <a:t>https://developer.mozilla.org/en-US/docs/Learn/JavaScript/Objects/Object_prototypes</a:t>
             </a:r>
-            <a:endParaRPr lang="hu-HU" sz="1200" dirty="0"/>
-          </a:p>
-          <a:p>
-            <a:endParaRPr lang="hu-HU" sz="1200" dirty="0"/>
-          </a:p>
-          <a:p>
-            <a:r>
-              <a:rPr lang="en-US" sz="1200" dirty="0">
+            <a:endParaRPr lang="hu-HU" sz="1200"/>
+          </a:p>
+          <a:p>
+            <a:endParaRPr lang="hu-HU" sz="1200"/>
+          </a:p>
+          <a:p>
+            <a:r>
+              <a:rPr lang="en-US" sz="1200">
                 <a:hlinkClick r:id="rId3"/>
               </a:rPr>
               <a:t>https://developer.mozilla.org/en-US/docs/Web/JavaScript/Reference/Classes</a:t>
             </a:r>
-            <a:endParaRPr lang="hu-HU" sz="1200" dirty="0"/>
-          </a:p>
-          <a:p>
-            <a:endParaRPr lang="en-US" sz="1200" dirty="0"/>
+            <a:endParaRPr lang="hu-HU" sz="1200"/>
+          </a:p>
+          <a:p>
+            <a:endParaRPr lang="en-US" sz="1200"/>
           </a:p>
         </p:txBody>
       </p:sp>
@@ -23963,7 +23360,7 @@
           <a:lstStyle/>
           <a:p>
             <a:r>
-              <a:rPr lang="en-US" sz="1400" b="0" dirty="0">
+              <a:rPr lang="en-US" sz="1400" b="0">
                 <a:solidFill>
                   <a:srgbClr val="569CD6"/>
                 </a:solidFill>
@@ -23973,7 +23370,7 @@
               <a:t>class</a:t>
             </a:r>
             <a:r>
-              <a:rPr lang="en-US" sz="1400" b="0" dirty="0">
+              <a:rPr lang="en-US" sz="1400" b="0">
                 <a:solidFill>
                   <a:srgbClr val="D4D4D4"/>
                 </a:solidFill>
@@ -23983,7 +23380,7 @@
               <a:t> </a:t>
             </a:r>
             <a:r>
-              <a:rPr lang="en-US" sz="1400" b="0" dirty="0">
+              <a:rPr lang="en-US" sz="1400" b="0">
                 <a:solidFill>
                   <a:srgbClr val="4EC9B0"/>
                 </a:solidFill>
@@ -23993,7 +23390,7 @@
               <a:t>Computer</a:t>
             </a:r>
             <a:r>
-              <a:rPr lang="en-US" sz="1400" b="0" dirty="0">
+              <a:rPr lang="en-US" sz="1400" b="0">
                 <a:solidFill>
                   <a:srgbClr val="D4D4D4"/>
                 </a:solidFill>
@@ -24005,7 +23402,7 @@
           </a:p>
           <a:p>
             <a:r>
-              <a:rPr lang="en-US" sz="1400" b="0" dirty="0">
+              <a:rPr lang="en-US" sz="1400" b="0">
                 <a:solidFill>
                   <a:srgbClr val="D4D4D4"/>
                 </a:solidFill>
@@ -24015,7 +23412,7 @@
               <a:t>  </a:t>
             </a:r>
             <a:r>
-              <a:rPr lang="en-US" sz="1400" b="0" dirty="0">
+              <a:rPr lang="en-US" sz="1400" b="0">
                 <a:solidFill>
                   <a:srgbClr val="569CD6"/>
                 </a:solidFill>
@@ -24025,7 +23422,7 @@
               <a:t>constructor</a:t>
             </a:r>
             <a:r>
-              <a:rPr lang="en-US" sz="1400" b="0" dirty="0">
+              <a:rPr lang="en-US" sz="1400" b="0">
                 <a:solidFill>
                   <a:srgbClr val="D4D4D4"/>
                 </a:solidFill>
@@ -24035,7 +23432,7 @@
               <a:t>(</a:t>
             </a:r>
             <a:r>
-              <a:rPr lang="en-US" sz="1400" b="0" dirty="0">
+              <a:rPr lang="en-US" sz="1400" b="0">
                 <a:solidFill>
                   <a:srgbClr val="9CDCFE"/>
                 </a:solidFill>
@@ -24045,7 +23442,7 @@
               <a:t>name</a:t>
             </a:r>
             <a:r>
-              <a:rPr lang="en-US" sz="1400" b="0" dirty="0">
+              <a:rPr lang="en-US" sz="1400" b="0">
                 <a:solidFill>
                   <a:srgbClr val="D4D4D4"/>
                 </a:solidFill>
@@ -24057,7 +23454,7 @@
           </a:p>
           <a:p>
             <a:r>
-              <a:rPr lang="en-US" sz="1400" b="0" dirty="0">
+              <a:rPr lang="en-US" sz="1400" b="0">
                 <a:solidFill>
                   <a:srgbClr val="D4D4D4"/>
                 </a:solidFill>
@@ -24067,7 +23464,7 @@
               <a:t>    </a:t>
             </a:r>
             <a:r>
-              <a:rPr lang="en-US" sz="1400" b="0" dirty="0">
+              <a:rPr lang="en-US" sz="1400" b="0">
                 <a:solidFill>
                   <a:srgbClr val="569CD6"/>
                 </a:solidFill>
@@ -24077,7 +23474,7 @@
               <a:t>this</a:t>
             </a:r>
             <a:r>
-              <a:rPr lang="en-US" sz="1400" b="0" dirty="0">
+              <a:rPr lang="en-US" sz="1400" b="0">
                 <a:solidFill>
                   <a:srgbClr val="D4D4D4"/>
                 </a:solidFill>
@@ -24087,7 +23484,7 @@
               <a:t>.</a:t>
             </a:r>
             <a:r>
-              <a:rPr lang="en-US" sz="1400" b="0" dirty="0">
+              <a:rPr lang="en-US" sz="1400" b="0">
                 <a:solidFill>
                   <a:srgbClr val="9CDCFE"/>
                 </a:solidFill>
@@ -24097,7 +23494,7 @@
               <a:t>name</a:t>
             </a:r>
             <a:r>
-              <a:rPr lang="en-US" sz="1400" b="0" dirty="0">
+              <a:rPr lang="en-US" sz="1400" b="0">
                 <a:solidFill>
                   <a:srgbClr val="D4D4D4"/>
                 </a:solidFill>
@@ -24107,7 +23504,7 @@
               <a:t> = </a:t>
             </a:r>
             <a:r>
-              <a:rPr lang="en-US" sz="1400" b="0" dirty="0">
+              <a:rPr lang="en-US" sz="1400" b="0">
                 <a:solidFill>
                   <a:srgbClr val="9CDCFE"/>
                 </a:solidFill>
@@ -24117,7 +23514,7 @@
               <a:t>name</a:t>
             </a:r>
             <a:r>
-              <a:rPr lang="en-US" sz="1400" b="0" dirty="0">
+              <a:rPr lang="en-US" sz="1400" b="0">
                 <a:solidFill>
                   <a:srgbClr val="D4D4D4"/>
                 </a:solidFill>
@@ -24129,7 +23526,7 @@
           </a:p>
           <a:p>
             <a:r>
-              <a:rPr lang="en-US" sz="1400" b="0" dirty="0">
+              <a:rPr lang="en-US" sz="1400" b="0">
                 <a:solidFill>
                   <a:srgbClr val="D4D4D4"/>
                 </a:solidFill>
@@ -24139,7 +23536,7 @@
               <a:t>    </a:t>
             </a:r>
             <a:r>
-              <a:rPr lang="en-US" sz="1400" b="0" dirty="0" err="1">
+              <a:rPr lang="en-US" sz="1400" b="0" err="1">
                 <a:solidFill>
                   <a:srgbClr val="569CD6"/>
                 </a:solidFill>
@@ -24149,7 +23546,7 @@
               <a:t>this</a:t>
             </a:r>
             <a:r>
-              <a:rPr lang="en-US" sz="1400" b="0" dirty="0" err="1">
+              <a:rPr lang="en-US" sz="1400" b="0" err="1">
                 <a:solidFill>
                   <a:srgbClr val="D4D4D4"/>
                 </a:solidFill>
@@ -24159,7 +23556,7 @@
               <a:t>.</a:t>
             </a:r>
             <a:r>
-              <a:rPr lang="en-US" sz="1400" b="0" dirty="0" err="1">
+              <a:rPr lang="en-US" sz="1400" b="0" err="1">
                 <a:solidFill>
                   <a:srgbClr val="9CDCFE"/>
                 </a:solidFill>
@@ -24169,7 +23566,7 @@
               <a:t>portable</a:t>
             </a:r>
             <a:r>
-              <a:rPr lang="en-US" sz="1400" b="0" dirty="0">
+              <a:rPr lang="en-US" sz="1400" b="0">
                 <a:solidFill>
                   <a:srgbClr val="D4D4D4"/>
                 </a:solidFill>
@@ -24179,7 +23576,7 @@
               <a:t> = </a:t>
             </a:r>
             <a:r>
-              <a:rPr lang="en-US" sz="1400" b="0" dirty="0">
+              <a:rPr lang="en-US" sz="1400" b="0">
                 <a:solidFill>
                   <a:srgbClr val="569CD6"/>
                 </a:solidFill>
@@ -24189,7 +23586,7 @@
               <a:t>false</a:t>
             </a:r>
             <a:r>
-              <a:rPr lang="en-US" sz="1400" b="0" dirty="0">
+              <a:rPr lang="en-US" sz="1400" b="0">
                 <a:solidFill>
                   <a:srgbClr val="D4D4D4"/>
                 </a:solidFill>
@@ -24201,7 +23598,7 @@
           </a:p>
           <a:p>
             <a:r>
-              <a:rPr lang="en-US" sz="1400" b="0" dirty="0">
+              <a:rPr lang="en-US" sz="1400" b="0">
                 <a:solidFill>
                   <a:srgbClr val="D4D4D4"/>
                 </a:solidFill>
@@ -24213,7 +23610,7 @@
           </a:p>
           <a:p>
             <a:br>
-              <a:rPr lang="en-US" sz="1400" b="0" dirty="0">
+              <a:rPr lang="en-US" sz="1400" b="0">
                 <a:solidFill>
                   <a:srgbClr val="D4D4D4"/>
                 </a:solidFill>
@@ -24222,7 +23619,7 @@
               </a:rPr>
             </a:br>
             <a:r>
-              <a:rPr lang="en-US" sz="1400" b="0" dirty="0">
+              <a:rPr lang="en-US" sz="1400" b="0">
                 <a:solidFill>
                   <a:srgbClr val="D4D4D4"/>
                 </a:solidFill>
@@ -24232,7 +23629,7 @@
               <a:t>  </a:t>
             </a:r>
             <a:r>
-              <a:rPr lang="en-US" sz="1400" b="0" dirty="0">
+              <a:rPr lang="en-US" sz="1400" b="0">
                 <a:solidFill>
                   <a:srgbClr val="DCDCAA"/>
                 </a:solidFill>
@@ -24242,7 +23639,7 @@
               <a:t>describe</a:t>
             </a:r>
             <a:r>
-              <a:rPr lang="en-US" sz="1400" b="0" dirty="0">
+              <a:rPr lang="en-US" sz="1400" b="0">
                 <a:solidFill>
                   <a:srgbClr val="D4D4D4"/>
                 </a:solidFill>
@@ -24252,7 +23649,7 @@
               <a:t> = () </a:t>
             </a:r>
             <a:r>
-              <a:rPr lang="en-US" sz="1400" b="0" dirty="0">
+              <a:rPr lang="en-US" sz="1400" b="0">
                 <a:solidFill>
                   <a:srgbClr val="569CD6"/>
                 </a:solidFill>
@@ -24262,7 +23659,7 @@
               <a:t>=&gt;</a:t>
             </a:r>
             <a:r>
-              <a:rPr lang="en-US" sz="1400" b="0" dirty="0">
+              <a:rPr lang="en-US" sz="1400" b="0">
                 <a:solidFill>
                   <a:srgbClr val="D4D4D4"/>
                 </a:solidFill>
@@ -24274,7 +23671,7 @@
           </a:p>
           <a:p>
             <a:r>
-              <a:rPr lang="en-US" sz="1400" b="0" dirty="0">
+              <a:rPr lang="en-US" sz="1400" b="0">
                 <a:solidFill>
                   <a:srgbClr val="D4D4D4"/>
                 </a:solidFill>
@@ -24284,7 +23681,7 @@
               <a:t>    </a:t>
             </a:r>
             <a:r>
-              <a:rPr lang="en-US" sz="1400" b="0" dirty="0">
+              <a:rPr lang="en-US" sz="1400" b="0">
                 <a:solidFill>
                   <a:srgbClr val="9CDCFE"/>
                 </a:solidFill>
@@ -24294,7 +23691,7 @@
               <a:t>console</a:t>
             </a:r>
             <a:r>
-              <a:rPr lang="en-US" sz="1400" b="0" dirty="0">
+              <a:rPr lang="en-US" sz="1400" b="0">
                 <a:solidFill>
                   <a:srgbClr val="D4D4D4"/>
                 </a:solidFill>
@@ -24304,7 +23701,7 @@
               <a:t>.</a:t>
             </a:r>
             <a:r>
-              <a:rPr lang="en-US" sz="1400" b="0" dirty="0">
+              <a:rPr lang="en-US" sz="1400" b="0">
                 <a:solidFill>
                   <a:srgbClr val="DCDCAA"/>
                 </a:solidFill>
@@ -24314,7 +23711,7 @@
               <a:t>log</a:t>
             </a:r>
             <a:r>
-              <a:rPr lang="en-US" sz="1400" b="0" dirty="0">
+              <a:rPr lang="en-US" sz="1400" b="0">
                 <a:solidFill>
                   <a:srgbClr val="D4D4D4"/>
                 </a:solidFill>
@@ -24324,7 +23721,7 @@
               <a:t>(</a:t>
             </a:r>
             <a:r>
-              <a:rPr lang="en-US" sz="1400" b="0" dirty="0">
+              <a:rPr lang="en-US" sz="1400" b="0">
                 <a:solidFill>
                   <a:srgbClr val="569CD6"/>
                 </a:solidFill>
@@ -24334,7 +23731,7 @@
               <a:t>this</a:t>
             </a:r>
             <a:r>
-              <a:rPr lang="en-US" sz="1400" b="0" dirty="0">
+              <a:rPr lang="en-US" sz="1400" b="0">
                 <a:solidFill>
                   <a:srgbClr val="D4D4D4"/>
                 </a:solidFill>
@@ -24344,7 +23741,7 @@
               <a:t>.</a:t>
             </a:r>
             <a:r>
-              <a:rPr lang="en-US" sz="1400" b="0" dirty="0">
+              <a:rPr lang="en-US" sz="1400" b="0">
                 <a:solidFill>
                   <a:srgbClr val="9CDCFE"/>
                 </a:solidFill>
@@ -24354,7 +23751,7 @@
               <a:t>name</a:t>
             </a:r>
             <a:r>
-              <a:rPr lang="en-US" sz="1400" b="0" dirty="0">
+              <a:rPr lang="en-US" sz="1400" b="0">
                 <a:solidFill>
                   <a:srgbClr val="D4D4D4"/>
                 </a:solidFill>
@@ -24366,7 +23763,7 @@
           </a:p>
           <a:p>
             <a:r>
-              <a:rPr lang="en-US" sz="1400" b="0" dirty="0">
+              <a:rPr lang="en-US" sz="1400" b="0">
                 <a:solidFill>
                   <a:srgbClr val="D4D4D4"/>
                 </a:solidFill>
@@ -24376,7 +23773,7 @@
               <a:t>    </a:t>
             </a:r>
             <a:r>
-              <a:rPr lang="en-US" sz="1400" b="0" dirty="0">
+              <a:rPr lang="en-US" sz="1400" b="0">
                 <a:solidFill>
                   <a:srgbClr val="C586C0"/>
                 </a:solidFill>
@@ -24386,7 +23783,7 @@
               <a:t>return</a:t>
             </a:r>
             <a:r>
-              <a:rPr lang="en-US" sz="1400" b="0" dirty="0">
+              <a:rPr lang="en-US" sz="1400" b="0">
                 <a:solidFill>
                   <a:srgbClr val="D4D4D4"/>
                 </a:solidFill>
@@ -24396,7 +23793,7 @@
               <a:t> </a:t>
             </a:r>
             <a:r>
-              <a:rPr lang="en-US" sz="1400" b="0" dirty="0">
+              <a:rPr lang="en-US" sz="1400" b="0">
                 <a:solidFill>
                   <a:srgbClr val="CE9178"/>
                 </a:solidFill>
@@ -24406,7 +23803,7 @@
               <a:t>`</a:t>
             </a:r>
             <a:br>
-              <a:rPr lang="hu-HU" sz="1400" b="0" dirty="0">
+              <a:rPr lang="hu-HU" sz="1400" b="0">
                 <a:solidFill>
                   <a:srgbClr val="CE9178"/>
                 </a:solidFill>
@@ -24415,7 +23812,7 @@
               </a:rPr>
             </a:br>
             <a:r>
-              <a:rPr lang="hu-HU" sz="1400" b="0" dirty="0">
+              <a:rPr lang="hu-HU" sz="1400" b="0">
                 <a:solidFill>
                   <a:srgbClr val="CE9178"/>
                 </a:solidFill>
@@ -24425,7 +23822,7 @@
               <a:t>      </a:t>
             </a:r>
             <a:r>
-              <a:rPr lang="en-US" sz="1400" b="0" dirty="0">
+              <a:rPr lang="en-US" sz="1400" b="0">
                 <a:solidFill>
                   <a:srgbClr val="CE9178"/>
                 </a:solidFill>
@@ -24435,7 +23832,7 @@
               <a:t>It's </a:t>
             </a:r>
             <a:r>
-              <a:rPr lang="en-US" sz="1400" b="0" dirty="0">
+              <a:rPr lang="en-US" sz="1400" b="0">
                 <a:solidFill>
                   <a:srgbClr val="569CD6"/>
                 </a:solidFill>
@@ -24445,7 +23842,7 @@
               <a:t>${this</a:t>
             </a:r>
             <a:r>
-              <a:rPr lang="en-US" sz="1400" b="0" dirty="0">
+              <a:rPr lang="en-US" sz="1400" b="0">
                 <a:solidFill>
                   <a:srgbClr val="D4D4D4"/>
                 </a:solidFill>
@@ -24455,7 +23852,7 @@
               <a:t>.</a:t>
             </a:r>
             <a:r>
-              <a:rPr lang="en-US" sz="1400" b="0" dirty="0">
+              <a:rPr lang="en-US" sz="1400" b="0">
                 <a:solidFill>
                   <a:srgbClr val="9CDCFE"/>
                 </a:solidFill>
@@ -24465,7 +23862,7 @@
               <a:t>name</a:t>
             </a:r>
             <a:r>
-              <a:rPr lang="en-US" sz="1400" b="0" dirty="0">
+              <a:rPr lang="en-US" sz="1400" b="0">
                 <a:solidFill>
                   <a:srgbClr val="569CD6"/>
                 </a:solidFill>
@@ -24475,7 +23872,7 @@
               <a:t>}</a:t>
             </a:r>
             <a:r>
-              <a:rPr lang="en-US" sz="1400" b="0" dirty="0">
+              <a:rPr lang="en-US" sz="1400" b="0">
                 <a:solidFill>
                   <a:srgbClr val="CE9178"/>
                 </a:solidFill>
@@ -24485,7 +23882,7 @@
               <a:t> –</a:t>
             </a:r>
             <a:br>
-              <a:rPr lang="hu-HU" sz="1400" b="0" dirty="0">
+              <a:rPr lang="hu-HU" sz="1400" b="0">
                 <a:solidFill>
                   <a:srgbClr val="CE9178"/>
                 </a:solidFill>
@@ -24494,7 +23891,7 @@
               </a:rPr>
             </a:br>
             <a:r>
-              <a:rPr lang="hu-HU" sz="1400" b="0" dirty="0">
+              <a:rPr lang="hu-HU" sz="1400" b="0">
                 <a:solidFill>
                   <a:srgbClr val="CE9178"/>
                 </a:solidFill>
@@ -24504,7 +23901,7 @@
               <a:t>      </a:t>
             </a:r>
             <a:r>
-              <a:rPr lang="en-US" sz="1400" b="0" dirty="0">
+              <a:rPr lang="en-US" sz="1400" b="0">
                 <a:solidFill>
                   <a:srgbClr val="569CD6"/>
                 </a:solidFill>
@@ -24514,7 +23911,7 @@
               <a:t>${</a:t>
             </a:r>
             <a:r>
-              <a:rPr lang="en-US" sz="1400" b="0" dirty="0" err="1">
+              <a:rPr lang="en-US" sz="1400" b="0" err="1">
                 <a:solidFill>
                   <a:srgbClr val="569CD6"/>
                 </a:solidFill>
@@ -24524,7 +23921,7 @@
               <a:t>this</a:t>
             </a:r>
             <a:r>
-              <a:rPr lang="en-US" sz="1400" b="0" dirty="0" err="1">
+              <a:rPr lang="en-US" sz="1400" b="0" err="1">
                 <a:solidFill>
                   <a:srgbClr val="D4D4D4"/>
                 </a:solidFill>
@@ -24534,7 +23931,7 @@
               <a:t>.</a:t>
             </a:r>
             <a:r>
-              <a:rPr lang="en-US" sz="1400" b="0" dirty="0" err="1">
+              <a:rPr lang="en-US" sz="1400" b="0" err="1">
                 <a:solidFill>
                   <a:srgbClr val="9CDCFE"/>
                 </a:solidFill>
@@ -24544,7 +23941,7 @@
               <a:t>portable</a:t>
             </a:r>
             <a:r>
-              <a:rPr lang="en-US" sz="1400" b="0" dirty="0">
+              <a:rPr lang="en-US" sz="1400" b="0">
                 <a:solidFill>
                   <a:srgbClr val="D4D4D4"/>
                 </a:solidFill>
@@ -24554,7 +23951,7 @@
               <a:t> ? </a:t>
             </a:r>
             <a:r>
-              <a:rPr lang="en-US" sz="1400" b="0" dirty="0">
+              <a:rPr lang="en-US" sz="1400" b="0">
                 <a:solidFill>
                   <a:srgbClr val="CE9178"/>
                 </a:solidFill>
@@ -24564,7 +23961,7 @@
               <a:t>"portable"</a:t>
             </a:r>
             <a:r>
-              <a:rPr lang="en-US" sz="1400" b="0" dirty="0">
+              <a:rPr lang="en-US" sz="1400" b="0">
                 <a:solidFill>
                   <a:srgbClr val="D4D4D4"/>
                 </a:solidFill>
@@ -24574,7 +23971,7 @@
               <a:t> : </a:t>
             </a:r>
             <a:r>
-              <a:rPr lang="en-US" sz="1400" b="0" dirty="0">
+              <a:rPr lang="en-US" sz="1400" b="0">
                 <a:solidFill>
                   <a:srgbClr val="CE9178"/>
                 </a:solidFill>
@@ -24584,7 +23981,7 @@
               <a:t>"</a:t>
             </a:r>
             <a:r>
-              <a:rPr lang="en-US" sz="1400" b="0" dirty="0" err="1">
+              <a:rPr lang="en-US" sz="1400" b="0" err="1">
                 <a:solidFill>
                   <a:srgbClr val="CE9178"/>
                 </a:solidFill>
@@ -24594,7 +23991,7 @@
               <a:t>standar</a:t>
             </a:r>
             <a:r>
-              <a:rPr lang="hu-HU" sz="1400" b="0" dirty="0">
+              <a:rPr lang="hu-HU" sz="1400" b="0">
                 <a:solidFill>
                   <a:srgbClr val="CE9178"/>
                 </a:solidFill>
@@ -24604,7 +24001,7 @@
               <a:t>d</a:t>
             </a:r>
             <a:r>
-              <a:rPr lang="en-US" sz="1400" b="0" dirty="0">
+              <a:rPr lang="en-US" sz="1400" b="0">
                 <a:solidFill>
                   <a:srgbClr val="CE9178"/>
                 </a:solidFill>
@@ -24614,7 +24011,7 @@
               <a:t>"</a:t>
             </a:r>
             <a:r>
-              <a:rPr lang="en-US" sz="1400" b="0" dirty="0">
+              <a:rPr lang="en-US" sz="1400" b="0">
                 <a:solidFill>
                   <a:srgbClr val="569CD6"/>
                 </a:solidFill>
@@ -24624,7 +24021,7 @@
               <a:t>}</a:t>
             </a:r>
             <a:br>
-              <a:rPr lang="hu-HU" sz="1400" b="0" dirty="0">
+              <a:rPr lang="hu-HU" sz="1400" b="0">
                 <a:solidFill>
                   <a:srgbClr val="569CD6"/>
                 </a:solidFill>
@@ -24633,7 +24030,7 @@
               </a:rPr>
             </a:br>
             <a:r>
-              <a:rPr lang="hu-HU" sz="1400" b="0" dirty="0">
+              <a:rPr lang="hu-HU" sz="1400" b="0">
                 <a:solidFill>
                   <a:srgbClr val="569CD6"/>
                 </a:solidFill>
@@ -24643,7 +24040,7 @@
               <a:t>      </a:t>
             </a:r>
             <a:r>
-              <a:rPr lang="en-US" sz="1400" b="0" dirty="0">
+              <a:rPr lang="en-US" sz="1400" b="0">
                 <a:solidFill>
                   <a:srgbClr val="CE9178"/>
                 </a:solidFill>
@@ -24653,7 +24050,7 @@
               <a:t>computer`</a:t>
             </a:r>
             <a:r>
-              <a:rPr lang="en-US" sz="1400" b="0" dirty="0">
+              <a:rPr lang="en-US" sz="1400" b="0">
                 <a:solidFill>
                   <a:srgbClr val="D4D4D4"/>
                 </a:solidFill>
@@ -24665,7 +24062,7 @@
           </a:p>
           <a:p>
             <a:r>
-              <a:rPr lang="en-US" sz="1400" b="0" dirty="0">
+              <a:rPr lang="en-US" sz="1400" b="0">
                 <a:solidFill>
                   <a:srgbClr val="D4D4D4"/>
                 </a:solidFill>
@@ -24677,7 +24074,7 @@
           </a:p>
           <a:p>
             <a:r>
-              <a:rPr lang="en-US" sz="1400" b="0" dirty="0">
+              <a:rPr lang="en-US" sz="1400" b="0">
                 <a:solidFill>
                   <a:srgbClr val="D4D4D4"/>
                 </a:solidFill>
@@ -24689,7 +24086,7 @@
           </a:p>
           <a:p>
             <a:br>
-              <a:rPr lang="en-US" sz="1400" b="0" dirty="0">
+              <a:rPr lang="en-US" sz="1400" b="0">
                 <a:solidFill>
                   <a:srgbClr val="D4D4D4"/>
                 </a:solidFill>
@@ -24698,7 +24095,7 @@
               </a:rPr>
             </a:br>
             <a:r>
-              <a:rPr lang="en-US" sz="1400" b="0" dirty="0">
+              <a:rPr lang="en-US" sz="1400" b="0">
                 <a:solidFill>
                   <a:srgbClr val="569CD6"/>
                 </a:solidFill>
@@ -24708,7 +24105,7 @@
               <a:t>class</a:t>
             </a:r>
             <a:r>
-              <a:rPr lang="en-US" sz="1400" b="0" dirty="0">
+              <a:rPr lang="en-US" sz="1400" b="0">
                 <a:solidFill>
                   <a:srgbClr val="D4D4D4"/>
                 </a:solidFill>
@@ -24718,7 +24115,7 @@
               <a:t> </a:t>
             </a:r>
             <a:r>
-              <a:rPr lang="en-US" sz="1400" b="0" dirty="0">
+              <a:rPr lang="en-US" sz="1400" b="0">
                 <a:solidFill>
                   <a:srgbClr val="4EC9B0"/>
                 </a:solidFill>
@@ -24728,7 +24125,7 @@
               <a:t>Notebook</a:t>
             </a:r>
             <a:r>
-              <a:rPr lang="en-US" sz="1400" b="0" dirty="0">
+              <a:rPr lang="en-US" sz="1400" b="0">
                 <a:solidFill>
                   <a:srgbClr val="D4D4D4"/>
                 </a:solidFill>
@@ -24738,7 +24135,7 @@
               <a:t> </a:t>
             </a:r>
             <a:r>
-              <a:rPr lang="en-US" sz="1400" b="0" dirty="0">
+              <a:rPr lang="en-US" sz="1400" b="0">
                 <a:solidFill>
                   <a:srgbClr val="569CD6"/>
                 </a:solidFill>
@@ -24748,7 +24145,7 @@
               <a:t>extends</a:t>
             </a:r>
             <a:r>
-              <a:rPr lang="en-US" sz="1400" b="0" dirty="0">
+              <a:rPr lang="en-US" sz="1400" b="0">
                 <a:solidFill>
                   <a:srgbClr val="D4D4D4"/>
                 </a:solidFill>
@@ -24758,7 +24155,7 @@
               <a:t> </a:t>
             </a:r>
             <a:r>
-              <a:rPr lang="en-US" sz="1400" b="0" dirty="0">
+              <a:rPr lang="en-US" sz="1400" b="0">
                 <a:solidFill>
                   <a:srgbClr val="4EC9B0"/>
                 </a:solidFill>
@@ -24768,7 +24165,7 @@
               <a:t>Computer</a:t>
             </a:r>
             <a:r>
-              <a:rPr lang="en-US" sz="1400" b="0" dirty="0">
+              <a:rPr lang="en-US" sz="1400" b="0">
                 <a:solidFill>
                   <a:srgbClr val="D4D4D4"/>
                 </a:solidFill>
@@ -24780,7 +24177,7 @@
           </a:p>
           <a:p>
             <a:r>
-              <a:rPr lang="en-US" sz="1400" b="0" dirty="0">
+              <a:rPr lang="en-US" sz="1400" b="0">
                 <a:solidFill>
                   <a:srgbClr val="D4D4D4"/>
                 </a:solidFill>
@@ -24790,7 +24187,7 @@
               <a:t>  </a:t>
             </a:r>
             <a:r>
-              <a:rPr lang="en-US" sz="1400" b="0" dirty="0">
+              <a:rPr lang="en-US" sz="1400" b="0">
                 <a:solidFill>
                   <a:srgbClr val="569CD6"/>
                 </a:solidFill>
@@ -24800,7 +24197,7 @@
               <a:t>constructor</a:t>
             </a:r>
             <a:r>
-              <a:rPr lang="en-US" sz="1400" b="0" dirty="0">
+              <a:rPr lang="en-US" sz="1400" b="0">
                 <a:solidFill>
                   <a:srgbClr val="D4D4D4"/>
                 </a:solidFill>
@@ -24810,7 +24207,7 @@
               <a:t>(</a:t>
             </a:r>
             <a:r>
-              <a:rPr lang="en-US" sz="1400" b="0" dirty="0">
+              <a:rPr lang="en-US" sz="1400" b="0">
                 <a:solidFill>
                   <a:srgbClr val="9CDCFE"/>
                 </a:solidFill>
@@ -24820,7 +24217,7 @@
               <a:t>name</a:t>
             </a:r>
             <a:r>
-              <a:rPr lang="en-US" sz="1400" b="0" dirty="0">
+              <a:rPr lang="en-US" sz="1400" b="0">
                 <a:solidFill>
                   <a:srgbClr val="D4D4D4"/>
                 </a:solidFill>
@@ -24832,7 +24229,7 @@
           </a:p>
           <a:p>
             <a:r>
-              <a:rPr lang="en-US" sz="1400" b="0" dirty="0">
+              <a:rPr lang="en-US" sz="1400" b="0">
                 <a:solidFill>
                   <a:srgbClr val="D4D4D4"/>
                 </a:solidFill>
@@ -24842,7 +24239,7 @@
               <a:t>    </a:t>
             </a:r>
             <a:r>
-              <a:rPr lang="en-US" sz="1400" b="0" dirty="0">
+              <a:rPr lang="en-US" sz="1400" b="0">
                 <a:solidFill>
                   <a:srgbClr val="569CD6"/>
                 </a:solidFill>
@@ -24852,7 +24249,7 @@
               <a:t>super</a:t>
             </a:r>
             <a:r>
-              <a:rPr lang="en-US" sz="1400" b="0" dirty="0">
+              <a:rPr lang="en-US" sz="1400" b="0">
                 <a:solidFill>
                   <a:srgbClr val="D4D4D4"/>
                 </a:solidFill>
@@ -24862,7 +24259,7 @@
               <a:t>(</a:t>
             </a:r>
             <a:r>
-              <a:rPr lang="en-US" sz="1400" b="0" dirty="0">
+              <a:rPr lang="en-US" sz="1400" b="0">
                 <a:solidFill>
                   <a:srgbClr val="9CDCFE"/>
                 </a:solidFill>
@@ -24872,7 +24269,7 @@
               <a:t>name</a:t>
             </a:r>
             <a:r>
-              <a:rPr lang="en-US" sz="1400" b="0" dirty="0">
+              <a:rPr lang="en-US" sz="1400" b="0">
                 <a:solidFill>
                   <a:srgbClr val="D4D4D4"/>
                 </a:solidFill>
@@ -24884,7 +24281,7 @@
           </a:p>
           <a:p>
             <a:r>
-              <a:rPr lang="en-US" sz="1400" b="0" dirty="0">
+              <a:rPr lang="en-US" sz="1400" b="0">
                 <a:solidFill>
                   <a:srgbClr val="D4D4D4"/>
                 </a:solidFill>
@@ -24894,7 +24291,7 @@
               <a:t>    </a:t>
             </a:r>
             <a:r>
-              <a:rPr lang="en-US" sz="1400" b="0" dirty="0" err="1">
+              <a:rPr lang="en-US" sz="1400" b="0" err="1">
                 <a:solidFill>
                   <a:srgbClr val="569CD6"/>
                 </a:solidFill>
@@ -24904,7 +24301,7 @@
               <a:t>this</a:t>
             </a:r>
             <a:r>
-              <a:rPr lang="en-US" sz="1400" b="0" dirty="0" err="1">
+              <a:rPr lang="en-US" sz="1400" b="0" err="1">
                 <a:solidFill>
                   <a:srgbClr val="D4D4D4"/>
                 </a:solidFill>
@@ -24914,7 +24311,7 @@
               <a:t>.</a:t>
             </a:r>
             <a:r>
-              <a:rPr lang="en-US" sz="1400" b="0" dirty="0" err="1">
+              <a:rPr lang="en-US" sz="1400" b="0" err="1">
                 <a:solidFill>
                   <a:srgbClr val="9CDCFE"/>
                 </a:solidFill>
@@ -24924,7 +24321,7 @@
               <a:t>portable</a:t>
             </a:r>
             <a:r>
-              <a:rPr lang="en-US" sz="1400" b="0" dirty="0">
+              <a:rPr lang="en-US" sz="1400" b="0">
                 <a:solidFill>
                   <a:srgbClr val="D4D4D4"/>
                 </a:solidFill>
@@ -24934,7 +24331,7 @@
               <a:t> = </a:t>
             </a:r>
             <a:r>
-              <a:rPr lang="en-US" sz="1400" b="0" dirty="0">
+              <a:rPr lang="en-US" sz="1400" b="0">
                 <a:solidFill>
                   <a:srgbClr val="569CD6"/>
                 </a:solidFill>
@@ -24944,7 +24341,7 @@
               <a:t>true</a:t>
             </a:r>
             <a:r>
-              <a:rPr lang="en-US" sz="1400" b="0" dirty="0">
+              <a:rPr lang="en-US" sz="1400" b="0">
                 <a:solidFill>
                   <a:srgbClr val="D4D4D4"/>
                 </a:solidFill>
@@ -24956,7 +24353,7 @@
           </a:p>
           <a:p>
             <a:r>
-              <a:rPr lang="en-US" sz="1400" b="0" dirty="0">
+              <a:rPr lang="en-US" sz="1400" b="0">
                 <a:solidFill>
                   <a:srgbClr val="D4D4D4"/>
                 </a:solidFill>
@@ -24968,7 +24365,7 @@
           </a:p>
           <a:p>
             <a:r>
-              <a:rPr lang="en-US" sz="1400" b="0" dirty="0">
+              <a:rPr lang="en-US" sz="1400" b="0">
                 <a:solidFill>
                   <a:srgbClr val="D4D4D4"/>
                 </a:solidFill>
@@ -24980,7 +24377,7 @@
           </a:p>
           <a:p>
             <a:br>
-              <a:rPr lang="en-US" sz="1400" b="0" dirty="0">
+              <a:rPr lang="en-US" sz="1400" b="0">
                 <a:solidFill>
                   <a:srgbClr val="D4D4D4"/>
                 </a:solidFill>
@@ -24989,7 +24386,7 @@
               </a:rPr>
             </a:br>
             <a:r>
-              <a:rPr lang="en-US" sz="1400" b="0" dirty="0">
+              <a:rPr lang="en-US" sz="1400" b="0">
                 <a:solidFill>
                   <a:srgbClr val="569CD6"/>
                 </a:solidFill>
@@ -24999,7 +24396,7 @@
               <a:t>const</a:t>
             </a:r>
             <a:r>
-              <a:rPr lang="en-US" sz="1400" b="0" dirty="0">
+              <a:rPr lang="en-US" sz="1400" b="0">
                 <a:solidFill>
                   <a:srgbClr val="D4D4D4"/>
                 </a:solidFill>
@@ -25009,7 +24406,7 @@
               <a:t> </a:t>
             </a:r>
             <a:r>
-              <a:rPr lang="en-US" sz="1400" b="0" dirty="0">
+              <a:rPr lang="en-US" sz="1400" b="0">
                 <a:solidFill>
                   <a:srgbClr val="4FC1FF"/>
                 </a:solidFill>
@@ -25019,7 +24416,7 @@
               <a:t>notebook</a:t>
             </a:r>
             <a:r>
-              <a:rPr lang="en-US" sz="1400" b="0" dirty="0">
+              <a:rPr lang="en-US" sz="1400" b="0">
                 <a:solidFill>
                   <a:srgbClr val="D4D4D4"/>
                 </a:solidFill>
@@ -25029,7 +24426,7 @@
               <a:t> = </a:t>
             </a:r>
             <a:r>
-              <a:rPr lang="en-US" sz="1400" b="0" dirty="0">
+              <a:rPr lang="en-US" sz="1400" b="0">
                 <a:solidFill>
                   <a:srgbClr val="569CD6"/>
                 </a:solidFill>
@@ -25039,7 +24436,7 @@
               <a:t>new</a:t>
             </a:r>
             <a:r>
-              <a:rPr lang="en-US" sz="1400" b="0" dirty="0">
+              <a:rPr lang="en-US" sz="1400" b="0">
                 <a:solidFill>
                   <a:srgbClr val="D4D4D4"/>
                 </a:solidFill>
@@ -25049,7 +24446,7 @@
               <a:t> </a:t>
             </a:r>
             <a:r>
-              <a:rPr lang="en-US" sz="1400" b="0" dirty="0">
+              <a:rPr lang="en-US" sz="1400" b="0">
                 <a:solidFill>
                   <a:srgbClr val="4EC9B0"/>
                 </a:solidFill>
@@ -25059,7 +24456,7 @@
               <a:t>Notebook</a:t>
             </a:r>
             <a:r>
-              <a:rPr lang="en-US" sz="1400" b="0" dirty="0">
+              <a:rPr lang="en-US" sz="1400" b="0">
                 <a:solidFill>
                   <a:srgbClr val="D4D4D4"/>
                 </a:solidFill>
@@ -25069,7 +24466,7 @@
               <a:t>(</a:t>
             </a:r>
             <a:r>
-              <a:rPr lang="en-US" sz="1400" b="0" dirty="0">
+              <a:rPr lang="en-US" sz="1400" b="0">
                 <a:solidFill>
                   <a:srgbClr val="CE9178"/>
                 </a:solidFill>
@@ -25079,7 +24476,7 @@
               <a:t>"HP G</a:t>
             </a:r>
             <a:r>
-              <a:rPr lang="hu-HU" sz="1400" b="0" dirty="0">
+              <a:rPr lang="hu-HU" sz="1400" b="0">
                 <a:solidFill>
                   <a:srgbClr val="CE9178"/>
                 </a:solidFill>
@@ -25089,7 +24486,7 @@
               <a:t>8</a:t>
             </a:r>
             <a:r>
-              <a:rPr lang="en-US" sz="1400" b="0" dirty="0">
+              <a:rPr lang="en-US" sz="1400" b="0">
                 <a:solidFill>
                   <a:srgbClr val="CE9178"/>
                 </a:solidFill>
@@ -25099,7 +24496,7 @@
               <a:t>"</a:t>
             </a:r>
             <a:r>
-              <a:rPr lang="en-US" sz="1400" b="0" dirty="0">
+              <a:rPr lang="en-US" sz="1400" b="0">
                 <a:solidFill>
                   <a:srgbClr val="D4D4D4"/>
                 </a:solidFill>
@@ -25111,7 +24508,7 @@
           </a:p>
           <a:p>
             <a:r>
-              <a:rPr lang="en-US" sz="1400" b="0" dirty="0" err="1">
+              <a:rPr lang="en-US" sz="1400" b="0" err="1">
                 <a:solidFill>
                   <a:srgbClr val="4FC1FF"/>
                 </a:solidFill>
@@ -25121,7 +24518,7 @@
               <a:t>notebook</a:t>
             </a:r>
             <a:r>
-              <a:rPr lang="en-US" sz="1400" b="0" dirty="0" err="1">
+              <a:rPr lang="en-US" sz="1400" b="0" err="1">
                 <a:solidFill>
                   <a:srgbClr val="D4D4D4"/>
                 </a:solidFill>
@@ -25131,7 +24528,7 @@
               <a:t>.</a:t>
             </a:r>
             <a:r>
-              <a:rPr lang="en-US" sz="1400" b="0" dirty="0" err="1">
+              <a:rPr lang="en-US" sz="1400" b="0" err="1">
                 <a:solidFill>
                   <a:srgbClr val="DCDCAA"/>
                 </a:solidFill>
@@ -25141,7 +24538,7 @@
               <a:t>describe</a:t>
             </a:r>
             <a:r>
-              <a:rPr lang="en-US" sz="1400" b="0" dirty="0">
+              <a:rPr lang="en-US" sz="1400" b="0">
                 <a:solidFill>
                   <a:srgbClr val="D4D4D4"/>
                 </a:solidFill>
@@ -25199,16 +24596,21 @@
             <p:ph type="title"/>
           </p:nvPr>
         </p:nvSpPr>
-        <p:spPr/>
+        <p:spPr>
+          <a:xfrm>
+            <a:off x="457201" y="2292310"/>
+            <a:ext cx="8000981" cy="923330"/>
+          </a:xfrm>
+        </p:spPr>
         <p:txBody>
           <a:bodyPr/>
           <a:lstStyle/>
           <a:p>
             <a:r>
-              <a:rPr lang="hu-HU" dirty="0"/>
+              <a:rPr lang="hu-HU"/>
               <a:t>Document Object Model</a:t>
             </a:r>
-            <a:endParaRPr lang="en-US" dirty="0"/>
+            <a:endParaRPr lang="en-US"/>
           </a:p>
         </p:txBody>
       </p:sp>
@@ -25234,10 +24636,10 @@
           <a:lstStyle/>
           <a:p>
             <a:r>
-              <a:rPr lang="hu-HU" dirty="0"/>
+              <a:rPr lang="hu-HU"/>
               <a:t>HTML, CSS and JavaScript combined</a:t>
             </a:r>
-            <a:endParaRPr lang="en-US" dirty="0"/>
+            <a:endParaRPr lang="en-US"/>
           </a:p>
         </p:txBody>
       </p:sp>
@@ -25293,10 +24695,10 @@
           <a:lstStyle/>
           <a:p>
             <a:r>
-              <a:rPr lang="hu-HU" dirty="0"/>
+              <a:rPr lang="hu-HU"/>
               <a:t>What is DOM?</a:t>
             </a:r>
-            <a:endParaRPr lang="en-US" dirty="0"/>
+            <a:endParaRPr lang="en-US"/>
           </a:p>
         </p:txBody>
       </p:sp>
@@ -25322,10 +24724,10 @@
           <a:lstStyle/>
           <a:p>
             <a:r>
-              <a:rPr lang="hu-HU" dirty="0"/>
+              <a:rPr lang="hu-HU"/>
               <a:t>Document Object Model</a:t>
             </a:r>
-            <a:endParaRPr lang="en-US" dirty="0"/>
+            <a:endParaRPr lang="en-US"/>
           </a:p>
         </p:txBody>
       </p:sp>
@@ -25694,10 +25096,10 @@
           <a:lstStyle/>
           <a:p>
             <a:r>
-              <a:rPr lang="hu-HU" dirty="0"/>
+              <a:rPr lang="hu-HU"/>
               <a:t>JavaScript &amp; DOM</a:t>
             </a:r>
-            <a:endParaRPr lang="en-US" dirty="0"/>
+            <a:endParaRPr lang="en-US"/>
           </a:p>
         </p:txBody>
       </p:sp>
@@ -25723,10 +25125,10 @@
           <a:lstStyle/>
           <a:p>
             <a:r>
-              <a:rPr lang="hu-HU" dirty="0"/>
+              <a:rPr lang="hu-HU"/>
               <a:t>Document Object Model</a:t>
             </a:r>
-            <a:endParaRPr lang="en-US" dirty="0"/>
+            <a:endParaRPr lang="en-US"/>
           </a:p>
         </p:txBody>
       </p:sp>
@@ -25936,81 +25338,81 @@
           </a:lstStyle>
           <a:p>
             <a:r>
-              <a:rPr lang="hu-HU" sz="1600" dirty="0"/>
+              <a:rPr lang="hu-HU" sz="1600"/>
               <a:t>JS main purpose: add functionality to a website</a:t>
             </a:r>
           </a:p>
           <a:p>
             <a:r>
-              <a:rPr lang="hu-HU" sz="1600" dirty="0"/>
+              <a:rPr lang="hu-HU" sz="1600"/>
               <a:t>Add the possibility to react on different events:</a:t>
             </a:r>
           </a:p>
           <a:p>
             <a:pPr lvl="1"/>
             <a:r>
-              <a:rPr lang="hu-HU" sz="1600" dirty="0"/>
+              <a:rPr lang="hu-HU" sz="1600"/>
               <a:t>Mouse (over, hover)</a:t>
             </a:r>
           </a:p>
           <a:p>
             <a:pPr lvl="1"/>
             <a:r>
-              <a:rPr lang="hu-HU" sz="1600" dirty="0"/>
+              <a:rPr lang="hu-HU" sz="1600"/>
               <a:t>Keyboard events (key pressed)</a:t>
             </a:r>
           </a:p>
           <a:p>
             <a:pPr lvl="1"/>
             <a:r>
-              <a:rPr lang="hu-HU" sz="1600" dirty="0"/>
+              <a:rPr lang="hu-HU" sz="1600"/>
               <a:t>Form and Input events (submit data or value changes)</a:t>
             </a:r>
           </a:p>
           <a:p>
             <a:r>
-              <a:rPr lang="hu-HU" sz="1600" dirty="0"/>
+              <a:rPr lang="hu-HU" sz="1600"/>
               <a:t>DOM manipulation</a:t>
             </a:r>
           </a:p>
           <a:p>
             <a:pPr lvl="1"/>
             <a:r>
-              <a:rPr lang="hu-HU" sz="1600" dirty="0"/>
+              <a:rPr lang="hu-HU" sz="1600"/>
               <a:t>Create, remove or update nodes in the DOM dinamically</a:t>
             </a:r>
           </a:p>
           <a:p>
             <a:pPr lvl="1"/>
             <a:r>
-              <a:rPr lang="hu-HU" sz="1600" dirty="0"/>
+              <a:rPr lang="hu-HU" sz="1600"/>
               <a:t>Access elements and modify attributes</a:t>
             </a:r>
           </a:p>
           <a:p>
             <a:pPr lvl="1"/>
             <a:r>
-              <a:rPr lang="hu-HU" sz="1600" dirty="0"/>
+              <a:rPr lang="hu-HU" sz="1600"/>
               <a:t>Root element: window.document</a:t>
             </a:r>
           </a:p>
           <a:p>
             <a:r>
-              <a:rPr lang="hu-HU" sz="1600" dirty="0"/>
+              <a:rPr lang="hu-HU" sz="1600"/>
               <a:t>And more:</a:t>
             </a:r>
           </a:p>
           <a:p>
             <a:pPr lvl="1"/>
             <a:r>
-              <a:rPr lang="hu-HU" sz="1600" dirty="0"/>
+              <a:rPr lang="hu-HU" sz="1600"/>
               <a:t>Single Page Applications</a:t>
             </a:r>
           </a:p>
           <a:p>
             <a:pPr lvl="1"/>
             <a:r>
-              <a:rPr lang="hu-HU" sz="1600" dirty="0"/>
+              <a:rPr lang="hu-HU" sz="1600"/>
               <a:t>Web applications</a:t>
             </a:r>
           </a:p>
@@ -26222,93 +25624,93 @@
           </a:lstStyle>
           <a:p>
             <a:r>
-              <a:rPr lang="hu-HU" sz="1600" dirty="0"/>
+              <a:rPr lang="hu-HU" sz="1600"/>
               <a:t>Access elements:</a:t>
             </a:r>
           </a:p>
           <a:p>
             <a:pPr lvl="1"/>
             <a:r>
-              <a:rPr lang="hu-HU" sz="1600" dirty="0"/>
+              <a:rPr lang="hu-HU" sz="1600"/>
               <a:t>document.getElementById</a:t>
             </a:r>
           </a:p>
           <a:p>
             <a:pPr lvl="1"/>
             <a:r>
-              <a:rPr lang="hu-HU" sz="1600" dirty="0"/>
+              <a:rPr lang="hu-HU" sz="1600"/>
               <a:t>document.querySelector</a:t>
             </a:r>
           </a:p>
           <a:p>
             <a:pPr lvl="1"/>
             <a:r>
-              <a:rPr lang="hu-HU" sz="1600" dirty="0"/>
+              <a:rPr lang="hu-HU" sz="1600"/>
               <a:t>document.querySelectorAll</a:t>
             </a:r>
           </a:p>
           <a:p>
             <a:pPr lvl="1"/>
-            <a:endParaRPr lang="hu-HU" sz="1600" dirty="0"/>
-          </a:p>
-          <a:p>
-            <a:r>
-              <a:rPr lang="hu-HU" sz="1600" dirty="0"/>
+            <a:endParaRPr lang="hu-HU" sz="1600"/>
+          </a:p>
+          <a:p>
+            <a:r>
+              <a:rPr lang="hu-HU" sz="1600"/>
               <a:t>Events:</a:t>
             </a:r>
           </a:p>
           <a:p>
             <a:pPr lvl="1"/>
             <a:r>
-              <a:rPr lang="hu-HU" sz="1600" dirty="0"/>
+              <a:rPr lang="hu-HU" sz="1600"/>
               <a:t>element.addEventListener("click", callbackFn)</a:t>
             </a:r>
           </a:p>
           <a:p>
             <a:pPr lvl="1"/>
             <a:r>
-              <a:rPr lang="hu-HU" sz="1600" dirty="0"/>
+              <a:rPr lang="hu-HU" sz="1600"/>
               <a:t>element.removeEventListener("click", callbackFn)</a:t>
             </a:r>
           </a:p>
           <a:p>
             <a:pPr lvl="1"/>
-            <a:endParaRPr lang="hu-HU" sz="1600" dirty="0"/>
-          </a:p>
-          <a:p>
-            <a:r>
-              <a:rPr lang="hu-HU" sz="1600" dirty="0"/>
+            <a:endParaRPr lang="hu-HU" sz="1600"/>
+          </a:p>
+          <a:p>
+            <a:r>
+              <a:rPr lang="hu-HU" sz="1600"/>
               <a:t>Content manipulation:</a:t>
             </a:r>
           </a:p>
           <a:p>
             <a:pPr lvl="1"/>
             <a:r>
-              <a:rPr lang="hu-HU" sz="1600" dirty="0"/>
+              <a:rPr lang="hu-HU" sz="1600"/>
               <a:t>element.innerHtml</a:t>
             </a:r>
           </a:p>
           <a:p>
             <a:pPr lvl="1"/>
             <a:r>
-              <a:rPr lang="hu-HU" sz="1600" dirty="0"/>
+              <a:rPr lang="hu-HU" sz="1600"/>
               <a:t>document.createElement</a:t>
             </a:r>
           </a:p>
           <a:p>
             <a:pPr lvl="1"/>
             <a:r>
-              <a:rPr lang="hu-HU" sz="1600" dirty="0"/>
+              <a:rPr lang="hu-HU" sz="1600"/>
               <a:t>document.createTextNode</a:t>
             </a:r>
           </a:p>
           <a:p>
             <a:pPr lvl="1"/>
             <a:r>
-              <a:rPr lang="hu-HU" sz="1600" dirty="0"/>
+              <a:rPr lang="hu-HU" sz="1600"/>
               <a:t>node.appendChild</a:t>
             </a:r>
-            <a:endParaRPr lang="en-US" sz="1600" dirty="0"/>
+            <a:endParaRPr lang="en-US" sz="1600"/>
           </a:p>
         </p:txBody>
       </p:sp>
@@ -26364,10 +25766,10 @@
           <a:lstStyle/>
           <a:p>
             <a:r>
-              <a:rPr lang="hu-HU" dirty="0"/>
+              <a:rPr lang="hu-HU"/>
               <a:t>SCRIPT tag</a:t>
             </a:r>
-            <a:endParaRPr lang="en-US" dirty="0"/>
+            <a:endParaRPr lang="en-US"/>
           </a:p>
         </p:txBody>
       </p:sp>
@@ -26393,10 +25795,10 @@
           <a:lstStyle/>
           <a:p>
             <a:r>
-              <a:rPr lang="hu-HU" dirty="0"/>
+              <a:rPr lang="hu-HU"/>
               <a:t>Document Object Model</a:t>
             </a:r>
-            <a:endParaRPr lang="en-US" dirty="0"/>
+            <a:endParaRPr lang="en-US"/>
           </a:p>
         </p:txBody>
       </p:sp>
@@ -26432,7 +25834,7 @@
               <a:buChar char="•"/>
             </a:pPr>
             <a:r>
-              <a:rPr lang="hu-HU" dirty="0"/>
+              <a:rPr lang="hu-HU"/>
               <a:t>Default loading: synchronous</a:t>
             </a:r>
           </a:p>
@@ -26442,7 +25844,7 @@
               <a:buChar char="•"/>
             </a:pPr>
             <a:r>
-              <a:rPr lang="hu-HU" dirty="0"/>
+              <a:rPr lang="hu-HU"/>
               <a:t>When browser met a script tag it loads the file and execute it</a:t>
             </a:r>
           </a:p>
@@ -26452,7 +25854,7 @@
               <a:buChar char="•"/>
             </a:pPr>
             <a:r>
-              <a:rPr lang="hu-HU" dirty="0"/>
+              <a:rPr lang="hu-HU"/>
               <a:t>During this the rendering is stoped</a:t>
             </a:r>
           </a:p>
@@ -26462,7 +25864,7 @@
               <a:buChar char="•"/>
             </a:pPr>
             <a:r>
-              <a:rPr lang="hu-HU" dirty="0"/>
+              <a:rPr lang="hu-HU"/>
               <a:t>Asynchronous:</a:t>
             </a:r>
           </a:p>
@@ -26472,7 +25874,7 @@
               <a:buChar char="•"/>
             </a:pPr>
             <a:r>
-              <a:rPr lang="hu-HU" dirty="0"/>
+              <a:rPr lang="hu-HU"/>
               <a:t>Async attribute</a:t>
             </a:r>
           </a:p>
@@ -26482,7 +25884,7 @@
               <a:buChar char="•"/>
             </a:pPr>
             <a:r>
-              <a:rPr lang="hu-HU" sz="1400" dirty="0"/>
+              <a:rPr lang="hu-HU" sz="1400"/>
               <a:t>Download in the background at a low priority (same in defer)</a:t>
             </a:r>
           </a:p>
@@ -26492,7 +25894,7 @@
               <a:buChar char="•"/>
             </a:pPr>
             <a:r>
-              <a:rPr lang="hu-HU" sz="1400" dirty="0"/>
+              <a:rPr lang="hu-HU" sz="1400"/>
               <a:t>Can interrupt page rendering to execute</a:t>
             </a:r>
           </a:p>
@@ -26502,7 +25904,7 @@
               <a:buChar char="•"/>
             </a:pPr>
             <a:r>
-              <a:rPr lang="hu-HU" sz="1400" dirty="0"/>
+              <a:rPr lang="hu-HU" sz="1400"/>
               <a:t>Executes as soon as possible without particular order</a:t>
             </a:r>
           </a:p>
@@ -26512,7 +25914,7 @@
               <a:buChar char="•"/>
             </a:pPr>
             <a:r>
-              <a:rPr lang="hu-HU" dirty="0"/>
+              <a:rPr lang="hu-HU"/>
               <a:t>Defer attribute</a:t>
             </a:r>
           </a:p>
@@ -26522,7 +25924,7 @@
               <a:buChar char="•"/>
             </a:pPr>
             <a:r>
-              <a:rPr lang="hu-HU" sz="1400" dirty="0"/>
+              <a:rPr lang="hu-HU" sz="1400"/>
               <a:t>Won’t interrupt page rendering to execute</a:t>
             </a:r>
           </a:p>
@@ -26532,7 +25934,7 @@
               <a:buChar char="•"/>
             </a:pPr>
             <a:r>
-              <a:rPr lang="hu-HU" sz="1400" dirty="0"/>
+              <a:rPr lang="hu-HU" sz="1400"/>
               <a:t>Executes in sequence just before the DOMContentLoaded event</a:t>
             </a:r>
           </a:p>
@@ -26542,7 +25944,7 @@
               <a:buChar char="•"/>
             </a:pPr>
             <a:r>
-              <a:rPr lang="hu-HU" dirty="0"/>
+              <a:rPr lang="hu-HU"/>
               <a:t>Suggested method</a:t>
             </a:r>
           </a:p>
@@ -26552,7 +25954,7 @@
               <a:buChar char="•"/>
             </a:pPr>
             <a:r>
-              <a:rPr lang="hu-HU" dirty="0"/>
+              <a:rPr lang="hu-HU"/>
               <a:t>Move every SCRIPT tag at the end of the BODY</a:t>
             </a:r>
           </a:p>
@@ -26562,7 +25964,7 @@
               <a:buChar char="•"/>
             </a:pPr>
             <a:r>
-              <a:rPr lang="hu-HU" dirty="0"/>
+              <a:rPr lang="hu-HU"/>
               <a:t>Benefits:</a:t>
             </a:r>
           </a:p>
@@ -26572,7 +25974,7 @@
               <a:buChar char="•"/>
             </a:pPr>
             <a:r>
-              <a:rPr lang="hu-HU" dirty="0"/>
+              <a:rPr lang="hu-HU"/>
               <a:t>The whole page is rendered when the browser loads the script</a:t>
             </a:r>
           </a:p>
@@ -26582,7 +25984,7 @@
               <a:buChar char="•"/>
             </a:pPr>
             <a:r>
-              <a:rPr lang="hu-HU" dirty="0"/>
+              <a:rPr lang="hu-HU"/>
               <a:t>Already visible page for the user</a:t>
             </a:r>
           </a:p>
@@ -26592,7 +25994,7 @@
               <a:buChar char="•"/>
             </a:pPr>
             <a:r>
-              <a:rPr lang="hu-HU" dirty="0"/>
+              <a:rPr lang="hu-HU"/>
               <a:t>Separated logic from display mode</a:t>
             </a:r>
           </a:p>
@@ -26650,10 +26052,10 @@
           <a:lstStyle/>
           <a:p>
             <a:r>
-              <a:rPr lang="hu-HU" dirty="0"/>
+              <a:rPr lang="hu-HU"/>
               <a:t>Create HTML with JavaScript</a:t>
             </a:r>
-            <a:endParaRPr lang="en-US" dirty="0"/>
+            <a:endParaRPr lang="en-US"/>
           </a:p>
         </p:txBody>
       </p:sp>
@@ -26679,10 +26081,10 @@
           <a:lstStyle/>
           <a:p>
             <a:r>
-              <a:rPr lang="hu-HU" dirty="0"/>
+              <a:rPr lang="hu-HU"/>
               <a:t>Document Object Model</a:t>
             </a:r>
-            <a:endParaRPr lang="en-US" dirty="0"/>
+            <a:endParaRPr lang="en-US"/>
           </a:p>
         </p:txBody>
       </p:sp>
@@ -27934,6 +27336,84 @@
   <p:clrMapOvr>
     <a:masterClrMapping/>
   </p:clrMapOvr>
+  <p:timing>
+    <p:tnLst>
+      <p:par>
+        <p:cTn id="1" dur="indefinite" restart="never" nodeType="tmRoot">
+          <p:childTnLst>
+            <p:seq concurrent="1" nextAc="seek">
+              <p:cTn id="2" dur="indefinite" nodeType="mainSeq">
+                <p:childTnLst>
+                  <p:par>
+                    <p:cTn id="3" fill="hold">
+                      <p:stCondLst>
+                        <p:cond delay="indefinite"/>
+                      </p:stCondLst>
+                      <p:childTnLst>
+                        <p:par>
+                          <p:cTn id="4" fill="hold">
+                            <p:stCondLst>
+                              <p:cond delay="0"/>
+                            </p:stCondLst>
+                            <p:childTnLst>
+                              <p:par>
+                                <p:cTn id="5" presetID="1" presetClass="entr" presetSubtype="0" fill="hold" grpId="0" nodeType="clickEffect">
+                                  <p:stCondLst>
+                                    <p:cond delay="0"/>
+                                  </p:stCondLst>
+                                  <p:childTnLst>
+                                    <p:set>
+                                      <p:cBhvr>
+                                        <p:cTn id="6" dur="1" fill="hold">
+                                          <p:stCondLst>
+                                            <p:cond delay="0"/>
+                                          </p:stCondLst>
+                                        </p:cTn>
+                                        <p:tgtEl>
+                                          <p:spTgt spid="5"/>
+                                        </p:tgtEl>
+                                        <p:attrNameLst>
+                                          <p:attrName>style.visibility</p:attrName>
+                                        </p:attrNameLst>
+                                      </p:cBhvr>
+                                      <p:to>
+                                        <p:strVal val="visible"/>
+                                      </p:to>
+                                    </p:set>
+                                  </p:childTnLst>
+                                </p:cTn>
+                              </p:par>
+                            </p:childTnLst>
+                          </p:cTn>
+                        </p:par>
+                      </p:childTnLst>
+                    </p:cTn>
+                  </p:par>
+                </p:childTnLst>
+              </p:cTn>
+              <p:prevCondLst>
+                <p:cond evt="onPrev" delay="0">
+                  <p:tgtEl>
+                    <p:sldTgt/>
+                  </p:tgtEl>
+                </p:cond>
+              </p:prevCondLst>
+              <p:nextCondLst>
+                <p:cond evt="onNext" delay="0">
+                  <p:tgtEl>
+                    <p:sldTgt/>
+                  </p:tgtEl>
+                </p:cond>
+              </p:nextCondLst>
+            </p:seq>
+          </p:childTnLst>
+        </p:cTn>
+      </p:par>
+    </p:tnLst>
+    <p:bldLst>
+      <p:bldP spid="5" grpId="0"/>
+    </p:bldLst>
+  </p:timing>
 </p:sld>
 </file>
 
@@ -27976,10 +27456,10 @@
           <a:lstStyle/>
           <a:p>
             <a:r>
-              <a:rPr lang="hu-HU" dirty="0"/>
+              <a:rPr lang="hu-HU"/>
               <a:t>Event handling</a:t>
             </a:r>
-            <a:endParaRPr lang="en-US" dirty="0"/>
+            <a:endParaRPr lang="en-US"/>
           </a:p>
         </p:txBody>
       </p:sp>
@@ -28005,10 +27485,10 @@
           <a:lstStyle/>
           <a:p>
             <a:r>
-              <a:rPr lang="hu-HU" dirty="0"/>
+              <a:rPr lang="hu-HU"/>
               <a:t>Document Object Model</a:t>
             </a:r>
-            <a:endParaRPr lang="en-US" dirty="0"/>
+            <a:endParaRPr lang="en-US"/>
           </a:p>
         </p:txBody>
       </p:sp>
@@ -29087,6 +28567,84 @@
   <p:clrMapOvr>
     <a:masterClrMapping/>
   </p:clrMapOvr>
+  <p:timing>
+    <p:tnLst>
+      <p:par>
+        <p:cTn id="1" dur="indefinite" restart="never" nodeType="tmRoot">
+          <p:childTnLst>
+            <p:seq concurrent="1" nextAc="seek">
+              <p:cTn id="2" dur="indefinite" nodeType="mainSeq">
+                <p:childTnLst>
+                  <p:par>
+                    <p:cTn id="3" fill="hold">
+                      <p:stCondLst>
+                        <p:cond delay="indefinite"/>
+                      </p:stCondLst>
+                      <p:childTnLst>
+                        <p:par>
+                          <p:cTn id="4" fill="hold">
+                            <p:stCondLst>
+                              <p:cond delay="0"/>
+                            </p:stCondLst>
+                            <p:childTnLst>
+                              <p:par>
+                                <p:cTn id="5" presetID="1" presetClass="entr" presetSubtype="0" fill="hold" grpId="0" nodeType="clickEffect">
+                                  <p:stCondLst>
+                                    <p:cond delay="0"/>
+                                  </p:stCondLst>
+                                  <p:childTnLst>
+                                    <p:set>
+                                      <p:cBhvr>
+                                        <p:cTn id="6" dur="1" fill="hold">
+                                          <p:stCondLst>
+                                            <p:cond delay="0"/>
+                                          </p:stCondLst>
+                                        </p:cTn>
+                                        <p:tgtEl>
+                                          <p:spTgt spid="5"/>
+                                        </p:tgtEl>
+                                        <p:attrNameLst>
+                                          <p:attrName>style.visibility</p:attrName>
+                                        </p:attrNameLst>
+                                      </p:cBhvr>
+                                      <p:to>
+                                        <p:strVal val="visible"/>
+                                      </p:to>
+                                    </p:set>
+                                  </p:childTnLst>
+                                </p:cTn>
+                              </p:par>
+                            </p:childTnLst>
+                          </p:cTn>
+                        </p:par>
+                      </p:childTnLst>
+                    </p:cTn>
+                  </p:par>
+                </p:childTnLst>
+              </p:cTn>
+              <p:prevCondLst>
+                <p:cond evt="onPrev" delay="0">
+                  <p:tgtEl>
+                    <p:sldTgt/>
+                  </p:tgtEl>
+                </p:cond>
+              </p:prevCondLst>
+              <p:nextCondLst>
+                <p:cond evt="onNext" delay="0">
+                  <p:tgtEl>
+                    <p:sldTgt/>
+                  </p:tgtEl>
+                </p:cond>
+              </p:nextCondLst>
+            </p:seq>
+          </p:childTnLst>
+        </p:cTn>
+      </p:par>
+    </p:tnLst>
+    <p:bldLst>
+      <p:bldP spid="5" grpId="0"/>
+    </p:bldLst>
+  </p:timing>
 </p:sld>
 </file>
 
@@ -29129,10 +28687,10 @@
           <a:lstStyle/>
           <a:p>
             <a:r>
-              <a:rPr lang="hu-HU" dirty="0"/>
+              <a:rPr lang="hu-HU"/>
               <a:t>Thank you!</a:t>
             </a:r>
-            <a:endParaRPr lang="en-US" dirty="0"/>
+            <a:endParaRPr lang="en-US"/>
           </a:p>
         </p:txBody>
       </p:sp>
@@ -29163,10 +28721,10 @@
           <a:lstStyle/>
           <a:p>
             <a:r>
-              <a:rPr lang="hu-HU" dirty="0"/>
+              <a:rPr lang="hu-HU"/>
               <a:t>For more information, contact</a:t>
             </a:r>
-            <a:endParaRPr lang="en-US" dirty="0"/>
+            <a:endParaRPr lang="en-US"/>
           </a:p>
         </p:txBody>
       </p:sp>
@@ -29192,10 +28750,10 @@
           <a:lstStyle/>
           <a:p>
             <a:r>
-              <a:rPr lang="hu-HU" dirty="0"/>
+              <a:rPr lang="hu-HU"/>
               <a:t>Jozsef Gal</a:t>
             </a:r>
-            <a:endParaRPr lang="en-US" dirty="0"/>
+            <a:endParaRPr lang="en-US"/>
           </a:p>
         </p:txBody>
       </p:sp>
@@ -29221,10 +28779,10 @@
           <a:lstStyle/>
           <a:p>
             <a:r>
-              <a:rPr lang="hu-HU" dirty="0"/>
+              <a:rPr lang="hu-HU"/>
               <a:t>Senior Software Engineer</a:t>
             </a:r>
-            <a:endParaRPr lang="en-US" dirty="0"/>
+            <a:endParaRPr lang="en-US"/>
           </a:p>
         </p:txBody>
       </p:sp>
@@ -29250,10 +28808,10 @@
           <a:lstStyle/>
           <a:p>
             <a:r>
-              <a:rPr lang="hu-HU" dirty="0"/>
+              <a:rPr lang="hu-HU"/>
               <a:t>jozsef_gal@epam.com</a:t>
             </a:r>
-            <a:endParaRPr lang="en-US" dirty="0"/>
+            <a:endParaRPr lang="en-US"/>
           </a:p>
         </p:txBody>
       </p:sp>
@@ -29284,22 +28842,22 @@
           <a:lstStyle/>
           <a:p>
             <a:r>
-              <a:rPr lang="hu-HU" dirty="0"/>
+              <a:rPr lang="hu-HU"/>
               <a:t>EPAM Debrecen</a:t>
             </a:r>
           </a:p>
           <a:p>
             <a:r>
-              <a:rPr lang="hu-HU" dirty="0"/>
+              <a:rPr lang="hu-HU"/>
               <a:t>Tüzér street 4.</a:t>
             </a:r>
           </a:p>
           <a:p>
             <a:r>
-              <a:rPr lang="hu-HU" dirty="0"/>
+              <a:rPr lang="hu-HU"/>
               <a:t>HU-4028 Debrecen</a:t>
             </a:r>
-            <a:endParaRPr lang="en-US" dirty="0"/>
+            <a:endParaRPr lang="en-US"/>
           </a:p>
         </p:txBody>
       </p:sp>
@@ -29355,10 +28913,10 @@
           <a:lstStyle/>
           <a:p>
             <a:r>
-              <a:rPr lang="hu-HU" dirty="0"/>
+              <a:rPr lang="hu-HU"/>
               <a:t>Agenda</a:t>
             </a:r>
-            <a:endParaRPr lang="en-US" dirty="0"/>
+            <a:endParaRPr lang="en-US"/>
           </a:p>
         </p:txBody>
       </p:sp>
@@ -29384,10 +28942,10 @@
           <a:lstStyle/>
           <a:p>
             <a:r>
-              <a:rPr lang="hu-HU" dirty="0"/>
+              <a:rPr lang="hu-HU"/>
               <a:t>01</a:t>
             </a:r>
-            <a:endParaRPr lang="en-US" dirty="0"/>
+            <a:endParaRPr lang="en-US"/>
           </a:p>
         </p:txBody>
       </p:sp>
@@ -29413,10 +28971,10 @@
           <a:lstStyle/>
           <a:p>
             <a:r>
-              <a:rPr lang="hu-HU" dirty="0"/>
+              <a:rPr lang="hu-HU"/>
               <a:t>02</a:t>
             </a:r>
-            <a:endParaRPr lang="en-US" dirty="0"/>
+            <a:endParaRPr lang="en-US"/>
           </a:p>
         </p:txBody>
       </p:sp>
@@ -29442,10 +29000,10 @@
           <a:lstStyle/>
           <a:p>
             <a:r>
-              <a:rPr lang="hu-HU" dirty="0"/>
+              <a:rPr lang="hu-HU"/>
               <a:t>03</a:t>
             </a:r>
-            <a:endParaRPr lang="en-US" dirty="0"/>
+            <a:endParaRPr lang="en-US"/>
           </a:p>
         </p:txBody>
       </p:sp>
@@ -29470,10 +29028,6 @@
           <a:bodyPr/>
           <a:lstStyle/>
           <a:p>
-            <a:r>
-              <a:rPr lang="hu-HU" dirty="0"/>
-              <a:t>04</a:t>
-            </a:r>
             <a:endParaRPr lang="en-US" dirty="0"/>
           </a:p>
         </p:txBody>
@@ -29499,10 +29053,6 @@
           <a:bodyPr/>
           <a:lstStyle/>
           <a:p>
-            <a:r>
-              <a:rPr lang="hu-HU" dirty="0"/>
-              <a:t>05</a:t>
-            </a:r>
             <a:endParaRPr lang="en-US" dirty="0"/>
           </a:p>
         </p:txBody>
@@ -29528,10 +29078,6 @@
           <a:bodyPr/>
           <a:lstStyle/>
           <a:p>
-            <a:r>
-              <a:rPr lang="hu-HU" dirty="0"/>
-              <a:t>06</a:t>
-            </a:r>
             <a:endParaRPr lang="en-US" dirty="0"/>
           </a:p>
         </p:txBody>
@@ -29558,10 +29104,10 @@
           <a:lstStyle/>
           <a:p>
             <a:r>
-              <a:rPr lang="hu-HU" dirty="0"/>
+              <a:rPr lang="hu-HU"/>
               <a:t>JavaScript</a:t>
             </a:r>
-            <a:endParaRPr lang="en-US" dirty="0"/>
+            <a:endParaRPr lang="en-US"/>
           </a:p>
         </p:txBody>
       </p:sp>
@@ -29587,10 +29133,10 @@
           <a:lstStyle/>
           <a:p>
             <a:r>
-              <a:rPr lang="hu-HU" dirty="0"/>
+              <a:rPr lang="hu-HU"/>
               <a:t>DOM</a:t>
             </a:r>
-            <a:endParaRPr lang="en-US" dirty="0"/>
+            <a:endParaRPr lang="en-US"/>
           </a:p>
         </p:txBody>
       </p:sp>
@@ -29617,7 +29163,7 @@
           <a:p>
             <a:r>
               <a:rPr lang="hu-HU" dirty="0"/>
-              <a:t>Asynchronous model</a:t>
+              <a:t>Exercises</a:t>
             </a:r>
             <a:endParaRPr lang="en-US" dirty="0"/>
           </a:p>
@@ -29644,10 +29190,6 @@
           <a:bodyPr/>
           <a:lstStyle/>
           <a:p>
-            <a:r>
-              <a:rPr lang="hu-HU" dirty="0"/>
-              <a:t>Callbacks, Promises</a:t>
-            </a:r>
             <a:endParaRPr lang="en-US" dirty="0"/>
           </a:p>
         </p:txBody>
@@ -29673,10 +29215,6 @@
           <a:bodyPr/>
           <a:lstStyle/>
           <a:p>
-            <a:r>
-              <a:rPr lang="hu-HU" dirty="0"/>
-              <a:t>AJAX, Fetch API</a:t>
-            </a:r>
             <a:endParaRPr lang="en-US" dirty="0"/>
           </a:p>
         </p:txBody>
@@ -29702,10 +29240,6 @@
           <a:bodyPr/>
           <a:lstStyle/>
           <a:p>
-            <a:r>
-              <a:rPr lang="hu-HU" dirty="0"/>
-              <a:t>Exercises</a:t>
-            </a:r>
             <a:endParaRPr lang="en-US" dirty="0"/>
           </a:p>
         </p:txBody>
@@ -29762,10 +29296,10 @@
           <a:lstStyle/>
           <a:p>
             <a:r>
-              <a:rPr lang="hu-HU" dirty="0"/>
+              <a:rPr lang="hu-HU"/>
               <a:t>JavaScript</a:t>
             </a:r>
-            <a:endParaRPr lang="en-US" dirty="0"/>
+            <a:endParaRPr lang="en-US"/>
           </a:p>
         </p:txBody>
       </p:sp>
@@ -29791,16 +29325,16 @@
           <a:lstStyle/>
           <a:p>
             <a:r>
-              <a:rPr lang="hu-HU" dirty="0"/>
+              <a:rPr lang="hu-HU"/>
               <a:t>What is JavaScript?</a:t>
             </a:r>
           </a:p>
           <a:p>
             <a:r>
-              <a:rPr lang="hu-HU" dirty="0"/>
+              <a:rPr lang="hu-HU"/>
               <a:t>Basics: types, functions, classes</a:t>
             </a:r>
-            <a:endParaRPr lang="en-US" dirty="0"/>
+            <a:endParaRPr lang="en-US"/>
           </a:p>
         </p:txBody>
       </p:sp>
@@ -29856,10 +29390,10 @@
           <a:lstStyle/>
           <a:p>
             <a:r>
-              <a:rPr lang="hu-HU" dirty="0"/>
+              <a:rPr lang="hu-HU"/>
               <a:t>What is JavaScript?</a:t>
             </a:r>
-            <a:endParaRPr lang="en-US" dirty="0"/>
+            <a:endParaRPr lang="en-US"/>
           </a:p>
         </p:txBody>
       </p:sp>
@@ -29885,10 +29419,10 @@
           <a:lstStyle/>
           <a:p>
             <a:r>
-              <a:rPr lang="hu-HU" dirty="0"/>
+              <a:rPr lang="hu-HU"/>
               <a:t>JavaScript</a:t>
             </a:r>
-            <a:endParaRPr lang="en-US" dirty="0"/>
+            <a:endParaRPr lang="en-US"/>
           </a:p>
         </p:txBody>
       </p:sp>
@@ -30285,14 +29819,14 @@
         <p:spPr>
           <a:xfrm>
             <a:off x="357189" y="1079499"/>
-            <a:ext cx="7025026" cy="3825009"/>
+            <a:ext cx="7025026" cy="4280457"/>
           </a:xfrm>
           <a:prstGeom prst="rect">
             <a:avLst/>
           </a:prstGeom>
         </p:spPr>
         <p:txBody>
-          <a:bodyPr/>
+          <a:bodyPr lIns="91440" tIns="45720" rIns="91440" bIns="45720" anchor="t"/>
           <a:lstStyle>
             <a:lvl1pPr marL="0" indent="0" algn="l" defTabSz="914400" rtl="0" eaLnBrk="1" latinLnBrk="0" hangingPunct="1">
               <a:lnSpc>
@@ -30478,7 +30012,7 @@
               <a:buChar char="•"/>
             </a:pPr>
             <a:r>
-              <a:rPr lang="hu-HU" sz="1800" dirty="0"/>
+              <a:rPr lang="hu-HU" sz="1800"/>
               <a:t>High level interpreted programming / scripting language</a:t>
             </a:r>
           </a:p>
@@ -30488,14 +30022,14 @@
               <a:buChar char="•"/>
             </a:pPr>
             <a:r>
-              <a:rPr lang="hu-HU" sz="1800" dirty="0"/>
+              <a:rPr lang="hu-HU" sz="1800"/>
               <a:t>Prototye based</a:t>
             </a:r>
           </a:p>
           <a:p>
             <a:pPr lvl="1"/>
             <a:r>
-              <a:rPr lang="hu-HU" sz="1800" dirty="0"/>
+              <a:rPr lang="hu-HU" sz="1800"/>
               <a:t>Functional oriented with possibility of OO usage</a:t>
             </a:r>
           </a:p>
@@ -30505,7 +30039,7 @@
               <a:buChar char="•"/>
             </a:pPr>
             <a:r>
-              <a:rPr lang="hu-HU" sz="1800" dirty="0"/>
+              <a:rPr lang="hu-HU" sz="1800"/>
               <a:t>Synchronous</a:t>
             </a:r>
           </a:p>
@@ -30515,7 +30049,7 @@
               <a:buChar char="•"/>
             </a:pPr>
             <a:r>
-              <a:rPr lang="hu-HU" sz="1800" dirty="0"/>
+              <a:rPr lang="hu-HU" sz="1800"/>
               <a:t>Loosely / dinamically typed</a:t>
             </a:r>
           </a:p>
@@ -30525,7 +30059,7 @@
               <a:buChar char="•"/>
             </a:pPr>
             <a:r>
-              <a:rPr lang="hu-HU" sz="1800" dirty="0"/>
+              <a:rPr lang="hu-HU" sz="1800"/>
               <a:t>Originally designed for browsers, but now it’s used in many other aspects</a:t>
             </a:r>
           </a:p>
@@ -30535,31 +30069,39 @@
               <a:buChar char="•"/>
             </a:pPr>
             <a:r>
-              <a:rPr lang="hu-HU" sz="1800" dirty="0"/>
+              <a:rPr lang="hu-HU" sz="1800"/>
               <a:t>Standard: ECMAScript</a:t>
             </a:r>
           </a:p>
           <a:p>
             <a:pPr lvl="1"/>
             <a:r>
-              <a:rPr lang="hu-HU" sz="1800" dirty="0"/>
+              <a:rPr lang="hu-HU" sz="1800"/>
               <a:t>Widely used version: ES2015 / ES6</a:t>
             </a:r>
           </a:p>
           <a:p>
             <a:pPr lvl="1"/>
             <a:r>
-              <a:rPr lang="hu-HU" sz="1800" dirty="0"/>
-              <a:t>Current version: ES2022 / v13</a:t>
+              <a:rPr lang="hu-HU" sz="1800" err="1">
+                <a:cs typeface="Calibri"/>
+              </a:rPr>
+              <a:t>Current</a:t>
+            </a:r>
+            <a:r>
+              <a:rPr lang="hu-HU" sz="1800">
+                <a:cs typeface="Calibri"/>
+              </a:rPr>
+              <a:t> version: ES2023 / v14</a:t>
             </a:r>
           </a:p>
           <a:p>
             <a:pPr lvl="1"/>
             <a:r>
-              <a:rPr lang="hu-HU" sz="1800" dirty="0"/>
+              <a:rPr lang="hu-HU" sz="1800"/>
               <a:t>ES.Next: dynamic name for the next version under development</a:t>
             </a:r>
-            <a:endParaRPr lang="en-US" sz="1800" dirty="0"/>
+            <a:endParaRPr lang="en-US" sz="1800"/>
           </a:p>
         </p:txBody>
       </p:sp>
@@ -30654,10 +30196,10 @@
           <a:lstStyle/>
           <a:p>
             <a:r>
-              <a:rPr lang="hu-HU" dirty="0"/>
+              <a:rPr lang="hu-HU"/>
               <a:t>JavaScript – types</a:t>
             </a:r>
-            <a:endParaRPr lang="en-US" dirty="0"/>
+            <a:endParaRPr lang="en-US"/>
           </a:p>
         </p:txBody>
       </p:sp>
@@ -30683,10 +30225,10 @@
           <a:lstStyle/>
           <a:p>
             <a:r>
-              <a:rPr lang="hu-HU" dirty="0"/>
+              <a:rPr lang="hu-HU"/>
               <a:t>JavaScript</a:t>
             </a:r>
-            <a:endParaRPr lang="en-US" dirty="0"/>
+            <a:endParaRPr lang="en-US"/>
           </a:p>
         </p:txBody>
       </p:sp>
@@ -30896,55 +30438,55 @@
           </a:lstStyle>
           <a:p>
             <a:r>
-              <a:rPr lang="hu-HU" sz="1600" dirty="0"/>
+              <a:rPr lang="hu-HU" sz="1600"/>
               <a:t>The language is pretty similar to C</a:t>
             </a:r>
           </a:p>
           <a:p>
             <a:r>
-              <a:rPr lang="hu-HU" sz="1600" dirty="0"/>
+              <a:rPr lang="hu-HU" sz="1600"/>
               <a:t>Basic types:</a:t>
             </a:r>
           </a:p>
           <a:p>
             <a:pPr lvl="1"/>
             <a:r>
-              <a:rPr lang="hu-HU" sz="1600" dirty="0"/>
+              <a:rPr lang="hu-HU" sz="1600"/>
               <a:t>undefined</a:t>
             </a:r>
           </a:p>
           <a:p>
             <a:pPr lvl="1"/>
             <a:r>
-              <a:rPr lang="hu-HU" sz="1600" dirty="0"/>
+              <a:rPr lang="hu-HU" sz="1600"/>
               <a:t>Boolean</a:t>
             </a:r>
           </a:p>
           <a:p>
             <a:pPr lvl="1"/>
             <a:r>
-              <a:rPr lang="hu-HU" sz="1600" dirty="0"/>
+              <a:rPr lang="hu-HU" sz="1600"/>
               <a:t>Number</a:t>
             </a:r>
           </a:p>
           <a:p>
             <a:pPr lvl="1"/>
             <a:r>
-              <a:rPr lang="hu-HU" sz="1600" dirty="0"/>
+              <a:rPr lang="hu-HU" sz="1600"/>
               <a:t>BigInt</a:t>
             </a:r>
           </a:p>
           <a:p>
             <a:pPr lvl="1"/>
             <a:r>
-              <a:rPr lang="hu-HU" sz="1600" dirty="0"/>
+              <a:rPr lang="hu-HU" sz="1600"/>
               <a:t>String</a:t>
             </a:r>
           </a:p>
           <a:p>
             <a:pPr lvl="1"/>
             <a:r>
-              <a:rPr lang="hu-HU" sz="1600" dirty="0">
+              <a:rPr lang="hu-HU" sz="1600">
                 <a:solidFill>
                   <a:srgbClr val="008ACF"/>
                 </a:solidFill>
@@ -30958,7 +30500,7 @@
               </a:rPr>
               <a:t>Symbol</a:t>
             </a:r>
-            <a:endParaRPr lang="hu-HU" sz="1600" dirty="0">
+            <a:endParaRPr lang="hu-HU" sz="1600">
               <a:solidFill>
                 <a:srgbClr val="008ACF"/>
               </a:solidFill>
@@ -30966,44 +30508,44 @@
           </a:p>
           <a:p>
             <a:r>
-              <a:rPr lang="hu-HU" sz="1600" dirty="0"/>
+              <a:rPr lang="hu-HU" sz="1600"/>
               <a:t>Structural types:</a:t>
             </a:r>
           </a:p>
           <a:p>
             <a:pPr lvl="1"/>
             <a:r>
-              <a:rPr lang="hu-HU" sz="1600" dirty="0"/>
+              <a:rPr lang="hu-HU" sz="1600"/>
               <a:t>Object</a:t>
             </a:r>
           </a:p>
           <a:p>
             <a:pPr lvl="2"/>
             <a:r>
-              <a:rPr lang="hu-HU" sz="1600" dirty="0"/>
+              <a:rPr lang="hu-HU" sz="1600"/>
               <a:t>Array, Map, Set, WeakMap, WeakSet</a:t>
             </a:r>
           </a:p>
           <a:p>
             <a:pPr lvl="1"/>
             <a:r>
-              <a:rPr lang="hu-HU" sz="1600" dirty="0"/>
+              <a:rPr lang="hu-HU" sz="1600"/>
               <a:t>Function</a:t>
             </a:r>
           </a:p>
           <a:p>
             <a:r>
-              <a:rPr lang="hu-HU" sz="1600" dirty="0"/>
+              <a:rPr lang="hu-HU" sz="1600"/>
               <a:t>Structural root primitive:</a:t>
             </a:r>
           </a:p>
           <a:p>
             <a:pPr lvl="1"/>
             <a:r>
-              <a:rPr lang="hu-HU" sz="1600" dirty="0"/>
+              <a:rPr lang="hu-HU" sz="1600"/>
               <a:t>null</a:t>
             </a:r>
-            <a:endParaRPr lang="en-US" sz="1600" dirty="0"/>
+            <a:endParaRPr lang="en-US" sz="1600"/>
           </a:p>
         </p:txBody>
       </p:sp>
@@ -31344,12 +30886,12 @@
           <a:lstStyle/>
           <a:p>
             <a:r>
-              <a:rPr lang="en-US" sz="1200" dirty="0">
+              <a:rPr lang="en-US" sz="1200">
                 <a:hlinkClick r:id="rId3"/>
               </a:rPr>
               <a:t>https://developer.mozilla.org/en-US/docs/Web/JavaScript/Data_structures</a:t>
             </a:r>
-            <a:endParaRPr lang="hu-HU" sz="1200" dirty="0"/>
+            <a:endParaRPr lang="hu-HU" sz="1200"/>
           </a:p>
         </p:txBody>
       </p:sp>
@@ -31450,10 +30992,10 @@
           <a:lstStyle/>
           <a:p>
             <a:r>
-              <a:rPr lang="hu-HU" dirty="0"/>
+              <a:rPr lang="hu-HU"/>
               <a:t>JavaScript</a:t>
             </a:r>
-            <a:endParaRPr lang="en-US" dirty="0"/>
+            <a:endParaRPr lang="en-US"/>
           </a:p>
         </p:txBody>
       </p:sp>
@@ -31479,10 +31021,10 @@
           <a:lstStyle/>
           <a:p>
             <a:r>
-              <a:rPr lang="hu-HU" dirty="0"/>
+              <a:rPr lang="hu-HU"/>
               <a:t>JSON</a:t>
             </a:r>
-            <a:endParaRPr lang="en-US" dirty="0"/>
+            <a:endParaRPr lang="en-US"/>
           </a:p>
         </p:txBody>
       </p:sp>
@@ -31692,81 +31234,81 @@
           </a:lstStyle>
           <a:p>
             <a:r>
-              <a:rPr lang="hu-HU" sz="1600" b="1" dirty="0"/>
+              <a:rPr lang="hu-HU" sz="1600" b="1"/>
               <a:t>J</a:t>
             </a:r>
             <a:r>
-              <a:rPr lang="hu-HU" sz="1600" dirty="0"/>
+              <a:rPr lang="hu-HU" sz="1600"/>
               <a:t>ava</a:t>
             </a:r>
             <a:r>
-              <a:rPr lang="hu-HU" sz="1600" b="1" dirty="0"/>
+              <a:rPr lang="hu-HU" sz="1600" b="1"/>
               <a:t>S</a:t>
             </a:r>
             <a:r>
-              <a:rPr lang="hu-HU" sz="1600" dirty="0"/>
+              <a:rPr lang="hu-HU" sz="1600"/>
               <a:t>cript </a:t>
             </a:r>
             <a:r>
-              <a:rPr lang="hu-HU" sz="1600" b="1" dirty="0"/>
+              <a:rPr lang="hu-HU" sz="1600" b="1"/>
               <a:t>O</a:t>
             </a:r>
             <a:r>
-              <a:rPr lang="hu-HU" sz="1600" dirty="0"/>
+              <a:rPr lang="hu-HU" sz="1600"/>
               <a:t>bject </a:t>
             </a:r>
             <a:r>
-              <a:rPr lang="hu-HU" sz="1600" b="1" dirty="0"/>
+              <a:rPr lang="hu-HU" sz="1600" b="1"/>
               <a:t>N</a:t>
             </a:r>
             <a:r>
-              <a:rPr lang="hu-HU" sz="1600" dirty="0"/>
+              <a:rPr lang="hu-HU" sz="1600"/>
               <a:t>otation</a:t>
             </a:r>
           </a:p>
           <a:p>
             <a:r>
-              <a:rPr lang="hu-HU" sz="1600" dirty="0"/>
+              <a:rPr lang="hu-HU" sz="1600"/>
               <a:t>A lightweight data interchange format</a:t>
             </a:r>
           </a:p>
           <a:p>
             <a:r>
-              <a:rPr lang="hu-HU" sz="1600" dirty="0"/>
+              <a:rPr lang="hu-HU" sz="1600"/>
               <a:t>Readable to humans</a:t>
             </a:r>
           </a:p>
           <a:p>
             <a:r>
-              <a:rPr lang="hu-HU" sz="1600" dirty="0"/>
+              <a:rPr lang="hu-HU" sz="1600"/>
               <a:t>Easily processed by programs</a:t>
             </a:r>
           </a:p>
           <a:p>
             <a:r>
-              <a:rPr lang="hu-HU" sz="1600" dirty="0"/>
+              <a:rPr lang="hu-HU" sz="1600"/>
               <a:t>Subset of JavaScript</a:t>
             </a:r>
           </a:p>
           <a:p>
-            <a:endParaRPr lang="hu-HU" sz="1600" dirty="0"/>
-          </a:p>
-          <a:p>
-            <a:r>
-              <a:rPr lang="hu-HU" sz="1600" dirty="0"/>
+            <a:endParaRPr lang="hu-HU" sz="1600"/>
+          </a:p>
+          <a:p>
+            <a:r>
+              <a:rPr lang="hu-HU" sz="1600"/>
               <a:t>MIME type: application/json</a:t>
             </a:r>
           </a:p>
           <a:p>
             <a:r>
-              <a:rPr lang="hu-HU" sz="1600" dirty="0"/>
+              <a:rPr lang="hu-HU" sz="1600"/>
               <a:t>Can contain:</a:t>
             </a:r>
           </a:p>
           <a:p>
             <a:pPr lvl="1"/>
             <a:r>
-              <a:rPr lang="hu-HU" sz="1600" dirty="0">
+              <a:rPr lang="hu-HU" sz="1600">
                 <a:latin typeface="Consolas" panose="020B0609020204030204" pitchFamily="49" charset="0"/>
               </a:rPr>
               <a:t>Number</a:t>
@@ -31775,7 +31317,7 @@
           <a:p>
             <a:pPr lvl="1"/>
             <a:r>
-              <a:rPr lang="hu-HU" sz="1600" dirty="0">
+              <a:rPr lang="hu-HU" sz="1600">
                 <a:latin typeface="Consolas" panose="020B0609020204030204" pitchFamily="49" charset="0"/>
               </a:rPr>
               <a:t>String</a:t>
@@ -31784,7 +31326,7 @@
           <a:p>
             <a:pPr lvl="1"/>
             <a:r>
-              <a:rPr lang="hu-HU" sz="1600" dirty="0">
+              <a:rPr lang="hu-HU" sz="1600">
                 <a:latin typeface="Consolas" panose="020B0609020204030204" pitchFamily="49" charset="0"/>
               </a:rPr>
               <a:t>Boolean</a:t>
@@ -31793,7 +31335,7 @@
           <a:p>
             <a:pPr lvl="1"/>
             <a:r>
-              <a:rPr lang="hu-HU" sz="1600" dirty="0">
+              <a:rPr lang="hu-HU" sz="1600">
                 <a:latin typeface="Consolas" panose="020B0609020204030204" pitchFamily="49" charset="0"/>
               </a:rPr>
               <a:t>Array</a:t>
@@ -31802,7 +31344,7 @@
           <a:p>
             <a:pPr lvl="1"/>
             <a:r>
-              <a:rPr lang="hu-HU" sz="1600" dirty="0">
+              <a:rPr lang="hu-HU" sz="1600">
                 <a:latin typeface="Consolas" panose="020B0609020204030204" pitchFamily="49" charset="0"/>
               </a:rPr>
               <a:t>Null</a:t>
@@ -31811,7 +31353,7 @@
           <a:p>
             <a:pPr lvl="1"/>
             <a:r>
-              <a:rPr lang="hu-HU" sz="1600" dirty="0">
+              <a:rPr lang="hu-HU" sz="1600">
                 <a:latin typeface="Consolas" panose="020B0609020204030204" pitchFamily="49" charset="0"/>
               </a:rPr>
               <a:t>Object</a:t>
@@ -32018,7 +31560,7 @@
               <a:buNone/>
             </a:pPr>
             <a:r>
-              <a:rPr lang="hu-HU" sz="1600" b="1" dirty="0">
+              <a:rPr lang="hu-HU" sz="1600" b="1">
                 <a:solidFill>
                   <a:srgbClr val="2FC2D9"/>
                 </a:solidFill>
@@ -32032,7 +31574,7 @@
               <a:buNone/>
             </a:pPr>
             <a:r>
-              <a:rPr lang="hu-HU" sz="1600" b="1" dirty="0">
+              <a:rPr lang="hu-HU" sz="1600" b="1">
                 <a:solidFill>
                   <a:srgbClr val="2FC2D9"/>
                 </a:solidFill>
@@ -32041,7 +31583,7 @@
               <a:t>  "id": </a:t>
             </a:r>
             <a:r>
-              <a:rPr lang="hu-HU" sz="1600" b="1" dirty="0">
+              <a:rPr lang="hu-HU" sz="1600" b="1">
                 <a:solidFill>
                   <a:srgbClr val="1A9CB0"/>
                 </a:solidFill>
@@ -32050,7 +31592,7 @@
               <a:t>1</a:t>
             </a:r>
             <a:r>
-              <a:rPr lang="hu-HU" sz="1600" b="1" dirty="0">
+              <a:rPr lang="hu-HU" sz="1600" b="1">
                 <a:solidFill>
                   <a:srgbClr val="2FC2D9"/>
                 </a:solidFill>
@@ -32064,7 +31606,7 @@
               <a:buNone/>
             </a:pPr>
             <a:r>
-              <a:rPr lang="hu-HU" sz="1600" b="1" dirty="0">
+              <a:rPr lang="hu-HU" sz="1600" b="1">
                 <a:solidFill>
                   <a:srgbClr val="2FC2D9"/>
                 </a:solidFill>
@@ -32073,7 +31615,7 @@
               <a:t>  "name": </a:t>
             </a:r>
             <a:r>
-              <a:rPr lang="hu-HU" sz="1600" b="1" dirty="0">
+              <a:rPr lang="hu-HU" sz="1600" b="1">
                 <a:solidFill>
                   <a:srgbClr val="1A9CB0"/>
                 </a:solidFill>
@@ -32082,7 +31624,7 @@
               <a:t>"Json Statham"</a:t>
             </a:r>
             <a:r>
-              <a:rPr lang="hu-HU" sz="1600" b="1" dirty="0">
+              <a:rPr lang="hu-HU" sz="1600" b="1">
                 <a:solidFill>
                   <a:srgbClr val="2FC2D9"/>
                 </a:solidFill>
@@ -32096,7 +31638,7 @@
               <a:buNone/>
             </a:pPr>
             <a:r>
-              <a:rPr lang="hu-HU" sz="1600" b="1" dirty="0">
+              <a:rPr lang="hu-HU" sz="1600" b="1">
                 <a:solidFill>
                   <a:srgbClr val="2FC2D9"/>
                 </a:solidFill>
@@ -32105,7 +31647,7 @@
               <a:t>  "hasGun": </a:t>
             </a:r>
             <a:r>
-              <a:rPr lang="hu-HU" sz="1600" b="1" dirty="0">
+              <a:rPr lang="hu-HU" sz="1600" b="1">
                 <a:solidFill>
                   <a:srgbClr val="1A9CB0"/>
                 </a:solidFill>
@@ -32114,7 +31656,7 @@
               <a:t>true,</a:t>
             </a:r>
             <a:br>
-              <a:rPr lang="hu-HU" sz="1600" b="1" dirty="0">
+              <a:rPr lang="hu-HU" sz="1600" b="1">
                 <a:solidFill>
                   <a:srgbClr val="1A9CB0"/>
                 </a:solidFill>
@@ -32122,7 +31664,7 @@
               </a:rPr>
             </a:br>
             <a:r>
-              <a:rPr lang="hu-HU" sz="1600" b="1" dirty="0">
+              <a:rPr lang="hu-HU" sz="1600" b="1">
                 <a:solidFill>
                   <a:srgbClr val="1A9CB0"/>
                 </a:solidFill>
@@ -32131,7 +31673,7 @@
               <a:t>  </a:t>
             </a:r>
             <a:r>
-              <a:rPr lang="hu-HU" sz="1600" b="1" dirty="0">
+              <a:rPr lang="hu-HU" sz="1600" b="1">
                 <a:solidFill>
                   <a:srgbClr val="2FC2D9"/>
                 </a:solidFill>
@@ -32140,7 +31682,7 @@
               <a:t>"movies":</a:t>
             </a:r>
             <a:r>
-              <a:rPr lang="hu-HU" sz="1600" b="1" dirty="0">
+              <a:rPr lang="hu-HU" sz="1600" b="1">
                 <a:solidFill>
                   <a:srgbClr val="1A9CB0"/>
                 </a:solidFill>
@@ -32154,7 +31696,7 @@
               <a:buNone/>
             </a:pPr>
             <a:r>
-              <a:rPr lang="hu-HU" sz="1600" b="1" dirty="0">
+              <a:rPr lang="hu-HU" sz="1600" b="1">
                 <a:solidFill>
                   <a:srgbClr val="1A9CB0"/>
                 </a:solidFill>
@@ -32163,7 +31705,7 @@
               <a:t>    "Crank"</a:t>
             </a:r>
             <a:r>
-              <a:rPr lang="hu-HU" sz="1600" b="1" dirty="0">
+              <a:rPr lang="hu-HU" sz="1600" b="1">
                 <a:solidFill>
                   <a:srgbClr val="2FC2D9"/>
                 </a:solidFill>
@@ -32177,7 +31719,7 @@
               <a:buNone/>
             </a:pPr>
             <a:r>
-              <a:rPr lang="hu-HU" sz="1600" b="1" dirty="0">
+              <a:rPr lang="hu-HU" sz="1600" b="1">
                 <a:solidFill>
                   <a:srgbClr val="1A9CB0"/>
                 </a:solidFill>
@@ -32191,7 +31733,7 @@
               <a:buNone/>
             </a:pPr>
             <a:r>
-              <a:rPr lang="hu-HU" sz="1600" b="1" dirty="0">
+              <a:rPr lang="hu-HU" sz="1600" b="1">
                 <a:solidFill>
                   <a:srgbClr val="1A9CB0"/>
                 </a:solidFill>
@@ -32205,7 +31747,7 @@
               <a:buNone/>
             </a:pPr>
             <a:r>
-              <a:rPr lang="hu-HU" sz="1600" b="1" dirty="0">
+              <a:rPr lang="hu-HU" sz="1600" b="1">
                 <a:solidFill>
                   <a:srgbClr val="1A9CB0"/>
                 </a:solidFill>
@@ -32214,7 +31756,7 @@
               <a:t>  </a:t>
             </a:r>
             <a:r>
-              <a:rPr lang="hu-HU" sz="1600" b="1" dirty="0">
+              <a:rPr lang="hu-HU" sz="1600" b="1">
                 <a:solidFill>
                   <a:srgbClr val="2FC2D9"/>
                 </a:solidFill>
@@ -32223,7 +31765,7 @@
               <a:t>"killedBy": </a:t>
             </a:r>
             <a:r>
-              <a:rPr lang="hu-HU" sz="1600" b="1" dirty="0">
+              <a:rPr lang="hu-HU" sz="1600" b="1">
                 <a:solidFill>
                   <a:srgbClr val="1A9CB0"/>
                 </a:solidFill>
@@ -32237,7 +31779,7 @@
               <a:buNone/>
             </a:pPr>
             <a:r>
-              <a:rPr lang="hu-HU" sz="1600" b="1" dirty="0">
+              <a:rPr lang="hu-HU" sz="1600" b="1">
                 <a:solidFill>
                   <a:srgbClr val="2FC2D9"/>
                 </a:solidFill>
@@ -32245,7 +31787,7 @@
               </a:rPr>
               <a:t>}</a:t>
             </a:r>
-            <a:endParaRPr lang="en-US" sz="1600" dirty="0"/>
+            <a:endParaRPr lang="en-US" sz="1600"/>
           </a:p>
         </p:txBody>
       </p:sp>
@@ -32301,10 +31843,10 @@
           <a:lstStyle/>
           <a:p>
             <a:r>
-              <a:rPr lang="hu-HU" dirty="0"/>
+              <a:rPr lang="hu-HU"/>
               <a:t>Variables and scopes</a:t>
             </a:r>
-            <a:endParaRPr lang="en-US" dirty="0"/>
+            <a:endParaRPr lang="en-US"/>
           </a:p>
         </p:txBody>
       </p:sp>
@@ -32330,10 +31872,10 @@
           <a:lstStyle/>
           <a:p>
             <a:r>
-              <a:rPr lang="hu-HU" dirty="0"/>
+              <a:rPr lang="hu-HU"/>
               <a:t>JavaScript</a:t>
             </a:r>
-            <a:endParaRPr lang="en-US" dirty="0"/>
+            <a:endParaRPr lang="en-US"/>
           </a:p>
         </p:txBody>
       </p:sp>
@@ -32366,24 +31908,24 @@
           <a:p>
             <a:pPr algn="l"/>
             <a:r>
-              <a:rPr lang="hu-HU" dirty="0"/>
+              <a:rPr lang="hu-HU"/>
               <a:t>Variable scope: a block of code within a variable makes sense</a:t>
             </a:r>
           </a:p>
           <a:p>
             <a:pPr algn="l"/>
             <a:r>
-              <a:rPr lang="hu-HU" dirty="0"/>
+              <a:rPr lang="hu-HU"/>
               <a:t>You can interpret scopes as scope of an object (even functions are objects)</a:t>
             </a:r>
           </a:p>
           <a:p>
             <a:pPr algn="l"/>
             <a:r>
-              <a:rPr lang="hu-HU" dirty="0"/>
+              <a:rPr lang="hu-HU"/>
               <a:t>Global scope: window (browsers) / global (headless browsers or Node)</a:t>
             </a:r>
-            <a:endParaRPr lang="en-US" dirty="0"/>
+            <a:endParaRPr lang="en-US"/>
           </a:p>
         </p:txBody>
       </p:sp>
@@ -32424,7 +31966,7 @@
           <a:p>
             <a:pPr algn="ctr"/>
             <a:r>
-              <a:rPr lang="hu-HU" sz="2600" dirty="0">
+              <a:rPr lang="hu-HU" sz="2600">
                 <a:solidFill>
                   <a:schemeClr val="bg1"/>
                 </a:solidFill>
@@ -32433,7 +31975,7 @@
             </a:r>
           </a:p>
           <a:p>
-            <a:endParaRPr lang="hu-HU" dirty="0">
+            <a:endParaRPr lang="hu-HU">
               <a:solidFill>
                 <a:schemeClr val="bg1"/>
               </a:solidFill>
@@ -32441,7 +31983,7 @@
           </a:p>
           <a:p>
             <a:r>
-              <a:rPr lang="en-US" sz="1400" b="0" dirty="0">
+              <a:rPr lang="en-US" sz="1400" b="0">
                 <a:solidFill>
                   <a:srgbClr val="569CD6"/>
                 </a:solidFill>
@@ -32451,7 +31993,7 @@
               <a:t>let</a:t>
             </a:r>
             <a:r>
-              <a:rPr lang="en-US" sz="1400" b="0" dirty="0">
+              <a:rPr lang="en-US" sz="1400" b="0">
                 <a:solidFill>
                   <a:srgbClr val="D4D4D4"/>
                 </a:solidFill>
@@ -32461,7 +32003,7 @@
               <a:t> </a:t>
             </a:r>
             <a:r>
-              <a:rPr lang="en-US" sz="1400" b="0" dirty="0">
+              <a:rPr lang="en-US" sz="1400" b="0">
                 <a:solidFill>
                   <a:srgbClr val="9CDCFE"/>
                 </a:solidFill>
@@ -32471,7 +32013,7 @@
               <a:t>a</a:t>
             </a:r>
             <a:r>
-              <a:rPr lang="en-US" sz="1400" b="0" dirty="0">
+              <a:rPr lang="en-US" sz="1400" b="0">
                 <a:solidFill>
                   <a:srgbClr val="D4D4D4"/>
                 </a:solidFill>
@@ -32481,7 +32023,7 @@
               <a:t> = </a:t>
             </a:r>
             <a:r>
-              <a:rPr lang="en-US" sz="1400" b="0" dirty="0">
+              <a:rPr lang="en-US" sz="1400" b="0">
                 <a:solidFill>
                   <a:srgbClr val="B5CEA8"/>
                 </a:solidFill>
@@ -32491,7 +32033,7 @@
               <a:t>42</a:t>
             </a:r>
             <a:r>
-              <a:rPr lang="en-US" sz="1400" b="0" dirty="0">
+              <a:rPr lang="en-US" sz="1400" b="0">
                 <a:solidFill>
                   <a:srgbClr val="D4D4D4"/>
                 </a:solidFill>
@@ -32503,7 +32045,7 @@
           </a:p>
           <a:p>
             <a:r>
-              <a:rPr lang="en-US" sz="1400" b="0" dirty="0">
+              <a:rPr lang="en-US" sz="1400" b="0">
                 <a:solidFill>
                   <a:srgbClr val="C586C0"/>
                 </a:solidFill>
@@ -32513,7 +32055,7 @@
               <a:t>try</a:t>
             </a:r>
             <a:r>
-              <a:rPr lang="en-US" sz="1400" b="0" dirty="0">
+              <a:rPr lang="en-US" sz="1400" b="0">
                 <a:solidFill>
                   <a:srgbClr val="D4D4D4"/>
                 </a:solidFill>
@@ -32525,7 +32067,7 @@
           </a:p>
           <a:p>
             <a:r>
-              <a:rPr lang="en-US" sz="1400" b="0" dirty="0">
+              <a:rPr lang="en-US" sz="1400" b="0">
                 <a:solidFill>
                   <a:srgbClr val="D4D4D4"/>
                 </a:solidFill>
@@ -32535,7 +32077,7 @@
               <a:t>  </a:t>
             </a:r>
             <a:r>
-              <a:rPr lang="en-US" sz="1400" b="0" dirty="0">
+              <a:rPr lang="en-US" sz="1400" b="0">
                 <a:solidFill>
                   <a:srgbClr val="9CDCFE"/>
                 </a:solidFill>
@@ -32545,7 +32087,7 @@
               <a:t>a</a:t>
             </a:r>
             <a:r>
-              <a:rPr lang="en-US" sz="1400" b="0" dirty="0">
+              <a:rPr lang="en-US" sz="1400" b="0">
                 <a:solidFill>
                   <a:srgbClr val="D4D4D4"/>
                 </a:solidFill>
@@ -32555,7 +32097,7 @@
               <a:t> = </a:t>
             </a:r>
             <a:r>
-              <a:rPr lang="en-US" sz="1400" b="0" dirty="0">
+              <a:rPr lang="en-US" sz="1400" b="0">
                 <a:solidFill>
                   <a:srgbClr val="B5CEA8"/>
                 </a:solidFill>
@@ -32565,7 +32107,7 @@
               <a:t>90</a:t>
             </a:r>
             <a:r>
-              <a:rPr lang="en-US" sz="1400" b="0" dirty="0">
+              <a:rPr lang="en-US" sz="1400" b="0">
                 <a:solidFill>
                   <a:srgbClr val="D4D4D4"/>
                 </a:solidFill>
@@ -32577,7 +32119,7 @@
           </a:p>
           <a:p>
             <a:r>
-              <a:rPr lang="en-US" sz="1400" b="0" dirty="0">
+              <a:rPr lang="en-US" sz="1400" b="0">
                 <a:solidFill>
                   <a:srgbClr val="D4D4D4"/>
                 </a:solidFill>
@@ -32587,7 +32129,7 @@
               <a:t>} </a:t>
             </a:r>
             <a:r>
-              <a:rPr lang="en-US" sz="1400" b="0" dirty="0">
+              <a:rPr lang="en-US" sz="1400" b="0">
                 <a:solidFill>
                   <a:srgbClr val="C586C0"/>
                 </a:solidFill>
@@ -32597,7 +32139,7 @@
               <a:t>catch</a:t>
             </a:r>
             <a:r>
-              <a:rPr lang="en-US" sz="1400" b="0" dirty="0">
+              <a:rPr lang="en-US" sz="1400" b="0">
                 <a:solidFill>
                   <a:srgbClr val="D4D4D4"/>
                 </a:solidFill>
@@ -32607,7 +32149,7 @@
               <a:t> (</a:t>
             </a:r>
             <a:r>
-              <a:rPr lang="en-US" sz="1400" b="0" dirty="0">
+              <a:rPr lang="en-US" sz="1400" b="0">
                 <a:solidFill>
                   <a:srgbClr val="9CDCFE"/>
                 </a:solidFill>
@@ -32617,7 +32159,7 @@
               <a:t>err</a:t>
             </a:r>
             <a:r>
-              <a:rPr lang="en-US" sz="1400" b="0" dirty="0">
+              <a:rPr lang="en-US" sz="1400" b="0">
                 <a:solidFill>
                   <a:srgbClr val="D4D4D4"/>
                 </a:solidFill>
@@ -32629,7 +32171,7 @@
           </a:p>
           <a:p>
             <a:r>
-              <a:rPr lang="en-US" sz="1400" b="0" dirty="0">
+              <a:rPr lang="en-US" sz="1400" b="0">
                 <a:solidFill>
                   <a:srgbClr val="D4D4D4"/>
                 </a:solidFill>
@@ -32639,7 +32181,7 @@
               <a:t>  </a:t>
             </a:r>
             <a:r>
-              <a:rPr lang="en-US" sz="1400" b="0" dirty="0">
+              <a:rPr lang="en-US" sz="1400" b="0">
                 <a:solidFill>
                   <a:srgbClr val="9CDCFE"/>
                 </a:solidFill>
@@ -32649,7 +32191,7 @@
               <a:t>console</a:t>
             </a:r>
             <a:r>
-              <a:rPr lang="en-US" sz="1400" b="0" dirty="0">
+              <a:rPr lang="en-US" sz="1400" b="0">
                 <a:solidFill>
                   <a:srgbClr val="D4D4D4"/>
                 </a:solidFill>
@@ -32659,7 +32201,7 @@
               <a:t>.</a:t>
             </a:r>
             <a:r>
-              <a:rPr lang="en-US" sz="1400" b="0" dirty="0">
+              <a:rPr lang="en-US" sz="1400" b="0">
                 <a:solidFill>
                   <a:srgbClr val="DCDCAA"/>
                 </a:solidFill>
@@ -32669,7 +32211,7 @@
               <a:t>log</a:t>
             </a:r>
             <a:r>
-              <a:rPr lang="en-US" sz="1400" b="0" dirty="0">
+              <a:rPr lang="en-US" sz="1400" b="0">
                 <a:solidFill>
                   <a:srgbClr val="D4D4D4"/>
                 </a:solidFill>
@@ -32679,7 +32221,7 @@
               <a:t>(</a:t>
             </a:r>
             <a:r>
-              <a:rPr lang="en-US" sz="1400" b="0" dirty="0">
+              <a:rPr lang="en-US" sz="1400" b="0">
                 <a:solidFill>
                   <a:srgbClr val="9CDCFE"/>
                 </a:solidFill>
@@ -32689,7 +32231,7 @@
               <a:t>err</a:t>
             </a:r>
             <a:r>
-              <a:rPr lang="en-US" sz="1400" b="0" dirty="0">
+              <a:rPr lang="en-US" sz="1400" b="0">
                 <a:solidFill>
                   <a:srgbClr val="D4D4D4"/>
                 </a:solidFill>
@@ -32701,7 +32243,7 @@
           </a:p>
           <a:p>
             <a:r>
-              <a:rPr lang="en-US" sz="1400" b="0" dirty="0">
+              <a:rPr lang="en-US" sz="1400" b="0">
                 <a:solidFill>
                   <a:srgbClr val="D4D4D4"/>
                 </a:solidFill>
@@ -32713,7 +32255,7 @@
           </a:p>
           <a:p>
             <a:r>
-              <a:rPr lang="en-US" sz="1400" b="0" dirty="0">
+              <a:rPr lang="en-US" sz="1400" b="0">
                 <a:solidFill>
                   <a:srgbClr val="9CDCFE"/>
                 </a:solidFill>
@@ -32723,7 +32265,7 @@
               <a:t>console</a:t>
             </a:r>
             <a:r>
-              <a:rPr lang="en-US" sz="1400" b="0" dirty="0">
+              <a:rPr lang="en-US" sz="1400" b="0">
                 <a:solidFill>
                   <a:srgbClr val="D4D4D4"/>
                 </a:solidFill>
@@ -32733,7 +32275,7 @@
               <a:t>.</a:t>
             </a:r>
             <a:r>
-              <a:rPr lang="en-US" sz="1400" b="0" dirty="0">
+              <a:rPr lang="en-US" sz="1400" b="0">
                 <a:solidFill>
                   <a:srgbClr val="DCDCAA"/>
                 </a:solidFill>
@@ -32743,7 +32285,7 @@
               <a:t>log</a:t>
             </a:r>
             <a:r>
-              <a:rPr lang="en-US" sz="1400" b="0" dirty="0">
+              <a:rPr lang="en-US" sz="1400" b="0">
                 <a:solidFill>
                   <a:srgbClr val="D4D4D4"/>
                 </a:solidFill>
@@ -32753,7 +32295,7 @@
               <a:t>(</a:t>
             </a:r>
             <a:r>
-              <a:rPr lang="en-US" sz="1400" b="0" dirty="0">
+              <a:rPr lang="en-US" sz="1400" b="0">
                 <a:solidFill>
                   <a:srgbClr val="9CDCFE"/>
                 </a:solidFill>
@@ -32763,7 +32305,7 @@
               <a:t>a</a:t>
             </a:r>
             <a:r>
-              <a:rPr lang="en-US" sz="1400" b="0" dirty="0">
+              <a:rPr lang="en-US" sz="1400" b="0">
                 <a:solidFill>
                   <a:srgbClr val="D4D4D4"/>
                 </a:solidFill>
@@ -32807,7 +32349,7 @@
           <a:p>
             <a:pPr algn="ctr"/>
             <a:r>
-              <a:rPr lang="hu-HU" sz="2600" dirty="0">
+              <a:rPr lang="hu-HU" sz="2600">
                 <a:solidFill>
                   <a:schemeClr val="bg1"/>
                 </a:solidFill>
@@ -32816,11 +32358,11 @@
             </a:r>
           </a:p>
           <a:p>
-            <a:endParaRPr lang="hu-HU" dirty="0"/>
-          </a:p>
-          <a:p>
-            <a:r>
-              <a:rPr lang="en-US" sz="1400" b="0" dirty="0">
+            <a:endParaRPr lang="hu-HU"/>
+          </a:p>
+          <a:p>
+            <a:r>
+              <a:rPr lang="en-US" sz="1400" b="0">
                 <a:solidFill>
                   <a:srgbClr val="569CD6"/>
                 </a:solidFill>
@@ -32830,7 +32372,7 @@
               <a:t>let</a:t>
             </a:r>
             <a:r>
-              <a:rPr lang="en-US" sz="1400" b="0" dirty="0">
+              <a:rPr lang="en-US" sz="1400" b="0">
                 <a:solidFill>
                   <a:srgbClr val="D4D4D4"/>
                 </a:solidFill>
@@ -32840,7 +32382,7 @@
               <a:t> </a:t>
             </a:r>
             <a:r>
-              <a:rPr lang="en-US" sz="1400" b="0" dirty="0">
+              <a:rPr lang="en-US" sz="1400" b="0">
                 <a:solidFill>
                   <a:srgbClr val="9CDCFE"/>
                 </a:solidFill>
@@ -32850,7 +32392,7 @@
               <a:t>a</a:t>
             </a:r>
             <a:r>
-              <a:rPr lang="en-US" sz="1400" b="0" dirty="0">
+              <a:rPr lang="en-US" sz="1400" b="0">
                 <a:solidFill>
                   <a:srgbClr val="D4D4D4"/>
                 </a:solidFill>
@@ -32860,7 +32402,7 @@
               <a:t> = </a:t>
             </a:r>
             <a:r>
-              <a:rPr lang="en-US" sz="1400" b="0" dirty="0">
+              <a:rPr lang="en-US" sz="1400" b="0">
                 <a:solidFill>
                   <a:srgbClr val="B5CEA8"/>
                 </a:solidFill>
@@ -32870,7 +32412,7 @@
               <a:t>42</a:t>
             </a:r>
             <a:r>
-              <a:rPr lang="en-US" sz="1400" b="0" dirty="0">
+              <a:rPr lang="en-US" sz="1400" b="0">
                 <a:solidFill>
                   <a:srgbClr val="D4D4D4"/>
                 </a:solidFill>
@@ -32882,7 +32424,7 @@
           </a:p>
           <a:p>
             <a:r>
-              <a:rPr lang="en-US" sz="1400" b="0" dirty="0">
+              <a:rPr lang="en-US" sz="1400" b="0">
                 <a:solidFill>
                   <a:srgbClr val="C586C0"/>
                 </a:solidFill>
@@ -32892,7 +32434,7 @@
               <a:t>try</a:t>
             </a:r>
             <a:r>
-              <a:rPr lang="en-US" sz="1400" b="0" dirty="0">
+              <a:rPr lang="en-US" sz="1400" b="0">
                 <a:solidFill>
                   <a:srgbClr val="D4D4D4"/>
                 </a:solidFill>
@@ -32904,7 +32446,7 @@
           </a:p>
           <a:p>
             <a:r>
-              <a:rPr lang="en-US" sz="1400" b="0" dirty="0">
+              <a:rPr lang="en-US" sz="1400" b="0">
                 <a:solidFill>
                   <a:srgbClr val="D4D4D4"/>
                 </a:solidFill>
@@ -32914,7 +32456,7 @@
               <a:t>  </a:t>
             </a:r>
             <a:r>
-              <a:rPr lang="en-US" sz="1400" b="0" dirty="0">
+              <a:rPr lang="en-US" sz="1400" b="0">
                 <a:solidFill>
                   <a:srgbClr val="569CD6"/>
                 </a:solidFill>
@@ -32924,7 +32466,7 @@
               <a:t>let</a:t>
             </a:r>
             <a:r>
-              <a:rPr lang="en-US" sz="1400" b="0" dirty="0">
+              <a:rPr lang="en-US" sz="1400" b="0">
                 <a:solidFill>
                   <a:srgbClr val="D4D4D4"/>
                 </a:solidFill>
@@ -32934,7 +32476,7 @@
               <a:t> </a:t>
             </a:r>
             <a:r>
-              <a:rPr lang="en-US" sz="1400" b="0" dirty="0">
+              <a:rPr lang="en-US" sz="1400" b="0">
                 <a:solidFill>
                   <a:srgbClr val="9CDCFE"/>
                 </a:solidFill>
@@ -32944,7 +32486,7 @@
               <a:t>a</a:t>
             </a:r>
             <a:r>
-              <a:rPr lang="en-US" sz="1400" b="0" dirty="0">
+              <a:rPr lang="en-US" sz="1400" b="0">
                 <a:solidFill>
                   <a:srgbClr val="D4D4D4"/>
                 </a:solidFill>
@@ -32954,7 +32496,7 @@
               <a:t> = </a:t>
             </a:r>
             <a:r>
-              <a:rPr lang="en-US" sz="1400" b="0" dirty="0">
+              <a:rPr lang="en-US" sz="1400" b="0">
                 <a:solidFill>
                   <a:srgbClr val="B5CEA8"/>
                 </a:solidFill>
@@ -32964,7 +32506,7 @@
               <a:t>90</a:t>
             </a:r>
             <a:r>
-              <a:rPr lang="en-US" sz="1400" b="0" dirty="0">
+              <a:rPr lang="en-US" sz="1400" b="0">
                 <a:solidFill>
                   <a:srgbClr val="D4D4D4"/>
                 </a:solidFill>
@@ -32976,7 +32518,7 @@
           </a:p>
           <a:p>
             <a:r>
-              <a:rPr lang="en-US" sz="1400" b="0" dirty="0">
+              <a:rPr lang="en-US" sz="1400" b="0">
                 <a:solidFill>
                   <a:srgbClr val="D4D4D4"/>
                 </a:solidFill>
@@ -32986,7 +32528,7 @@
               <a:t>} </a:t>
             </a:r>
             <a:r>
-              <a:rPr lang="en-US" sz="1400" b="0" dirty="0">
+              <a:rPr lang="en-US" sz="1400" b="0">
                 <a:solidFill>
                   <a:srgbClr val="C586C0"/>
                 </a:solidFill>
@@ -32996,7 +32538,7 @@
               <a:t>catch</a:t>
             </a:r>
             <a:r>
-              <a:rPr lang="en-US" sz="1400" b="0" dirty="0">
+              <a:rPr lang="en-US" sz="1400" b="0">
                 <a:solidFill>
                   <a:srgbClr val="D4D4D4"/>
                 </a:solidFill>
@@ -33006,7 +32548,7 @@
               <a:t> (</a:t>
             </a:r>
             <a:r>
-              <a:rPr lang="en-US" sz="1400" b="0" dirty="0">
+              <a:rPr lang="en-US" sz="1400" b="0">
                 <a:solidFill>
                   <a:srgbClr val="9CDCFE"/>
                 </a:solidFill>
@@ -33016,7 +32558,7 @@
               <a:t>err</a:t>
             </a:r>
             <a:r>
-              <a:rPr lang="en-US" sz="1400" b="0" dirty="0">
+              <a:rPr lang="en-US" sz="1400" b="0">
                 <a:solidFill>
                   <a:srgbClr val="D4D4D4"/>
                 </a:solidFill>
@@ -33028,7 +32570,7 @@
           </a:p>
           <a:p>
             <a:r>
-              <a:rPr lang="en-US" sz="1400" b="0" dirty="0">
+              <a:rPr lang="en-US" sz="1400" b="0">
                 <a:solidFill>
                   <a:srgbClr val="D4D4D4"/>
                 </a:solidFill>
@@ -33038,7 +32580,7 @@
               <a:t>  </a:t>
             </a:r>
             <a:r>
-              <a:rPr lang="en-US" sz="1400" b="0" dirty="0">
+              <a:rPr lang="en-US" sz="1400" b="0">
                 <a:solidFill>
                   <a:srgbClr val="9CDCFE"/>
                 </a:solidFill>
@@ -33048,7 +32590,7 @@
               <a:t>console</a:t>
             </a:r>
             <a:r>
-              <a:rPr lang="en-US" sz="1400" b="0" dirty="0">
+              <a:rPr lang="en-US" sz="1400" b="0">
                 <a:solidFill>
                   <a:srgbClr val="D4D4D4"/>
                 </a:solidFill>
@@ -33058,7 +32600,7 @@
               <a:t>.</a:t>
             </a:r>
             <a:r>
-              <a:rPr lang="en-US" sz="1400" b="0" dirty="0">
+              <a:rPr lang="en-US" sz="1400" b="0">
                 <a:solidFill>
                   <a:srgbClr val="DCDCAA"/>
                 </a:solidFill>
@@ -33068,7 +32610,7 @@
               <a:t>log</a:t>
             </a:r>
             <a:r>
-              <a:rPr lang="en-US" sz="1400" b="0" dirty="0">
+              <a:rPr lang="en-US" sz="1400" b="0">
                 <a:solidFill>
                   <a:srgbClr val="D4D4D4"/>
                 </a:solidFill>
@@ -33078,7 +32620,7 @@
               <a:t>(</a:t>
             </a:r>
             <a:r>
-              <a:rPr lang="en-US" sz="1400" b="0" dirty="0">
+              <a:rPr lang="en-US" sz="1400" b="0">
                 <a:solidFill>
                   <a:srgbClr val="9CDCFE"/>
                 </a:solidFill>
@@ -33088,7 +32630,7 @@
               <a:t>err</a:t>
             </a:r>
             <a:r>
-              <a:rPr lang="en-US" sz="1400" b="0" dirty="0">
+              <a:rPr lang="en-US" sz="1400" b="0">
                 <a:solidFill>
                   <a:srgbClr val="D4D4D4"/>
                 </a:solidFill>
@@ -33100,7 +32642,7 @@
           </a:p>
           <a:p>
             <a:r>
-              <a:rPr lang="en-US" sz="1400" b="0" dirty="0">
+              <a:rPr lang="en-US" sz="1400" b="0">
                 <a:solidFill>
                   <a:srgbClr val="D4D4D4"/>
                 </a:solidFill>
@@ -33112,7 +32654,7 @@
           </a:p>
           <a:p>
             <a:r>
-              <a:rPr lang="en-US" sz="1400" b="0" dirty="0">
+              <a:rPr lang="en-US" sz="1400" b="0">
                 <a:solidFill>
                   <a:srgbClr val="9CDCFE"/>
                 </a:solidFill>
@@ -33122,7 +32664,7 @@
               <a:t>console</a:t>
             </a:r>
             <a:r>
-              <a:rPr lang="en-US" sz="1400" b="0" dirty="0">
+              <a:rPr lang="en-US" sz="1400" b="0">
                 <a:solidFill>
                   <a:srgbClr val="D4D4D4"/>
                 </a:solidFill>
@@ -33132,7 +32674,7 @@
               <a:t>.</a:t>
             </a:r>
             <a:r>
-              <a:rPr lang="en-US" sz="1400" b="0" dirty="0">
+              <a:rPr lang="en-US" sz="1400" b="0">
                 <a:solidFill>
                   <a:srgbClr val="DCDCAA"/>
                 </a:solidFill>
@@ -33142,7 +32684,7 @@
               <a:t>log</a:t>
             </a:r>
             <a:r>
-              <a:rPr lang="en-US" sz="1400" b="0" dirty="0">
+              <a:rPr lang="en-US" sz="1400" b="0">
                 <a:solidFill>
                   <a:srgbClr val="D4D4D4"/>
                 </a:solidFill>
@@ -33152,7 +32694,7 @@
               <a:t>(</a:t>
             </a:r>
             <a:r>
-              <a:rPr lang="en-US" sz="1400" b="0" dirty="0">
+              <a:rPr lang="en-US" sz="1400" b="0">
                 <a:solidFill>
                   <a:srgbClr val="9CDCFE"/>
                 </a:solidFill>
@@ -33162,7 +32704,7 @@
               <a:t>a</a:t>
             </a:r>
             <a:r>
-              <a:rPr lang="en-US" sz="1400" b="0" dirty="0">
+              <a:rPr lang="en-US" sz="1400" b="0">
                 <a:solidFill>
                   <a:srgbClr val="D4D4D4"/>
                 </a:solidFill>
@@ -33206,7 +32748,7 @@
           <a:p>
             <a:pPr algn="ctr"/>
             <a:r>
-              <a:rPr lang="hu-HU" sz="2600" dirty="0">
+              <a:rPr lang="hu-HU" sz="2600">
                 <a:solidFill>
                   <a:schemeClr val="bg1"/>
                 </a:solidFill>
@@ -33215,11 +32757,11 @@
             </a:r>
           </a:p>
           <a:p>
-            <a:endParaRPr lang="hu-HU" dirty="0"/>
-          </a:p>
-          <a:p>
-            <a:r>
-              <a:rPr lang="en-US" sz="1400" b="0" dirty="0">
+            <a:endParaRPr lang="hu-HU"/>
+          </a:p>
+          <a:p>
+            <a:r>
+              <a:rPr lang="en-US" sz="1400" b="0">
                 <a:solidFill>
                   <a:srgbClr val="569CD6"/>
                 </a:solidFill>
@@ -33229,7 +32771,7 @@
               <a:t>const</a:t>
             </a:r>
             <a:r>
-              <a:rPr lang="en-US" sz="1400" b="0" dirty="0">
+              <a:rPr lang="en-US" sz="1400" b="0">
                 <a:solidFill>
                   <a:srgbClr val="D4D4D4"/>
                 </a:solidFill>
@@ -33239,7 +32781,7 @@
               <a:t> </a:t>
             </a:r>
             <a:r>
-              <a:rPr lang="en-US" sz="1400" b="0" dirty="0">
+              <a:rPr lang="en-US" sz="1400" b="0">
                 <a:solidFill>
                   <a:srgbClr val="4FC1FF"/>
                 </a:solidFill>
@@ -33249,7 +32791,7 @@
               <a:t>a</a:t>
             </a:r>
             <a:r>
-              <a:rPr lang="en-US" sz="1400" b="0" dirty="0">
+              <a:rPr lang="en-US" sz="1400" b="0">
                 <a:solidFill>
                   <a:srgbClr val="D4D4D4"/>
                 </a:solidFill>
@@ -33259,7 +32801,7 @@
               <a:t> = </a:t>
             </a:r>
             <a:r>
-              <a:rPr lang="en-US" sz="1400" b="0" dirty="0">
+              <a:rPr lang="en-US" sz="1400" b="0">
                 <a:solidFill>
                   <a:srgbClr val="B5CEA8"/>
                 </a:solidFill>
@@ -33269,7 +32811,7 @@
               <a:t>42</a:t>
             </a:r>
             <a:r>
-              <a:rPr lang="en-US" sz="1400" b="0" dirty="0">
+              <a:rPr lang="en-US" sz="1400" b="0">
                 <a:solidFill>
                   <a:srgbClr val="D4D4D4"/>
                 </a:solidFill>
@@ -33281,7 +32823,7 @@
           </a:p>
           <a:p>
             <a:r>
-              <a:rPr lang="en-US" sz="1400" b="0" dirty="0">
+              <a:rPr lang="en-US" sz="1400" b="0">
                 <a:solidFill>
                   <a:srgbClr val="C586C0"/>
                 </a:solidFill>
@@ -33291,7 +32833,7 @@
               <a:t>try</a:t>
             </a:r>
             <a:r>
-              <a:rPr lang="en-US" sz="1400" b="0" dirty="0">
+              <a:rPr lang="en-US" sz="1400" b="0">
                 <a:solidFill>
                   <a:srgbClr val="D4D4D4"/>
                 </a:solidFill>
@@ -33303,7 +32845,7 @@
           </a:p>
           <a:p>
             <a:r>
-              <a:rPr lang="en-US" sz="1400" b="0" dirty="0">
+              <a:rPr lang="en-US" sz="1400" b="0">
                 <a:solidFill>
                   <a:srgbClr val="D4D4D4"/>
                 </a:solidFill>
@@ -33313,7 +32855,7 @@
               <a:t>  </a:t>
             </a:r>
             <a:r>
-              <a:rPr lang="en-US" sz="1400" b="0" dirty="0">
+              <a:rPr lang="en-US" sz="1400" b="0">
                 <a:solidFill>
                   <a:srgbClr val="4FC1FF"/>
                 </a:solidFill>
@@ -33323,7 +32865,7 @@
               <a:t>a</a:t>
             </a:r>
             <a:r>
-              <a:rPr lang="en-US" sz="1400" b="0" dirty="0">
+              <a:rPr lang="en-US" sz="1400" b="0">
                 <a:solidFill>
                   <a:srgbClr val="D4D4D4"/>
                 </a:solidFill>
@@ -33333,7 +32875,7 @@
               <a:t> = </a:t>
             </a:r>
             <a:r>
-              <a:rPr lang="en-US" sz="1400" b="0" dirty="0">
+              <a:rPr lang="en-US" sz="1400" b="0">
                 <a:solidFill>
                   <a:srgbClr val="B5CEA8"/>
                 </a:solidFill>
@@ -33343,7 +32885,7 @@
               <a:t>90</a:t>
             </a:r>
             <a:r>
-              <a:rPr lang="en-US" sz="1400" b="0" dirty="0">
+              <a:rPr lang="en-US" sz="1400" b="0">
                 <a:solidFill>
                   <a:srgbClr val="D4D4D4"/>
                 </a:solidFill>
@@ -33355,7 +32897,7 @@
           </a:p>
           <a:p>
             <a:r>
-              <a:rPr lang="en-US" sz="1400" b="0" dirty="0">
+              <a:rPr lang="en-US" sz="1400" b="0">
                 <a:solidFill>
                   <a:srgbClr val="D4D4D4"/>
                 </a:solidFill>
@@ -33365,7 +32907,7 @@
               <a:t>} </a:t>
             </a:r>
             <a:r>
-              <a:rPr lang="en-US" sz="1400" b="0" dirty="0">
+              <a:rPr lang="en-US" sz="1400" b="0">
                 <a:solidFill>
                   <a:srgbClr val="C586C0"/>
                 </a:solidFill>
@@ -33375,7 +32917,7 @@
               <a:t>catch</a:t>
             </a:r>
             <a:r>
-              <a:rPr lang="en-US" sz="1400" b="0" dirty="0">
+              <a:rPr lang="en-US" sz="1400" b="0">
                 <a:solidFill>
                   <a:srgbClr val="D4D4D4"/>
                 </a:solidFill>
@@ -33385,7 +32927,7 @@
               <a:t> (</a:t>
             </a:r>
             <a:r>
-              <a:rPr lang="en-US" sz="1400" b="0" dirty="0">
+              <a:rPr lang="en-US" sz="1400" b="0">
                 <a:solidFill>
                   <a:srgbClr val="9CDCFE"/>
                 </a:solidFill>
@@ -33395,7 +32937,7 @@
               <a:t>err</a:t>
             </a:r>
             <a:r>
-              <a:rPr lang="en-US" sz="1400" b="0" dirty="0">
+              <a:rPr lang="en-US" sz="1400" b="0">
                 <a:solidFill>
                   <a:srgbClr val="D4D4D4"/>
                 </a:solidFill>
@@ -33407,7 +32949,7 @@
           </a:p>
           <a:p>
             <a:r>
-              <a:rPr lang="en-US" sz="1400" b="0" dirty="0">
+              <a:rPr lang="en-US" sz="1400" b="0">
                 <a:solidFill>
                   <a:srgbClr val="D4D4D4"/>
                 </a:solidFill>
@@ -33417,7 +32959,7 @@
               <a:t>  </a:t>
             </a:r>
             <a:r>
-              <a:rPr lang="en-US" sz="1400" b="0" dirty="0">
+              <a:rPr lang="en-US" sz="1400" b="0">
                 <a:solidFill>
                   <a:srgbClr val="9CDCFE"/>
                 </a:solidFill>
@@ -33427,7 +32969,7 @@
               <a:t>console</a:t>
             </a:r>
             <a:r>
-              <a:rPr lang="en-US" sz="1400" b="0" dirty="0">
+              <a:rPr lang="en-US" sz="1400" b="0">
                 <a:solidFill>
                   <a:srgbClr val="D4D4D4"/>
                 </a:solidFill>
@@ -33437,7 +32979,7 @@
               <a:t>.</a:t>
             </a:r>
             <a:r>
-              <a:rPr lang="en-US" sz="1400" b="0" dirty="0">
+              <a:rPr lang="en-US" sz="1400" b="0">
                 <a:solidFill>
                   <a:srgbClr val="DCDCAA"/>
                 </a:solidFill>
@@ -33447,7 +32989,7 @@
               <a:t>log</a:t>
             </a:r>
             <a:r>
-              <a:rPr lang="en-US" sz="1400" b="0" dirty="0">
+              <a:rPr lang="en-US" sz="1400" b="0">
                 <a:solidFill>
                   <a:srgbClr val="D4D4D4"/>
                 </a:solidFill>
@@ -33457,7 +32999,7 @@
               <a:t>(</a:t>
             </a:r>
             <a:r>
-              <a:rPr lang="en-US" sz="1400" b="0" dirty="0">
+              <a:rPr lang="en-US" sz="1400" b="0">
                 <a:solidFill>
                   <a:srgbClr val="9CDCFE"/>
                 </a:solidFill>
@@ -33467,7 +33009,7 @@
               <a:t>err</a:t>
             </a:r>
             <a:r>
-              <a:rPr lang="en-US" sz="1400" b="0" dirty="0">
+              <a:rPr lang="en-US" sz="1400" b="0">
                 <a:solidFill>
                   <a:srgbClr val="D4D4D4"/>
                 </a:solidFill>
@@ -33479,7 +33021,7 @@
           </a:p>
           <a:p>
             <a:r>
-              <a:rPr lang="en-US" sz="1400" b="0" dirty="0">
+              <a:rPr lang="en-US" sz="1400" b="0">
                 <a:solidFill>
                   <a:srgbClr val="D4D4D4"/>
                 </a:solidFill>
@@ -33491,7 +33033,7 @@
           </a:p>
           <a:p>
             <a:r>
-              <a:rPr lang="en-US" sz="1400" b="0" dirty="0">
+              <a:rPr lang="en-US" sz="1400" b="0">
                 <a:solidFill>
                   <a:srgbClr val="9CDCFE"/>
                 </a:solidFill>
@@ -33501,7 +33043,7 @@
               <a:t>console</a:t>
             </a:r>
             <a:r>
-              <a:rPr lang="en-US" sz="1400" b="0" dirty="0">
+              <a:rPr lang="en-US" sz="1400" b="0">
                 <a:solidFill>
                   <a:srgbClr val="D4D4D4"/>
                 </a:solidFill>
@@ -33511,7 +33053,7 @@
               <a:t>.</a:t>
             </a:r>
             <a:r>
-              <a:rPr lang="en-US" sz="1400" b="0" dirty="0">
+              <a:rPr lang="en-US" sz="1400" b="0">
                 <a:solidFill>
                   <a:srgbClr val="DCDCAA"/>
                 </a:solidFill>
@@ -33521,7 +33063,7 @@
               <a:t>log</a:t>
             </a:r>
             <a:r>
-              <a:rPr lang="en-US" sz="1400" b="0" dirty="0">
+              <a:rPr lang="en-US" sz="1400" b="0">
                 <a:solidFill>
                   <a:srgbClr val="D4D4D4"/>
                 </a:solidFill>
@@ -33531,7 +33073,7 @@
               <a:t>(</a:t>
             </a:r>
             <a:r>
-              <a:rPr lang="en-US" sz="1400" b="0" dirty="0">
+              <a:rPr lang="en-US" sz="1400" b="0">
                 <a:solidFill>
                   <a:srgbClr val="4FC1FF"/>
                 </a:solidFill>
@@ -33541,7 +33083,7 @@
               <a:t>a</a:t>
             </a:r>
             <a:r>
-              <a:rPr lang="en-US" sz="1400" b="0" dirty="0">
+              <a:rPr lang="en-US" sz="1400" b="0">
                 <a:solidFill>
                   <a:srgbClr val="D4D4D4"/>
                 </a:solidFill>
@@ -33585,7 +33127,7 @@
           <a:p>
             <a:pPr algn="ctr"/>
             <a:r>
-              <a:rPr lang="hu-HU" sz="2600" dirty="0">
+              <a:rPr lang="hu-HU" sz="2600">
                 <a:solidFill>
                   <a:schemeClr val="bg1"/>
                 </a:solidFill>
@@ -33594,11 +33136,11 @@
             </a:r>
           </a:p>
           <a:p>
-            <a:endParaRPr lang="hu-HU" dirty="0"/>
-          </a:p>
-          <a:p>
-            <a:r>
-              <a:rPr lang="en-US" sz="1400" b="0" dirty="0">
+            <a:endParaRPr lang="hu-HU"/>
+          </a:p>
+          <a:p>
+            <a:r>
+              <a:rPr lang="en-US" sz="1400" b="0">
                 <a:solidFill>
                   <a:srgbClr val="569CD6"/>
                 </a:solidFill>
@@ -33608,7 +33150,7 @@
               <a:t>const</a:t>
             </a:r>
             <a:r>
-              <a:rPr lang="en-US" sz="1400" b="0" dirty="0">
+              <a:rPr lang="en-US" sz="1400" b="0">
                 <a:solidFill>
                   <a:srgbClr val="D4D4D4"/>
                 </a:solidFill>
@@ -33618,7 +33160,7 @@
               <a:t> </a:t>
             </a:r>
             <a:r>
-              <a:rPr lang="en-US" sz="1400" b="0" dirty="0">
+              <a:rPr lang="en-US" sz="1400" b="0">
                 <a:solidFill>
                   <a:srgbClr val="4FC1FF"/>
                 </a:solidFill>
@@ -33628,7 +33170,7 @@
               <a:t>a</a:t>
             </a:r>
             <a:r>
-              <a:rPr lang="en-US" sz="1400" b="0" dirty="0">
+              <a:rPr lang="en-US" sz="1400" b="0">
                 <a:solidFill>
                   <a:srgbClr val="D4D4D4"/>
                 </a:solidFill>
@@ -33638,7 +33180,7 @@
               <a:t> = </a:t>
             </a:r>
             <a:r>
-              <a:rPr lang="en-US" sz="1400" b="0" dirty="0">
+              <a:rPr lang="en-US" sz="1400" b="0">
                 <a:solidFill>
                   <a:srgbClr val="B5CEA8"/>
                 </a:solidFill>
@@ -33648,7 +33190,7 @@
               <a:t>42</a:t>
             </a:r>
             <a:r>
-              <a:rPr lang="en-US" sz="1400" b="0" dirty="0">
+              <a:rPr lang="en-US" sz="1400" b="0">
                 <a:solidFill>
                   <a:srgbClr val="D4D4D4"/>
                 </a:solidFill>
@@ -33660,7 +33202,7 @@
           </a:p>
           <a:p>
             <a:r>
-              <a:rPr lang="en-US" sz="1400" b="0" dirty="0">
+              <a:rPr lang="en-US" sz="1400" b="0">
                 <a:solidFill>
                   <a:srgbClr val="C586C0"/>
                 </a:solidFill>
@@ -33670,7 +33212,7 @@
               <a:t>try</a:t>
             </a:r>
             <a:r>
-              <a:rPr lang="en-US" sz="1400" b="0" dirty="0">
+              <a:rPr lang="en-US" sz="1400" b="0">
                 <a:solidFill>
                   <a:srgbClr val="D4D4D4"/>
                 </a:solidFill>
@@ -33682,7 +33224,7 @@
           </a:p>
           <a:p>
             <a:r>
-              <a:rPr lang="en-US" sz="1400" b="0" dirty="0">
+              <a:rPr lang="en-US" sz="1400" b="0">
                 <a:solidFill>
                   <a:srgbClr val="D4D4D4"/>
                 </a:solidFill>
@@ -33692,7 +33234,7 @@
               <a:t>  </a:t>
             </a:r>
             <a:r>
-              <a:rPr lang="en-US" sz="1400" b="0" dirty="0">
+              <a:rPr lang="en-US" sz="1400" b="0">
                 <a:solidFill>
                   <a:srgbClr val="569CD6"/>
                 </a:solidFill>
@@ -33702,7 +33244,7 @@
               <a:t>const</a:t>
             </a:r>
             <a:r>
-              <a:rPr lang="en-US" sz="1400" b="0" dirty="0">
+              <a:rPr lang="en-US" sz="1400" b="0">
                 <a:solidFill>
                   <a:srgbClr val="D4D4D4"/>
                 </a:solidFill>
@@ -33712,7 +33254,7 @@
               <a:t> </a:t>
             </a:r>
             <a:r>
-              <a:rPr lang="en-US" sz="1400" b="0" dirty="0">
+              <a:rPr lang="en-US" sz="1400" b="0">
                 <a:solidFill>
                   <a:srgbClr val="4FC1FF"/>
                 </a:solidFill>
@@ -33722,7 +33264,7 @@
               <a:t>a</a:t>
             </a:r>
             <a:r>
-              <a:rPr lang="en-US" sz="1400" b="0" dirty="0">
+              <a:rPr lang="en-US" sz="1400" b="0">
                 <a:solidFill>
                   <a:srgbClr val="D4D4D4"/>
                 </a:solidFill>
@@ -33732,7 +33274,7 @@
               <a:t> = </a:t>
             </a:r>
             <a:r>
-              <a:rPr lang="en-US" sz="1400" b="0" dirty="0">
+              <a:rPr lang="en-US" sz="1400" b="0">
                 <a:solidFill>
                   <a:srgbClr val="B5CEA8"/>
                 </a:solidFill>
@@ -33742,7 +33284,7 @@
               <a:t>90</a:t>
             </a:r>
             <a:r>
-              <a:rPr lang="en-US" sz="1400" b="0" dirty="0">
+              <a:rPr lang="en-US" sz="1400" b="0">
                 <a:solidFill>
                   <a:srgbClr val="D4D4D4"/>
                 </a:solidFill>
@@ -33754,7 +33296,7 @@
           </a:p>
           <a:p>
             <a:r>
-              <a:rPr lang="en-US" sz="1400" b="0" dirty="0">
+              <a:rPr lang="en-US" sz="1400" b="0">
                 <a:solidFill>
                   <a:srgbClr val="D4D4D4"/>
                 </a:solidFill>
@@ -33764,7 +33306,7 @@
               <a:t>} </a:t>
             </a:r>
             <a:r>
-              <a:rPr lang="en-US" sz="1400" b="0" dirty="0">
+              <a:rPr lang="en-US" sz="1400" b="0">
                 <a:solidFill>
                   <a:srgbClr val="C586C0"/>
                 </a:solidFill>
@@ -33774,7 +33316,7 @@
               <a:t>catch</a:t>
             </a:r>
             <a:r>
-              <a:rPr lang="en-US" sz="1400" b="0" dirty="0">
+              <a:rPr lang="en-US" sz="1400" b="0">
                 <a:solidFill>
                   <a:srgbClr val="D4D4D4"/>
                 </a:solidFill>
@@ -33784,7 +33326,7 @@
               <a:t> (</a:t>
             </a:r>
             <a:r>
-              <a:rPr lang="en-US" sz="1400" b="0" dirty="0">
+              <a:rPr lang="en-US" sz="1400" b="0">
                 <a:solidFill>
                   <a:srgbClr val="9CDCFE"/>
                 </a:solidFill>
@@ -33794,7 +33336,7 @@
               <a:t>err</a:t>
             </a:r>
             <a:r>
-              <a:rPr lang="en-US" sz="1400" b="0" dirty="0">
+              <a:rPr lang="en-US" sz="1400" b="0">
                 <a:solidFill>
                   <a:srgbClr val="D4D4D4"/>
                 </a:solidFill>
@@ -33806,7 +33348,7 @@
           </a:p>
           <a:p>
             <a:r>
-              <a:rPr lang="en-US" sz="1400" b="0" dirty="0">
+              <a:rPr lang="en-US" sz="1400" b="0">
                 <a:solidFill>
                   <a:srgbClr val="D4D4D4"/>
                 </a:solidFill>
@@ -33816,7 +33358,7 @@
               <a:t>  </a:t>
             </a:r>
             <a:r>
-              <a:rPr lang="en-US" sz="1400" b="0" dirty="0">
+              <a:rPr lang="en-US" sz="1400" b="0">
                 <a:solidFill>
                   <a:srgbClr val="9CDCFE"/>
                 </a:solidFill>
@@ -33826,7 +33368,7 @@
               <a:t>console</a:t>
             </a:r>
             <a:r>
-              <a:rPr lang="en-US" sz="1400" b="0" dirty="0">
+              <a:rPr lang="en-US" sz="1400" b="0">
                 <a:solidFill>
                   <a:srgbClr val="D4D4D4"/>
                 </a:solidFill>
@@ -33836,7 +33378,7 @@
               <a:t>.</a:t>
             </a:r>
             <a:r>
-              <a:rPr lang="en-US" sz="1400" b="0" dirty="0">
+              <a:rPr lang="en-US" sz="1400" b="0">
                 <a:solidFill>
                   <a:srgbClr val="DCDCAA"/>
                 </a:solidFill>
@@ -33846,7 +33388,7 @@
               <a:t>log</a:t>
             </a:r>
             <a:r>
-              <a:rPr lang="en-US" sz="1400" b="0" dirty="0">
+              <a:rPr lang="en-US" sz="1400" b="0">
                 <a:solidFill>
                   <a:srgbClr val="D4D4D4"/>
                 </a:solidFill>
@@ -33856,7 +33398,7 @@
               <a:t>(</a:t>
             </a:r>
             <a:r>
-              <a:rPr lang="en-US" sz="1400" b="0" dirty="0">
+              <a:rPr lang="en-US" sz="1400" b="0">
                 <a:solidFill>
                   <a:srgbClr val="9CDCFE"/>
                 </a:solidFill>
@@ -33866,7 +33408,7 @@
               <a:t>err</a:t>
             </a:r>
             <a:r>
-              <a:rPr lang="en-US" sz="1400" b="0" dirty="0">
+              <a:rPr lang="en-US" sz="1400" b="0">
                 <a:solidFill>
                   <a:srgbClr val="D4D4D4"/>
                 </a:solidFill>
@@ -33878,7 +33420,7 @@
           </a:p>
           <a:p>
             <a:r>
-              <a:rPr lang="en-US" sz="1400" b="0" dirty="0">
+              <a:rPr lang="en-US" sz="1400" b="0">
                 <a:solidFill>
                   <a:srgbClr val="D4D4D4"/>
                 </a:solidFill>
@@ -33890,7 +33432,7 @@
           </a:p>
           <a:p>
             <a:r>
-              <a:rPr lang="en-US" sz="1400" b="0" dirty="0">
+              <a:rPr lang="en-US" sz="1400" b="0">
                 <a:solidFill>
                   <a:srgbClr val="9CDCFE"/>
                 </a:solidFill>
@@ -33900,7 +33442,7 @@
               <a:t>console</a:t>
             </a:r>
             <a:r>
-              <a:rPr lang="en-US" sz="1400" b="0" dirty="0">
+              <a:rPr lang="en-US" sz="1400" b="0">
                 <a:solidFill>
                   <a:srgbClr val="D4D4D4"/>
                 </a:solidFill>
@@ -33910,7 +33452,7 @@
               <a:t>.</a:t>
             </a:r>
             <a:r>
-              <a:rPr lang="en-US" sz="1400" b="0" dirty="0">
+              <a:rPr lang="en-US" sz="1400" b="0">
                 <a:solidFill>
                   <a:srgbClr val="DCDCAA"/>
                 </a:solidFill>
@@ -33920,7 +33462,7 @@
               <a:t>log</a:t>
             </a:r>
             <a:r>
-              <a:rPr lang="en-US" sz="1400" b="0" dirty="0">
+              <a:rPr lang="en-US" sz="1400" b="0">
                 <a:solidFill>
                   <a:srgbClr val="D4D4D4"/>
                 </a:solidFill>
@@ -33930,7 +33472,7 @@
               <a:t>(</a:t>
             </a:r>
             <a:r>
-              <a:rPr lang="en-US" sz="1400" b="0" dirty="0">
+              <a:rPr lang="en-US" sz="1400" b="0">
                 <a:solidFill>
                   <a:srgbClr val="4FC1FF"/>
                 </a:solidFill>
@@ -33940,7 +33482,7 @@
               <a:t>a</a:t>
             </a:r>
             <a:r>
-              <a:rPr lang="en-US" sz="1400" b="0" dirty="0">
+              <a:rPr lang="en-US" sz="1400" b="0">
                 <a:solidFill>
                   <a:srgbClr val="D4D4D4"/>
                 </a:solidFill>
@@ -33984,7 +33526,7 @@
           <a:p>
             <a:pPr algn="ctr"/>
             <a:r>
-              <a:rPr lang="hu-HU" sz="2600" dirty="0">
+              <a:rPr lang="hu-HU" sz="2600">
                 <a:solidFill>
                   <a:schemeClr val="bg1"/>
                 </a:solidFill>
@@ -33993,11 +33535,11 @@
             </a:r>
           </a:p>
           <a:p>
-            <a:endParaRPr lang="hu-HU" dirty="0"/>
-          </a:p>
-          <a:p>
-            <a:r>
-              <a:rPr lang="en-US" sz="1400" b="0" dirty="0">
+            <a:endParaRPr lang="hu-HU"/>
+          </a:p>
+          <a:p>
+            <a:r>
+              <a:rPr lang="en-US" sz="1400" b="0">
                 <a:solidFill>
                   <a:srgbClr val="569CD6"/>
                 </a:solidFill>
@@ -34007,7 +33549,7 @@
               <a:t>var</a:t>
             </a:r>
             <a:r>
-              <a:rPr lang="en-US" sz="1400" b="0" dirty="0">
+              <a:rPr lang="en-US" sz="1400" b="0">
                 <a:solidFill>
                   <a:srgbClr val="D4D4D4"/>
                 </a:solidFill>
@@ -34017,7 +33559,7 @@
               <a:t> </a:t>
             </a:r>
             <a:r>
-              <a:rPr lang="en-US" sz="1400" b="0" dirty="0">
+              <a:rPr lang="en-US" sz="1400" b="0">
                 <a:solidFill>
                   <a:srgbClr val="9CDCFE"/>
                 </a:solidFill>
@@ -34027,7 +33569,7 @@
               <a:t>a</a:t>
             </a:r>
             <a:r>
-              <a:rPr lang="en-US" sz="1400" b="0" dirty="0">
+              <a:rPr lang="en-US" sz="1400" b="0">
                 <a:solidFill>
                   <a:srgbClr val="D4D4D4"/>
                 </a:solidFill>
@@ -34037,7 +33579,7 @@
               <a:t> = </a:t>
             </a:r>
             <a:r>
-              <a:rPr lang="en-US" sz="1400" b="0" dirty="0">
+              <a:rPr lang="en-US" sz="1400" b="0">
                 <a:solidFill>
                   <a:srgbClr val="B5CEA8"/>
                 </a:solidFill>
@@ -34047,7 +33589,7 @@
               <a:t>42</a:t>
             </a:r>
             <a:r>
-              <a:rPr lang="en-US" sz="1400" b="0" dirty="0">
+              <a:rPr lang="en-US" sz="1400" b="0">
                 <a:solidFill>
                   <a:srgbClr val="D4D4D4"/>
                 </a:solidFill>
@@ -34059,7 +33601,7 @@
           </a:p>
           <a:p>
             <a:r>
-              <a:rPr lang="en-US" sz="1400" b="0" dirty="0">
+              <a:rPr lang="en-US" sz="1400" b="0">
                 <a:solidFill>
                   <a:srgbClr val="C586C0"/>
                 </a:solidFill>
@@ -34069,7 +33611,7 @@
               <a:t>try</a:t>
             </a:r>
             <a:r>
-              <a:rPr lang="en-US" sz="1400" b="0" dirty="0">
+              <a:rPr lang="en-US" sz="1400" b="0">
                 <a:solidFill>
                   <a:srgbClr val="D4D4D4"/>
                 </a:solidFill>
@@ -34081,7 +33623,7 @@
           </a:p>
           <a:p>
             <a:r>
-              <a:rPr lang="en-US" sz="1400" b="0" dirty="0">
+              <a:rPr lang="en-US" sz="1400" b="0">
                 <a:solidFill>
                   <a:srgbClr val="D4D4D4"/>
                 </a:solidFill>
@@ -34091,7 +33633,7 @@
               <a:t>  </a:t>
             </a:r>
             <a:r>
-              <a:rPr lang="en-US" sz="1400" b="0" dirty="0">
+              <a:rPr lang="en-US" sz="1400" b="0">
                 <a:solidFill>
                   <a:srgbClr val="569CD6"/>
                 </a:solidFill>
@@ -34101,7 +33643,7 @@
               <a:t>var</a:t>
             </a:r>
             <a:r>
-              <a:rPr lang="en-US" sz="1400" b="0" dirty="0">
+              <a:rPr lang="en-US" sz="1400" b="0">
                 <a:solidFill>
                   <a:srgbClr val="D4D4D4"/>
                 </a:solidFill>
@@ -34111,7 +33653,7 @@
               <a:t> </a:t>
             </a:r>
             <a:r>
-              <a:rPr lang="en-US" sz="1400" b="0" dirty="0">
+              <a:rPr lang="en-US" sz="1400" b="0">
                 <a:solidFill>
                   <a:srgbClr val="9CDCFE"/>
                 </a:solidFill>
@@ -34121,7 +33663,7 @@
               <a:t>a</a:t>
             </a:r>
             <a:r>
-              <a:rPr lang="en-US" sz="1400" b="0" dirty="0">
+              <a:rPr lang="en-US" sz="1400" b="0">
                 <a:solidFill>
                   <a:srgbClr val="D4D4D4"/>
                 </a:solidFill>
@@ -34131,7 +33673,7 @@
               <a:t> = </a:t>
             </a:r>
             <a:r>
-              <a:rPr lang="en-US" sz="1400" b="0" dirty="0">
+              <a:rPr lang="en-US" sz="1400" b="0">
                 <a:solidFill>
                   <a:srgbClr val="B5CEA8"/>
                 </a:solidFill>
@@ -34141,7 +33683,7 @@
               <a:t>90</a:t>
             </a:r>
             <a:r>
-              <a:rPr lang="en-US" sz="1400" b="0" dirty="0">
+              <a:rPr lang="en-US" sz="1400" b="0">
                 <a:solidFill>
                   <a:srgbClr val="D4D4D4"/>
                 </a:solidFill>
@@ -34153,7 +33695,7 @@
           </a:p>
           <a:p>
             <a:r>
-              <a:rPr lang="en-US" sz="1400" b="0" dirty="0">
+              <a:rPr lang="en-US" sz="1400" b="0">
                 <a:solidFill>
                   <a:srgbClr val="D4D4D4"/>
                 </a:solidFill>
@@ -34163,7 +33705,7 @@
               <a:t>} </a:t>
             </a:r>
             <a:r>
-              <a:rPr lang="en-US" sz="1400" b="0" dirty="0">
+              <a:rPr lang="en-US" sz="1400" b="0">
                 <a:solidFill>
                   <a:srgbClr val="C586C0"/>
                 </a:solidFill>
@@ -34173,7 +33715,7 @@
               <a:t>catch</a:t>
             </a:r>
             <a:r>
-              <a:rPr lang="en-US" sz="1400" b="0" dirty="0">
+              <a:rPr lang="en-US" sz="1400" b="0">
                 <a:solidFill>
                   <a:srgbClr val="D4D4D4"/>
                 </a:solidFill>
@@ -34183,7 +33725,7 @@
               <a:t> (</a:t>
             </a:r>
             <a:r>
-              <a:rPr lang="en-US" sz="1400" b="0" dirty="0">
+              <a:rPr lang="en-US" sz="1400" b="0">
                 <a:solidFill>
                   <a:srgbClr val="9CDCFE"/>
                 </a:solidFill>
@@ -34193,7 +33735,7 @@
               <a:t>err</a:t>
             </a:r>
             <a:r>
-              <a:rPr lang="en-US" sz="1400" b="0" dirty="0">
+              <a:rPr lang="en-US" sz="1400" b="0">
                 <a:solidFill>
                   <a:srgbClr val="D4D4D4"/>
                 </a:solidFill>
@@ -34205,7 +33747,7 @@
           </a:p>
           <a:p>
             <a:r>
-              <a:rPr lang="en-US" sz="1400" b="0" dirty="0">
+              <a:rPr lang="en-US" sz="1400" b="0">
                 <a:solidFill>
                   <a:srgbClr val="D4D4D4"/>
                 </a:solidFill>
@@ -34215,7 +33757,7 @@
               <a:t>  </a:t>
             </a:r>
             <a:r>
-              <a:rPr lang="en-US" sz="1400" b="0" dirty="0">
+              <a:rPr lang="en-US" sz="1400" b="0">
                 <a:solidFill>
                   <a:srgbClr val="9CDCFE"/>
                 </a:solidFill>
@@ -34225,7 +33767,7 @@
               <a:t>console</a:t>
             </a:r>
             <a:r>
-              <a:rPr lang="en-US" sz="1400" b="0" dirty="0">
+              <a:rPr lang="en-US" sz="1400" b="0">
                 <a:solidFill>
                   <a:srgbClr val="D4D4D4"/>
                 </a:solidFill>
@@ -34235,7 +33777,7 @@
               <a:t>.</a:t>
             </a:r>
             <a:r>
-              <a:rPr lang="en-US" sz="1400" b="0" dirty="0">
+              <a:rPr lang="en-US" sz="1400" b="0">
                 <a:solidFill>
                   <a:srgbClr val="DCDCAA"/>
                 </a:solidFill>
@@ -34245,7 +33787,7 @@
               <a:t>log</a:t>
             </a:r>
             <a:r>
-              <a:rPr lang="en-US" sz="1400" b="0" dirty="0">
+              <a:rPr lang="en-US" sz="1400" b="0">
                 <a:solidFill>
                   <a:srgbClr val="D4D4D4"/>
                 </a:solidFill>
@@ -34255,7 +33797,7 @@
               <a:t>(</a:t>
             </a:r>
             <a:r>
-              <a:rPr lang="en-US" sz="1400" b="0" dirty="0">
+              <a:rPr lang="en-US" sz="1400" b="0">
                 <a:solidFill>
                   <a:srgbClr val="9CDCFE"/>
                 </a:solidFill>
@@ -34265,7 +33807,7 @@
               <a:t>err</a:t>
             </a:r>
             <a:r>
-              <a:rPr lang="en-US" sz="1400" b="0" dirty="0">
+              <a:rPr lang="en-US" sz="1400" b="0">
                 <a:solidFill>
                   <a:srgbClr val="D4D4D4"/>
                 </a:solidFill>
@@ -34277,7 +33819,7 @@
           </a:p>
           <a:p>
             <a:r>
-              <a:rPr lang="en-US" sz="1400" b="0" dirty="0">
+              <a:rPr lang="en-US" sz="1400" b="0">
                 <a:solidFill>
                   <a:srgbClr val="D4D4D4"/>
                 </a:solidFill>
@@ -34289,7 +33831,7 @@
           </a:p>
           <a:p>
             <a:r>
-              <a:rPr lang="en-US" sz="1400" b="0" dirty="0">
+              <a:rPr lang="en-US" sz="1400" b="0">
                 <a:solidFill>
                   <a:srgbClr val="9CDCFE"/>
                 </a:solidFill>
@@ -34299,7 +33841,7 @@
               <a:t>console</a:t>
             </a:r>
             <a:r>
-              <a:rPr lang="en-US" sz="1400" b="0" dirty="0">
+              <a:rPr lang="en-US" sz="1400" b="0">
                 <a:solidFill>
                   <a:srgbClr val="D4D4D4"/>
                 </a:solidFill>
@@ -34309,7 +33851,7 @@
               <a:t>.</a:t>
             </a:r>
             <a:r>
-              <a:rPr lang="en-US" sz="1400" b="0" dirty="0">
+              <a:rPr lang="en-US" sz="1400" b="0">
                 <a:solidFill>
                   <a:srgbClr val="DCDCAA"/>
                 </a:solidFill>
@@ -34319,7 +33861,7 @@
               <a:t>log</a:t>
             </a:r>
             <a:r>
-              <a:rPr lang="en-US" sz="1400" b="0" dirty="0">
+              <a:rPr lang="en-US" sz="1400" b="0">
                 <a:solidFill>
                   <a:srgbClr val="D4D4D4"/>
                 </a:solidFill>
@@ -34329,7 +33871,7 @@
               <a:t>(</a:t>
             </a:r>
             <a:r>
-              <a:rPr lang="en-US" sz="1400" b="0" dirty="0">
+              <a:rPr lang="en-US" sz="1400" b="0">
                 <a:solidFill>
                   <a:srgbClr val="9CDCFE"/>
                 </a:solidFill>
@@ -34339,7 +33881,7 @@
               <a:t>a</a:t>
             </a:r>
             <a:r>
-              <a:rPr lang="en-US" sz="1400" b="0" dirty="0">
+              <a:rPr lang="en-US" sz="1400" b="0">
                 <a:solidFill>
                   <a:srgbClr val="D4D4D4"/>
                 </a:solidFill>
@@ -34380,10 +33922,10 @@
           <a:p>
             <a:pPr algn="ctr"/>
             <a:r>
-              <a:rPr lang="hu-HU" dirty="0"/>
+              <a:rPr lang="hu-HU"/>
               <a:t>Function &amp; Global</a:t>
             </a:r>
-            <a:endParaRPr lang="en-US" dirty="0"/>
+            <a:endParaRPr lang="en-US"/>
           </a:p>
         </p:txBody>
       </p:sp>
@@ -34416,10 +33958,10 @@
           <a:p>
             <a:pPr algn="ctr"/>
             <a:r>
-              <a:rPr lang="hu-HU" dirty="0"/>
+              <a:rPr lang="hu-HU"/>
               <a:t>Block scope</a:t>
             </a:r>
-            <a:endParaRPr lang="en-US" dirty="0"/>
+            <a:endParaRPr lang="en-US"/>
           </a:p>
         </p:txBody>
       </p:sp>
@@ -34452,10 +33994,10 @@
           <a:p>
             <a:pPr algn="ctr"/>
             <a:r>
-              <a:rPr lang="hu-HU" dirty="0"/>
+              <a:rPr lang="hu-HU"/>
               <a:t>* hoisting</a:t>
             </a:r>
-            <a:endParaRPr lang="en-US" dirty="0"/>
+            <a:endParaRPr lang="en-US"/>
           </a:p>
         </p:txBody>
       </p:sp>
@@ -34511,10 +34053,10 @@
           <a:lstStyle/>
           <a:p>
             <a:r>
-              <a:rPr lang="hu-HU" dirty="0"/>
+              <a:rPr lang="hu-HU"/>
               <a:t>JavaScript</a:t>
             </a:r>
-            <a:endParaRPr lang="en-US" dirty="0"/>
+            <a:endParaRPr lang="en-US"/>
           </a:p>
         </p:txBody>
       </p:sp>
@@ -34540,10 +34082,10 @@
           <a:lstStyle/>
           <a:p>
             <a:r>
-              <a:rPr lang="hu-HU" dirty="0"/>
+              <a:rPr lang="hu-HU"/>
               <a:t>Functions</a:t>
             </a:r>
-            <a:endParaRPr lang="en-US" dirty="0"/>
+            <a:endParaRPr lang="en-US"/>
           </a:p>
         </p:txBody>
       </p:sp>
@@ -34576,7 +34118,7 @@
           <a:p>
             <a:pPr algn="l"/>
             <a:r>
-              <a:rPr lang="hu-HU" dirty="0"/>
+              <a:rPr lang="hu-HU"/>
               <a:t>Functions are first-class citizens of JavaScript – can be:</a:t>
             </a:r>
           </a:p>
@@ -34586,7 +34128,7 @@
               <a:buChar char="•"/>
             </a:pPr>
             <a:r>
-              <a:rPr lang="hu-HU" dirty="0"/>
+              <a:rPr lang="hu-HU"/>
               <a:t>passed as an argument</a:t>
             </a:r>
           </a:p>
@@ -34596,7 +34138,7 @@
               <a:buChar char="•"/>
             </a:pPr>
             <a:r>
-              <a:rPr lang="hu-HU" dirty="0"/>
+              <a:rPr lang="hu-HU"/>
               <a:t>returned</a:t>
             </a:r>
           </a:p>
@@ -34606,25 +34148,25 @@
               <a:buChar char="•"/>
             </a:pPr>
             <a:r>
-              <a:rPr lang="hu-HU" dirty="0"/>
+              <a:rPr lang="hu-HU"/>
               <a:t>assigned to a variable</a:t>
             </a:r>
           </a:p>
           <a:p>
-            <a:endParaRPr lang="hu-HU" dirty="0"/>
-          </a:p>
-          <a:p>
-            <a:r>
-              <a:rPr lang="hu-HU" dirty="0"/>
+            <a:endParaRPr lang="hu-HU"/>
+          </a:p>
+          <a:p>
+            <a:r>
+              <a:rPr lang="hu-HU"/>
               <a:t>The number of arguments passed to a function depends on the caller (not the declaration)</a:t>
             </a:r>
           </a:p>
           <a:p>
-            <a:endParaRPr lang="hu-HU" dirty="0"/>
-          </a:p>
-          <a:p>
-            <a:r>
-              <a:rPr lang="hu-HU" dirty="0"/>
+            <a:endParaRPr lang="hu-HU"/>
+          </a:p>
+          <a:p>
+            <a:r>
+              <a:rPr lang="hu-HU"/>
               <a:t>Highly depends on context from where it’s called:</a:t>
             </a:r>
           </a:p>
@@ -34634,7 +34176,7 @@
               <a:buChar char="•"/>
             </a:pPr>
             <a:r>
-              <a:rPr lang="hu-HU" dirty="0"/>
+              <a:rPr lang="hu-HU"/>
               <a:t>„this” does not mean the same thing as in Java</a:t>
             </a:r>
           </a:p>
@@ -34644,7 +34186,7 @@
               <a:buChar char="•"/>
             </a:pPr>
             <a:r>
-              <a:rPr lang="hu-HU" dirty="0"/>
+              <a:rPr lang="hu-HU"/>
               <a:t>(Re-)Define scope with:</a:t>
             </a:r>
           </a:p>
@@ -34654,7 +34196,7 @@
               <a:buChar char="•"/>
             </a:pPr>
             <a:r>
-              <a:rPr lang="hu-HU" dirty="0"/>
+              <a:rPr lang="hu-HU"/>
               <a:t>Call</a:t>
             </a:r>
           </a:p>
@@ -34664,7 +34206,7 @@
               <a:buChar char="•"/>
             </a:pPr>
             <a:r>
-              <a:rPr lang="hu-HU" dirty="0"/>
+              <a:rPr lang="hu-HU"/>
               <a:t>Apply</a:t>
             </a:r>
           </a:p>
@@ -34674,7 +34216,7 @@
               <a:buChar char="•"/>
             </a:pPr>
             <a:r>
-              <a:rPr lang="hu-HU" dirty="0"/>
+              <a:rPr lang="hu-HU"/>
               <a:t>Bind</a:t>
             </a:r>
           </a:p>
@@ -34683,29 +34225,29 @@
               <a:buFont typeface="Arial" panose="020B0604020202020204" pitchFamily="34" charset="0"/>
               <a:buChar char="•"/>
             </a:pPr>
-            <a:endParaRPr lang="hu-HU" dirty="0"/>
+            <a:endParaRPr lang="hu-HU"/>
           </a:p>
           <a:p>
             <a:pPr marL="742950" lvl="1" indent="-285750">
               <a:buFont typeface="Arial" panose="020B0604020202020204" pitchFamily="34" charset="0"/>
               <a:buChar char="•"/>
             </a:pPr>
-            <a:endParaRPr lang="hu-HU" dirty="0"/>
-          </a:p>
-          <a:p>
-            <a:endParaRPr lang="hu-HU" dirty="0"/>
-          </a:p>
-          <a:p>
-            <a:endParaRPr lang="hu-HU" dirty="0"/>
-          </a:p>
-          <a:p>
-            <a:r>
-              <a:rPr lang="hu-HU" sz="1200" dirty="0">
+            <a:endParaRPr lang="hu-HU"/>
+          </a:p>
+          <a:p>
+            <a:endParaRPr lang="hu-HU"/>
+          </a:p>
+          <a:p>
+            <a:endParaRPr lang="hu-HU"/>
+          </a:p>
+          <a:p>
+            <a:r>
+              <a:rPr lang="hu-HU" sz="1200">
                 <a:hlinkClick r:id="rId2"/>
               </a:rPr>
               <a:t>https://developer.mozilla.org/en-US/docs/Web/JavaScript/Reference/Functions</a:t>
             </a:r>
-            <a:endParaRPr lang="hu-HU" sz="1200" dirty="0"/>
+            <a:endParaRPr lang="hu-HU" sz="1200"/>
           </a:p>
         </p:txBody>
       </p:sp>
@@ -34742,7 +34284,7 @@
               <a:buChar char="•"/>
             </a:pPr>
             <a:r>
-              <a:rPr lang="hu-HU" dirty="0">
+              <a:rPr lang="hu-HU">
                 <a:solidFill>
                   <a:schemeClr val="bg1"/>
                 </a:solidFill>
@@ -34753,7 +34295,7 @@
           <a:p>
             <a:pPr lvl="1"/>
             <a:r>
-              <a:rPr lang="en-US" sz="1400" b="0" dirty="0">
+              <a:rPr lang="en-US" sz="1400" b="0">
                 <a:solidFill>
                   <a:srgbClr val="569CD6"/>
                 </a:solidFill>
@@ -34763,7 +34305,7 @@
               <a:t>function</a:t>
             </a:r>
             <a:r>
-              <a:rPr lang="en-US" sz="1400" b="0" dirty="0">
+              <a:rPr lang="en-US" sz="1400" b="0">
                 <a:solidFill>
                   <a:srgbClr val="D4D4D4"/>
                 </a:solidFill>
@@ -34773,7 +34315,7 @@
               <a:t> </a:t>
             </a:r>
             <a:r>
-              <a:rPr lang="en-US" sz="1400" b="0" dirty="0" err="1">
+              <a:rPr lang="en-US" sz="1400" b="0" err="1">
                 <a:solidFill>
                   <a:srgbClr val="DCDCAA"/>
                 </a:solidFill>
@@ -34783,7 +34325,7 @@
               <a:t>myFunction</a:t>
             </a:r>
             <a:r>
-              <a:rPr lang="en-US" sz="1400" b="0" dirty="0">
+              <a:rPr lang="en-US" sz="1400" b="0">
                 <a:solidFill>
                   <a:srgbClr val="D4D4D4"/>
                 </a:solidFill>
@@ -34793,7 +34335,7 @@
               <a:t>(</a:t>
             </a:r>
             <a:r>
-              <a:rPr lang="en-US" sz="1400" b="0" dirty="0">
+              <a:rPr lang="en-US" sz="1400" b="0">
                 <a:solidFill>
                   <a:srgbClr val="9CDCFE"/>
                 </a:solidFill>
@@ -34803,7 +34345,7 @@
               <a:t>param1</a:t>
             </a:r>
             <a:r>
-              <a:rPr lang="en-US" sz="1400" b="0" dirty="0">
+              <a:rPr lang="en-US" sz="1400" b="0">
                 <a:solidFill>
                   <a:srgbClr val="D4D4D4"/>
                 </a:solidFill>
@@ -34813,7 +34355,7 @@
               <a:t>, </a:t>
             </a:r>
             <a:r>
-              <a:rPr lang="en-US" sz="1400" b="0" dirty="0">
+              <a:rPr lang="en-US" sz="1400" b="0">
                 <a:solidFill>
                   <a:srgbClr val="9CDCFE"/>
                 </a:solidFill>
@@ -34823,7 +34365,7 @@
               <a:t>param2</a:t>
             </a:r>
             <a:r>
-              <a:rPr lang="en-US" sz="1400" b="0" dirty="0">
+              <a:rPr lang="en-US" sz="1400" b="0">
                 <a:solidFill>
                   <a:srgbClr val="D4D4D4"/>
                 </a:solidFill>
@@ -34832,7 +34374,7 @@
               </a:rPr>
               <a:t>) {...}</a:t>
             </a:r>
-            <a:endParaRPr lang="hu-HU" sz="1400" dirty="0">
+            <a:endParaRPr lang="hu-HU" sz="1400">
               <a:solidFill>
                 <a:schemeClr val="bg1"/>
               </a:solidFill>
@@ -34844,7 +34386,7 @@
               <a:buChar char="•"/>
             </a:pPr>
             <a:r>
-              <a:rPr lang="hu-HU" dirty="0">
+              <a:rPr lang="hu-HU">
                 <a:solidFill>
                   <a:schemeClr val="bg1"/>
                 </a:solidFill>
@@ -34855,7 +34397,7 @@
           <a:p>
             <a:pPr lvl="1"/>
             <a:r>
-              <a:rPr lang="en-US" sz="1400" b="0" dirty="0">
+              <a:rPr lang="en-US" sz="1400" b="0">
                 <a:solidFill>
                   <a:srgbClr val="569CD6"/>
                 </a:solidFill>
@@ -34865,7 +34407,7 @@
               <a:t>const</a:t>
             </a:r>
             <a:r>
-              <a:rPr lang="en-US" sz="1400" b="0" dirty="0">
+              <a:rPr lang="en-US" sz="1400" b="0">
                 <a:solidFill>
                   <a:srgbClr val="D4D4D4"/>
                 </a:solidFill>
@@ -34875,7 +34417,7 @@
               <a:t> </a:t>
             </a:r>
             <a:r>
-              <a:rPr lang="en-US" sz="1400" b="0" dirty="0" err="1">
+              <a:rPr lang="en-US" sz="1400" b="0" err="1">
                 <a:solidFill>
                   <a:srgbClr val="DCDCAA"/>
                 </a:solidFill>
@@ -34885,7 +34427,7 @@
               <a:t>myFunction</a:t>
             </a:r>
             <a:r>
-              <a:rPr lang="en-US" sz="1400" b="0" dirty="0">
+              <a:rPr lang="en-US" sz="1400" b="0">
                 <a:solidFill>
                   <a:srgbClr val="D4D4D4"/>
                 </a:solidFill>
@@ -34895,7 +34437,7 @@
               <a:t> = </a:t>
             </a:r>
             <a:r>
-              <a:rPr lang="en-US" sz="1400" b="0" dirty="0">
+              <a:rPr lang="en-US" sz="1400" b="0">
                 <a:solidFill>
                   <a:srgbClr val="569CD6"/>
                 </a:solidFill>
@@ -34905,7 +34447,7 @@
               <a:t>function</a:t>
             </a:r>
             <a:r>
-              <a:rPr lang="en-US" sz="1400" b="0" dirty="0">
+              <a:rPr lang="en-US" sz="1400" b="0">
                 <a:solidFill>
                   <a:srgbClr val="D4D4D4"/>
                 </a:solidFill>
@@ -34915,7 +34457,7 @@
               <a:t>(</a:t>
             </a:r>
             <a:r>
-              <a:rPr lang="en-US" sz="1400" b="0" dirty="0">
+              <a:rPr lang="en-US" sz="1400" b="0">
                 <a:solidFill>
                   <a:srgbClr val="9CDCFE"/>
                 </a:solidFill>
@@ -34925,7 +34467,7 @@
               <a:t>param1</a:t>
             </a:r>
             <a:r>
-              <a:rPr lang="en-US" sz="1400" b="0" dirty="0">
+              <a:rPr lang="en-US" sz="1400" b="0">
                 <a:solidFill>
                   <a:srgbClr val="D4D4D4"/>
                 </a:solidFill>
@@ -34935,7 +34477,7 @@
               <a:t>, </a:t>
             </a:r>
             <a:r>
-              <a:rPr lang="en-US" sz="1400" b="0" dirty="0">
+              <a:rPr lang="en-US" sz="1400" b="0">
                 <a:solidFill>
                   <a:srgbClr val="9CDCFE"/>
                 </a:solidFill>
@@ -34945,7 +34487,7 @@
               <a:t>param2</a:t>
             </a:r>
             <a:r>
-              <a:rPr lang="en-US" sz="1400" b="0" dirty="0">
+              <a:rPr lang="en-US" sz="1400" b="0">
                 <a:solidFill>
                   <a:srgbClr val="D4D4D4"/>
                 </a:solidFill>
@@ -34955,7 +34497,7 @@
               <a:t>) {</a:t>
             </a:r>
             <a:r>
-              <a:rPr lang="hu-HU" sz="1400" b="0" dirty="0">
+              <a:rPr lang="hu-HU" sz="1400" b="0">
                 <a:solidFill>
                   <a:srgbClr val="D4D4D4"/>
                 </a:solidFill>
@@ -34965,7 +34507,7 @@
               <a:t>...</a:t>
             </a:r>
             <a:r>
-              <a:rPr lang="en-US" sz="1400" b="0" dirty="0">
+              <a:rPr lang="en-US" sz="1400" b="0">
                 <a:solidFill>
                   <a:srgbClr val="D4D4D4"/>
                 </a:solidFill>
@@ -34974,7 +34516,7 @@
               </a:rPr>
               <a:t>};</a:t>
             </a:r>
-            <a:endParaRPr lang="hu-HU" sz="1400" dirty="0">
+            <a:endParaRPr lang="hu-HU" sz="1400">
               <a:solidFill>
                 <a:schemeClr val="bg1"/>
               </a:solidFill>
@@ -34986,7 +34528,7 @@
               <a:buChar char="•"/>
             </a:pPr>
             <a:r>
-              <a:rPr lang="hu-HU" dirty="0">
+              <a:rPr lang="hu-HU">
                 <a:solidFill>
                   <a:schemeClr val="bg1"/>
                 </a:solidFill>
@@ -34997,7 +34539,7 @@
           <a:p>
             <a:pPr lvl="1"/>
             <a:r>
-              <a:rPr lang="en-US" sz="1400" b="0" dirty="0">
+              <a:rPr lang="en-US" sz="1400" b="0">
                 <a:solidFill>
                   <a:srgbClr val="569CD6"/>
                 </a:solidFill>
@@ -35007,7 +34549,7 @@
               <a:t>const</a:t>
             </a:r>
             <a:r>
-              <a:rPr lang="en-US" sz="1400" b="0" dirty="0">
+              <a:rPr lang="en-US" sz="1400" b="0">
                 <a:solidFill>
                   <a:srgbClr val="D4D4D4"/>
                 </a:solidFill>
@@ -35017,7 +34559,7 @@
               <a:t> </a:t>
             </a:r>
             <a:r>
-              <a:rPr lang="en-US" sz="1400" b="0" dirty="0">
+              <a:rPr lang="en-US" sz="1400" b="0">
                 <a:solidFill>
                   <a:srgbClr val="4FC1FF"/>
                 </a:solidFill>
@@ -35027,7 +34569,7 @@
               <a:t>collection</a:t>
             </a:r>
             <a:r>
-              <a:rPr lang="en-US" sz="1400" b="0" dirty="0">
+              <a:rPr lang="en-US" sz="1400" b="0">
                 <a:solidFill>
                   <a:srgbClr val="D4D4D4"/>
                 </a:solidFill>
@@ -35037,7 +34579,7 @@
               <a:t> = {</a:t>
             </a:r>
             <a:br>
-              <a:rPr lang="hu-HU" sz="1400" b="0" dirty="0">
+              <a:rPr lang="hu-HU" sz="1400" b="0">
                 <a:solidFill>
                   <a:srgbClr val="D4D4D4"/>
                 </a:solidFill>
@@ -35046,7 +34588,7 @@
               </a:rPr>
             </a:br>
             <a:r>
-              <a:rPr lang="hu-HU" sz="1400" b="0" dirty="0">
+              <a:rPr lang="hu-HU" sz="1400" b="0">
                 <a:solidFill>
                   <a:srgbClr val="D4D4D4"/>
                 </a:solidFill>
@@ -35056,7 +34598,7 @@
               <a:t>  </a:t>
             </a:r>
             <a:r>
-              <a:rPr lang="en-US" sz="1400" b="0" dirty="0" err="1">
+              <a:rPr lang="en-US" sz="1400" b="0" err="1">
                 <a:solidFill>
                   <a:srgbClr val="DCDCAA"/>
                 </a:solidFill>
@@ -35066,7 +34608,7 @@
               <a:t>myFunction</a:t>
             </a:r>
             <a:r>
-              <a:rPr lang="en-US" sz="1400" b="0" dirty="0">
+              <a:rPr lang="en-US" sz="1400" b="0">
                 <a:solidFill>
                   <a:srgbClr val="9CDCFE"/>
                 </a:solidFill>
@@ -35076,7 +34618,7 @@
               <a:t>:</a:t>
             </a:r>
             <a:r>
-              <a:rPr lang="en-US" sz="1400" b="0" dirty="0">
+              <a:rPr lang="en-US" sz="1400" b="0">
                 <a:solidFill>
                   <a:srgbClr val="D4D4D4"/>
                 </a:solidFill>
@@ -35086,7 +34628,7 @@
               <a:t> </a:t>
             </a:r>
             <a:r>
-              <a:rPr lang="en-US" sz="1400" b="0" dirty="0">
+              <a:rPr lang="en-US" sz="1400" b="0">
                 <a:solidFill>
                   <a:srgbClr val="569CD6"/>
                 </a:solidFill>
@@ -35096,7 +34638,7 @@
               <a:t>function</a:t>
             </a:r>
             <a:r>
-              <a:rPr lang="en-US" sz="1400" b="0" dirty="0">
+              <a:rPr lang="en-US" sz="1400" b="0">
                 <a:solidFill>
                   <a:srgbClr val="D4D4D4"/>
                 </a:solidFill>
@@ -35106,7 +34648,7 @@
               <a:t>(</a:t>
             </a:r>
             <a:r>
-              <a:rPr lang="en-US" sz="1400" b="0" dirty="0">
+              <a:rPr lang="en-US" sz="1400" b="0">
                 <a:solidFill>
                   <a:srgbClr val="9CDCFE"/>
                 </a:solidFill>
@@ -35116,7 +34658,7 @@
               <a:t>param1</a:t>
             </a:r>
             <a:r>
-              <a:rPr lang="en-US" sz="1400" b="0" dirty="0">
+              <a:rPr lang="en-US" sz="1400" b="0">
                 <a:solidFill>
                   <a:srgbClr val="D4D4D4"/>
                 </a:solidFill>
@@ -35126,7 +34668,7 @@
               <a:t>, </a:t>
             </a:r>
             <a:r>
-              <a:rPr lang="en-US" sz="1400" b="0" dirty="0">
+              <a:rPr lang="en-US" sz="1400" b="0">
                 <a:solidFill>
                   <a:srgbClr val="9CDCFE"/>
                 </a:solidFill>
@@ -35136,7 +34678,7 @@
               <a:t>param2</a:t>
             </a:r>
             <a:r>
-              <a:rPr lang="en-US" sz="1400" b="0" dirty="0">
+              <a:rPr lang="en-US" sz="1400" b="0">
                 <a:solidFill>
                   <a:srgbClr val="D4D4D4"/>
                 </a:solidFill>
@@ -35146,7 +34688,7 @@
               <a:t>)</a:t>
             </a:r>
             <a:r>
-              <a:rPr lang="hu-HU" sz="1400" b="0" dirty="0">
+              <a:rPr lang="hu-HU" sz="1400" b="0">
                 <a:solidFill>
                   <a:srgbClr val="D4D4D4"/>
                 </a:solidFill>
@@ -35156,7 +34698,7 @@
               <a:t> </a:t>
             </a:r>
             <a:r>
-              <a:rPr lang="en-US" sz="1400" b="0" dirty="0">
+              <a:rPr lang="en-US" sz="1400" b="0">
                 <a:solidFill>
                   <a:srgbClr val="D4D4D4"/>
                 </a:solidFill>
@@ -35166,7 +34708,7 @@
               <a:t>{</a:t>
             </a:r>
             <a:r>
-              <a:rPr lang="hu-HU" sz="1400" b="0" dirty="0">
+              <a:rPr lang="hu-HU" sz="1400" b="0">
                 <a:solidFill>
                   <a:srgbClr val="D4D4D4"/>
                 </a:solidFill>
@@ -35176,7 +34718,7 @@
               <a:t>...</a:t>
             </a:r>
             <a:r>
-              <a:rPr lang="en-US" sz="1400" b="0" dirty="0">
+              <a:rPr lang="en-US" sz="1400" b="0">
                 <a:solidFill>
                   <a:srgbClr val="D4D4D4"/>
                 </a:solidFill>
@@ -35186,7 +34728,7 @@
               <a:t>},</a:t>
             </a:r>
             <a:br>
-              <a:rPr lang="hu-HU" sz="1400" b="0" dirty="0">
+              <a:rPr lang="hu-HU" sz="1400" b="0">
                 <a:solidFill>
                   <a:srgbClr val="D4D4D4"/>
                 </a:solidFill>
@@ -35195,7 +34737,7 @@
               </a:rPr>
             </a:br>
             <a:r>
-              <a:rPr lang="en-US" sz="1400" b="0" dirty="0">
+              <a:rPr lang="en-US" sz="1400" b="0">
                 <a:solidFill>
                   <a:srgbClr val="D4D4D4"/>
                 </a:solidFill>
@@ -35204,7 +34746,7 @@
               </a:rPr>
               <a:t>};</a:t>
             </a:r>
-            <a:endParaRPr lang="hu-HU" sz="1400" dirty="0">
+            <a:endParaRPr lang="hu-HU" sz="1400">
               <a:solidFill>
                 <a:schemeClr val="bg1"/>
               </a:solidFill>
@@ -35216,7 +34758,7 @@
               <a:buChar char="•"/>
             </a:pPr>
             <a:r>
-              <a:rPr lang="hu-HU" dirty="0">
+              <a:rPr lang="hu-HU">
                 <a:solidFill>
                   <a:schemeClr val="bg1"/>
                 </a:solidFill>
@@ -35227,7 +34769,7 @@
           <a:p>
             <a:pPr lvl="1"/>
             <a:r>
-              <a:rPr lang="en-US" sz="1400" b="0" dirty="0">
+              <a:rPr lang="en-US" sz="1400" b="0">
                 <a:solidFill>
                   <a:srgbClr val="569CD6"/>
                 </a:solidFill>
@@ -35237,7 +34779,7 @@
               <a:t>const</a:t>
             </a:r>
             <a:r>
-              <a:rPr lang="en-US" sz="1400" b="0" dirty="0">
+              <a:rPr lang="en-US" sz="1400" b="0">
                 <a:solidFill>
                   <a:srgbClr val="D4D4D4"/>
                 </a:solidFill>
@@ -35247,7 +34789,7 @@
               <a:t> </a:t>
             </a:r>
             <a:r>
-              <a:rPr lang="en-US" sz="1400" b="0" dirty="0" err="1">
+              <a:rPr lang="en-US" sz="1400" b="0" err="1">
                 <a:solidFill>
                   <a:srgbClr val="DCDCAA"/>
                 </a:solidFill>
@@ -35257,7 +34799,7 @@
               <a:t>myFunction</a:t>
             </a:r>
             <a:r>
-              <a:rPr lang="en-US" sz="1400" b="0" dirty="0">
+              <a:rPr lang="en-US" sz="1400" b="0">
                 <a:solidFill>
                   <a:srgbClr val="D4D4D4"/>
                 </a:solidFill>
@@ -35267,7 +34809,7 @@
               <a:t> = () </a:t>
             </a:r>
             <a:r>
-              <a:rPr lang="en-US" sz="1400" b="0" dirty="0">
+              <a:rPr lang="en-US" sz="1400" b="0">
                 <a:solidFill>
                   <a:srgbClr val="569CD6"/>
                 </a:solidFill>
@@ -35277,7 +34819,7 @@
               <a:t>=&gt;</a:t>
             </a:r>
             <a:r>
-              <a:rPr lang="en-US" sz="1400" b="0" dirty="0">
+              <a:rPr lang="en-US" sz="1400" b="0">
                 <a:solidFill>
                   <a:srgbClr val="D4D4D4"/>
                 </a:solidFill>
@@ -35287,7 +34829,7 @@
               <a:t> {</a:t>
             </a:r>
             <a:r>
-              <a:rPr lang="hu-HU" sz="1400" b="0" dirty="0">
+              <a:rPr lang="hu-HU" sz="1400" b="0">
                 <a:solidFill>
                   <a:srgbClr val="D4D4D4"/>
                 </a:solidFill>
@@ -35297,7 +34839,7 @@
               <a:t>...</a:t>
             </a:r>
             <a:r>
-              <a:rPr lang="en-US" sz="1400" b="0" dirty="0">
+              <a:rPr lang="en-US" sz="1400" b="0">
                 <a:solidFill>
                   <a:srgbClr val="D4D4D4"/>
                 </a:solidFill>
@@ -35306,7 +34848,7 @@
               </a:rPr>
               <a:t>};</a:t>
             </a:r>
-            <a:endParaRPr lang="hu-HU" sz="1400" dirty="0">
+            <a:endParaRPr lang="hu-HU" sz="1400">
               <a:solidFill>
                 <a:schemeClr val="bg1"/>
               </a:solidFill>
@@ -35318,7 +34860,7 @@
               <a:buChar char="•"/>
             </a:pPr>
             <a:r>
-              <a:rPr lang="hu-HU" dirty="0">
+              <a:rPr lang="hu-HU">
                 <a:solidFill>
                   <a:schemeClr val="bg1"/>
                 </a:solidFill>
@@ -35329,7 +34871,7 @@
           <a:p>
             <a:pPr lvl="1"/>
             <a:r>
-              <a:rPr lang="hu-HU" sz="1400" dirty="0">
+              <a:rPr lang="hu-HU" sz="1400">
                 <a:solidFill>
                   <a:schemeClr val="bg1"/>
                 </a:solidFill>
@@ -35340,7 +34882,7 @@
           <a:p>
             <a:pPr lvl="1"/>
             <a:r>
-              <a:rPr lang="hu-HU" sz="1400" dirty="0">
+              <a:rPr lang="hu-HU" sz="1400">
                 <a:solidFill>
                   <a:schemeClr val="bg1"/>
                 </a:solidFill>
@@ -35351,7 +34893,7 @@
           <a:p>
             <a:pPr lvl="1"/>
             <a:r>
-              <a:rPr lang="hu-HU" sz="1400" dirty="0">
+              <a:rPr lang="hu-HU" sz="1400">
                 <a:solidFill>
                   <a:schemeClr val="bg1"/>
                 </a:solidFill>
@@ -35365,7 +34907,7 @@
               <a:buChar char="•"/>
             </a:pPr>
             <a:r>
-              <a:rPr lang="hu-HU" dirty="0">
+              <a:rPr lang="hu-HU">
                 <a:solidFill>
                   <a:schemeClr val="bg1"/>
                 </a:solidFill>
@@ -35376,7 +34918,7 @@
           <a:p>
             <a:pPr lvl="1"/>
             <a:r>
-              <a:rPr lang="en-US" sz="1400" b="0" dirty="0">
+              <a:rPr lang="en-US" sz="1400" b="0">
                 <a:solidFill>
                   <a:srgbClr val="569CD6"/>
                 </a:solidFill>
@@ -35386,7 +34928,7 @@
               <a:t>const</a:t>
             </a:r>
             <a:r>
-              <a:rPr lang="en-US" sz="1400" b="0" dirty="0">
+              <a:rPr lang="en-US" sz="1400" b="0">
                 <a:solidFill>
                   <a:srgbClr val="D4D4D4"/>
                 </a:solidFill>
@@ -35396,7 +34938,7 @@
               <a:t> </a:t>
             </a:r>
             <a:r>
-              <a:rPr lang="en-US" sz="1400" b="0" dirty="0" err="1">
+              <a:rPr lang="en-US" sz="1400" b="0" err="1">
                 <a:solidFill>
                   <a:srgbClr val="4FC1FF"/>
                 </a:solidFill>
@@ -35406,7 +34948,7 @@
               <a:t>numberA</a:t>
             </a:r>
             <a:r>
-              <a:rPr lang="en-US" sz="1400" b="0" dirty="0">
+              <a:rPr lang="en-US" sz="1400" b="0">
                 <a:solidFill>
                   <a:srgbClr val="D4D4D4"/>
                 </a:solidFill>
@@ -35416,7 +34958,7 @@
               <a:t> = </a:t>
             </a:r>
             <a:r>
-              <a:rPr lang="en-US" sz="1400" b="0" dirty="0">
+              <a:rPr lang="en-US" sz="1400" b="0">
                 <a:solidFill>
                   <a:srgbClr val="CE9178"/>
                 </a:solidFill>
@@ -35426,7 +34968,7 @@
               <a:t>"</a:t>
             </a:r>
             <a:r>
-              <a:rPr lang="en-US" sz="1400" b="0" dirty="0" err="1">
+              <a:rPr lang="en-US" sz="1400" b="0" err="1">
                 <a:solidFill>
                   <a:srgbClr val="CE9178"/>
                 </a:solidFill>
@@ -35436,7 +34978,7 @@
               <a:t>numberA</a:t>
             </a:r>
             <a:r>
-              <a:rPr lang="en-US" sz="1400" b="0" dirty="0">
+              <a:rPr lang="en-US" sz="1400" b="0">
                 <a:solidFill>
                   <a:srgbClr val="CE9178"/>
                 </a:solidFill>
@@ -35446,7 +34988,7 @@
               <a:t>"</a:t>
             </a:r>
             <a:r>
-              <a:rPr lang="en-US" sz="1400" b="0" dirty="0">
+              <a:rPr lang="en-US" sz="1400" b="0">
                 <a:solidFill>
                   <a:srgbClr val="D4D4D4"/>
                 </a:solidFill>
@@ -35456,7 +34998,7 @@
               <a:t>;</a:t>
             </a:r>
             <a:br>
-              <a:rPr lang="hu-HU" sz="1400" b="0" dirty="0">
+              <a:rPr lang="hu-HU" sz="1400" b="0">
                 <a:solidFill>
                   <a:srgbClr val="D4D4D4"/>
                 </a:solidFill>
@@ -35465,7 +35007,7 @@
               </a:rPr>
             </a:br>
             <a:r>
-              <a:rPr lang="en-US" sz="1400" b="0" dirty="0">
+              <a:rPr lang="en-US" sz="1400" b="0">
                 <a:solidFill>
                   <a:srgbClr val="569CD6"/>
                 </a:solidFill>
@@ -35475,7 +35017,7 @@
               <a:t>const</a:t>
             </a:r>
             <a:r>
-              <a:rPr lang="en-US" sz="1400" b="0" dirty="0">
+              <a:rPr lang="en-US" sz="1400" b="0">
                 <a:solidFill>
                   <a:srgbClr val="D4D4D4"/>
                 </a:solidFill>
@@ -35485,7 +35027,7 @@
               <a:t> </a:t>
             </a:r>
             <a:r>
-              <a:rPr lang="en-US" sz="1400" b="0" dirty="0" err="1">
+              <a:rPr lang="en-US" sz="1400" b="0" err="1">
                 <a:solidFill>
                   <a:srgbClr val="4FC1FF"/>
                 </a:solidFill>
@@ -35495,7 +35037,7 @@
               <a:t>numberB</a:t>
             </a:r>
             <a:r>
-              <a:rPr lang="en-US" sz="1400" b="0" dirty="0">
+              <a:rPr lang="en-US" sz="1400" b="0">
                 <a:solidFill>
                   <a:srgbClr val="D4D4D4"/>
                 </a:solidFill>
@@ -35505,7 +35047,7 @@
               <a:t> = </a:t>
             </a:r>
             <a:r>
-              <a:rPr lang="en-US" sz="1400" b="0" dirty="0">
+              <a:rPr lang="en-US" sz="1400" b="0">
                 <a:solidFill>
                   <a:srgbClr val="CE9178"/>
                 </a:solidFill>
@@ -35515,7 +35057,7 @@
               <a:t>"</a:t>
             </a:r>
             <a:r>
-              <a:rPr lang="en-US" sz="1400" b="0" dirty="0" err="1">
+              <a:rPr lang="en-US" sz="1400" b="0" err="1">
                 <a:solidFill>
                   <a:srgbClr val="CE9178"/>
                 </a:solidFill>
@@ -35525,7 +35067,7 @@
               <a:t>numberB</a:t>
             </a:r>
             <a:r>
-              <a:rPr lang="en-US" sz="1400" b="0" dirty="0">
+              <a:rPr lang="en-US" sz="1400" b="0">
                 <a:solidFill>
                   <a:srgbClr val="CE9178"/>
                 </a:solidFill>
@@ -35535,7 +35077,7 @@
               <a:t>"</a:t>
             </a:r>
             <a:r>
-              <a:rPr lang="en-US" sz="1400" b="0" dirty="0">
+              <a:rPr lang="en-US" sz="1400" b="0">
                 <a:solidFill>
                   <a:srgbClr val="D4D4D4"/>
                 </a:solidFill>
@@ -35545,7 +35087,7 @@
               <a:t>;</a:t>
             </a:r>
             <a:br>
-              <a:rPr lang="hu-HU" sz="1400" b="0" dirty="0">
+              <a:rPr lang="hu-HU" sz="1400" b="0">
                 <a:solidFill>
                   <a:srgbClr val="D4D4D4"/>
                 </a:solidFill>
@@ -35554,7 +35096,7 @@
               </a:rPr>
             </a:br>
             <a:r>
-              <a:rPr lang="en-US" sz="1400" b="0" dirty="0">
+              <a:rPr lang="en-US" sz="1400" b="0">
                 <a:solidFill>
                   <a:srgbClr val="569CD6"/>
                 </a:solidFill>
@@ -35564,7 +35106,7 @@
               <a:t>const</a:t>
             </a:r>
             <a:r>
-              <a:rPr lang="en-US" sz="1400" b="0" dirty="0">
+              <a:rPr lang="en-US" sz="1400" b="0">
                 <a:solidFill>
                   <a:srgbClr val="D4D4D4"/>
                 </a:solidFill>
@@ -35574,7 +35116,7 @@
               <a:t> </a:t>
             </a:r>
             <a:r>
-              <a:rPr lang="en-US" sz="1400" b="0" dirty="0" err="1">
+              <a:rPr lang="en-US" sz="1400" b="0" err="1">
                 <a:solidFill>
                   <a:srgbClr val="4FC1FF"/>
                 </a:solidFill>
@@ -35584,7 +35126,7 @@
               <a:t>sumFunction</a:t>
             </a:r>
             <a:r>
-              <a:rPr lang="en-US" sz="1400" b="0" dirty="0">
+              <a:rPr lang="en-US" sz="1400" b="0">
                 <a:solidFill>
                   <a:srgbClr val="D4D4D4"/>
                 </a:solidFill>
@@ -35594,7 +35136,7 @@
               <a:t> = </a:t>
             </a:r>
             <a:r>
-              <a:rPr lang="en-US" sz="1400" b="0" dirty="0">
+              <a:rPr lang="en-US" sz="1400" b="0">
                 <a:solidFill>
                   <a:srgbClr val="569CD6"/>
                 </a:solidFill>
@@ -35604,7 +35146,7 @@
               <a:t>new</a:t>
             </a:r>
             <a:r>
-              <a:rPr lang="en-US" sz="1400" b="0" dirty="0">
+              <a:rPr lang="en-US" sz="1400" b="0">
                 <a:solidFill>
                   <a:srgbClr val="D4D4D4"/>
                 </a:solidFill>
@@ -35614,7 +35156,7 @@
               <a:t> </a:t>
             </a:r>
             <a:r>
-              <a:rPr lang="en-US" sz="1400" b="0" dirty="0">
+              <a:rPr lang="en-US" sz="1400" b="0">
                 <a:solidFill>
                   <a:srgbClr val="4EC9B0"/>
                 </a:solidFill>
@@ -35624,7 +35166,7 @@
               <a:t>Function</a:t>
             </a:r>
             <a:r>
-              <a:rPr lang="en-US" sz="1400" b="0" dirty="0">
+              <a:rPr lang="en-US" sz="1400" b="0">
                 <a:solidFill>
                   <a:srgbClr val="D4D4D4"/>
                 </a:solidFill>
@@ -35634,7 +35176,7 @@
               <a:t>(</a:t>
             </a:r>
             <a:br>
-              <a:rPr lang="hu-HU" sz="1400" b="0" dirty="0">
+              <a:rPr lang="hu-HU" sz="1400" b="0">
                 <a:solidFill>
                   <a:srgbClr val="D4D4D4"/>
                 </a:solidFill>
@@ -35643,7 +35185,7 @@
               </a:rPr>
             </a:br>
             <a:r>
-              <a:rPr lang="hu-HU" sz="1400" b="0" dirty="0">
+              <a:rPr lang="hu-HU" sz="1400" b="0">
                 <a:solidFill>
                   <a:srgbClr val="D4D4D4"/>
                 </a:solidFill>
@@ -35653,7 +35195,7 @@
               <a:t>  </a:t>
             </a:r>
             <a:r>
-              <a:rPr lang="en-US" sz="1400" b="0" dirty="0" err="1">
+              <a:rPr lang="en-US" sz="1400" b="0" err="1">
                 <a:solidFill>
                   <a:srgbClr val="4FC1FF"/>
                 </a:solidFill>
@@ -35663,7 +35205,7 @@
               <a:t>numberA</a:t>
             </a:r>
             <a:r>
-              <a:rPr lang="en-US" sz="1400" b="0" dirty="0">
+              <a:rPr lang="en-US" sz="1400" b="0">
                 <a:solidFill>
                   <a:srgbClr val="D4D4D4"/>
                 </a:solidFill>
@@ -35672,7 +35214,7 @@
               </a:rPr>
               <a:t>,</a:t>
             </a:r>
-            <a:endParaRPr lang="hu-HU" sz="1400" b="0" dirty="0">
+            <a:endParaRPr lang="hu-HU" sz="1400" b="0">
               <a:solidFill>
                 <a:srgbClr val="D4D4D4"/>
               </a:solidFill>
@@ -35683,7 +35225,7 @@
           <a:p>
             <a:pPr lvl="1"/>
             <a:r>
-              <a:rPr lang="hu-HU" sz="1400" dirty="0">
+              <a:rPr lang="hu-HU" sz="1400">
                 <a:solidFill>
                   <a:srgbClr val="D4D4D4"/>
                 </a:solidFill>
@@ -35692,7 +35234,7 @@
               <a:t>  </a:t>
             </a:r>
             <a:r>
-              <a:rPr lang="en-US" sz="1400" b="0" dirty="0" err="1">
+              <a:rPr lang="en-US" sz="1400" b="0" err="1">
                 <a:solidFill>
                   <a:srgbClr val="4FC1FF"/>
                 </a:solidFill>
@@ -35702,7 +35244,7 @@
               <a:t>numberB</a:t>
             </a:r>
             <a:r>
-              <a:rPr lang="en-US" sz="1400" b="0" dirty="0">
+              <a:rPr lang="en-US" sz="1400" b="0">
                 <a:solidFill>
                   <a:srgbClr val="D4D4D4"/>
                 </a:solidFill>
@@ -35711,7 +35253,7 @@
               </a:rPr>
               <a:t>,</a:t>
             </a:r>
-            <a:endParaRPr lang="hu-HU" sz="1400" b="0" dirty="0">
+            <a:endParaRPr lang="hu-HU" sz="1400" b="0">
               <a:solidFill>
                 <a:srgbClr val="D4D4D4"/>
               </a:solidFill>
@@ -35722,7 +35264,7 @@
           <a:p>
             <a:pPr lvl="1"/>
             <a:r>
-              <a:rPr lang="hu-HU" sz="1400" dirty="0">
+              <a:rPr lang="hu-HU" sz="1400">
                 <a:solidFill>
                   <a:srgbClr val="D4D4D4"/>
                 </a:solidFill>
@@ -35731,7 +35273,7 @@
               <a:t>  </a:t>
             </a:r>
             <a:r>
-              <a:rPr lang="en-US" sz="1400" b="0" dirty="0">
+              <a:rPr lang="en-US" sz="1400" b="0">
                 <a:solidFill>
                   <a:srgbClr val="CE9178"/>
                 </a:solidFill>
@@ -35741,7 +35283,7 @@
               <a:t>"return </a:t>
             </a:r>
             <a:r>
-              <a:rPr lang="en-US" sz="1400" b="0" dirty="0" err="1">
+              <a:rPr lang="en-US" sz="1400" b="0" err="1">
                 <a:solidFill>
                   <a:srgbClr val="CE9178"/>
                 </a:solidFill>
@@ -35751,7 +35293,7 @@
               <a:t>numberA</a:t>
             </a:r>
             <a:r>
-              <a:rPr lang="en-US" sz="1400" b="0" dirty="0">
+              <a:rPr lang="en-US" sz="1400" b="0">
                 <a:solidFill>
                   <a:srgbClr val="CE9178"/>
                 </a:solidFill>
@@ -35761,7 +35303,7 @@
               <a:t> + </a:t>
             </a:r>
             <a:r>
-              <a:rPr lang="en-US" sz="1400" b="0" dirty="0" err="1">
+              <a:rPr lang="en-US" sz="1400" b="0" err="1">
                 <a:solidFill>
                   <a:srgbClr val="CE9178"/>
                 </a:solidFill>
@@ -35771,7 +35313,7 @@
               <a:t>numberB</a:t>
             </a:r>
             <a:r>
-              <a:rPr lang="en-US" sz="1400" b="0" dirty="0">
+              <a:rPr lang="en-US" sz="1400" b="0">
                 <a:solidFill>
                   <a:srgbClr val="CE9178"/>
                 </a:solidFill>
@@ -35780,7 +35322,7 @@
               </a:rPr>
               <a:t>„</a:t>
             </a:r>
-            <a:endParaRPr lang="hu-HU" sz="1400" b="0" dirty="0">
+            <a:endParaRPr lang="hu-HU" sz="1400" b="0">
               <a:solidFill>
                 <a:srgbClr val="CE9178"/>
               </a:solidFill>
@@ -35791,7 +35333,7 @@
           <a:p>
             <a:pPr lvl="1"/>
             <a:r>
-              <a:rPr lang="en-US" sz="1400" b="0" dirty="0">
+              <a:rPr lang="en-US" sz="1400" b="0">
                 <a:solidFill>
                   <a:srgbClr val="D4D4D4"/>
                 </a:solidFill>
@@ -35801,7 +35343,7 @@
               <a:t>);</a:t>
             </a:r>
             <a:br>
-              <a:rPr lang="hu-HU" sz="1400" b="0" dirty="0">
+              <a:rPr lang="hu-HU" sz="1400" b="0">
                 <a:solidFill>
                   <a:srgbClr val="D4D4D4"/>
                 </a:solidFill>
@@ -35810,7 +35352,7 @@
               </a:rPr>
             </a:br>
             <a:r>
-              <a:rPr lang="en-US" sz="1400" b="0" dirty="0" err="1">
+              <a:rPr lang="en-US" sz="1400" b="0" err="1">
                 <a:solidFill>
                   <a:srgbClr val="DCDCAA"/>
                 </a:solidFill>
@@ -35820,7 +35362,7 @@
               <a:t>sumFunction</a:t>
             </a:r>
             <a:r>
-              <a:rPr lang="en-US" sz="1400" b="0" dirty="0">
+              <a:rPr lang="en-US" sz="1400" b="0">
                 <a:solidFill>
                   <a:srgbClr val="D4D4D4"/>
                 </a:solidFill>
@@ -35830,7 +35372,7 @@
               <a:t>(</a:t>
             </a:r>
             <a:r>
-              <a:rPr lang="en-US" sz="1400" b="0" dirty="0">
+              <a:rPr lang="en-US" sz="1400" b="0">
                 <a:solidFill>
                   <a:srgbClr val="B5CEA8"/>
                 </a:solidFill>
@@ -35840,7 +35382,7 @@
               <a:t>10</a:t>
             </a:r>
             <a:r>
-              <a:rPr lang="en-US" sz="1400" b="0" dirty="0">
+              <a:rPr lang="en-US" sz="1400" b="0">
                 <a:solidFill>
                   <a:srgbClr val="D4D4D4"/>
                 </a:solidFill>
@@ -35850,7 +35392,7 @@
               <a:t>, </a:t>
             </a:r>
             <a:r>
-              <a:rPr lang="en-US" sz="1400" b="0" dirty="0">
+              <a:rPr lang="en-US" sz="1400" b="0">
                 <a:solidFill>
                   <a:srgbClr val="B5CEA8"/>
                 </a:solidFill>
@@ -35860,7 +35402,7 @@
               <a:t>15</a:t>
             </a:r>
             <a:r>
-              <a:rPr lang="en-US" sz="1400" b="0" dirty="0">
+              <a:rPr lang="en-US" sz="1400" b="0">
                 <a:solidFill>
                   <a:srgbClr val="D4D4D4"/>
                 </a:solidFill>
@@ -35870,7 +35412,7 @@
               <a:t>);</a:t>
             </a:r>
             <a:r>
-              <a:rPr lang="en-US" sz="1400" b="0" dirty="0">
+              <a:rPr lang="en-US" sz="1400" b="0">
                 <a:solidFill>
                   <a:srgbClr val="6A9955"/>
                 </a:solidFill>
@@ -35879,7 +35421,7 @@
               </a:rPr>
               <a:t> // =&gt; 25</a:t>
             </a:r>
-            <a:endParaRPr lang="en-US" sz="1400" b="0" dirty="0">
+            <a:endParaRPr lang="en-US" sz="1400" b="0">
               <a:solidFill>
                 <a:srgbClr val="D4D4D4"/>
               </a:solidFill>
@@ -35941,10 +35483,10 @@
           <a:lstStyle/>
           <a:p>
             <a:r>
-              <a:rPr lang="hu-HU" dirty="0"/>
+              <a:rPr lang="hu-HU"/>
               <a:t>JavaScript</a:t>
             </a:r>
-            <a:endParaRPr lang="en-US" dirty="0"/>
+            <a:endParaRPr lang="en-US"/>
           </a:p>
         </p:txBody>
       </p:sp>
@@ -35970,10 +35512,10 @@
           <a:lstStyle/>
           <a:p>
             <a:r>
-              <a:rPr lang="hu-HU" dirty="0"/>
+              <a:rPr lang="hu-HU"/>
               <a:t>Arrays</a:t>
             </a:r>
-            <a:endParaRPr lang="en-US" dirty="0"/>
+            <a:endParaRPr lang="en-US"/>
           </a:p>
         </p:txBody>
       </p:sp>
@@ -36006,7 +35548,7 @@
           <a:p>
             <a:pPr algn="l"/>
             <a:r>
-              <a:rPr lang="hu-HU" dirty="0"/>
+              <a:rPr lang="hu-HU"/>
               <a:t>The most likely used structured types after functions</a:t>
             </a:r>
           </a:p>
@@ -36016,7 +35558,7 @@
               <a:buChar char="•"/>
             </a:pPr>
             <a:r>
-              <a:rPr lang="hu-HU" dirty="0"/>
+              <a:rPr lang="hu-HU"/>
               <a:t>Iterable object</a:t>
             </a:r>
           </a:p>
@@ -36026,7 +35568,7 @@
               <a:buChar char="•"/>
             </a:pPr>
             <a:r>
-              <a:rPr lang="hu-HU" dirty="0"/>
+              <a:rPr lang="hu-HU"/>
               <a:t>Stores a collection of multiple items under a single variable name</a:t>
             </a:r>
           </a:p>
@@ -36036,7 +35578,7 @@
               <a:buChar char="•"/>
             </a:pPr>
             <a:r>
-              <a:rPr lang="hu-HU" dirty="0"/>
+              <a:rPr lang="hu-HU"/>
               <a:t>Has members for performing common array operations</a:t>
             </a:r>
           </a:p>
@@ -36045,11 +35587,11 @@
               <a:buFont typeface="Arial" panose="020B0604020202020204" pitchFamily="34" charset="0"/>
               <a:buChar char="•"/>
             </a:pPr>
-            <a:endParaRPr lang="hu-HU" dirty="0"/>
-          </a:p>
-          <a:p>
-            <a:r>
-              <a:rPr lang="hu-HU" dirty="0"/>
+            <a:endParaRPr lang="hu-HU"/>
+          </a:p>
+          <a:p>
+            <a:r>
+              <a:rPr lang="hu-HU"/>
               <a:t>Not primivite: resource type</a:t>
             </a:r>
           </a:p>
@@ -36059,7 +35601,7 @@
               <a:buChar char="•"/>
             </a:pPr>
             <a:r>
-              <a:rPr lang="hu-HU" dirty="0"/>
+              <a:rPr lang="hu-HU"/>
               <a:t>Resizable and can contain a mix of different data types (not suggested – use typed arrays)</a:t>
             </a:r>
           </a:p>
@@ -36069,7 +35611,7 @@
               <a:buChar char="•"/>
             </a:pPr>
             <a:r>
-              <a:rPr lang="hu-HU" dirty="0"/>
+              <a:rPr lang="hu-HU"/>
               <a:t>Elements must be accessed using nonnegative integers</a:t>
             </a:r>
           </a:p>
@@ -36079,7 +35621,7 @@
               <a:buChar char="•"/>
             </a:pPr>
             <a:r>
-              <a:rPr lang="hu-HU" dirty="0"/>
+              <a:rPr lang="hu-HU"/>
               <a:t>Zero indexed</a:t>
             </a:r>
           </a:p>
@@ -36089,30 +35631,30 @@
               <a:buChar char="•"/>
             </a:pPr>
             <a:r>
-              <a:rPr lang="hu-HU" dirty="0"/>
+              <a:rPr lang="hu-HU"/>
               <a:t>Array-copy: shallow copy</a:t>
             </a:r>
           </a:p>
           <a:p>
-            <a:endParaRPr lang="hu-HU" dirty="0"/>
-          </a:p>
-          <a:p>
-            <a:endParaRPr lang="hu-HU" dirty="0"/>
-          </a:p>
-          <a:p>
-            <a:endParaRPr lang="hu-HU" dirty="0"/>
-          </a:p>
-          <a:p>
-            <a:endParaRPr lang="hu-HU" dirty="0"/>
-          </a:p>
-          <a:p>
-            <a:r>
-              <a:rPr lang="hu-HU" sz="1000" dirty="0">
+            <a:endParaRPr lang="hu-HU"/>
+          </a:p>
+          <a:p>
+            <a:endParaRPr lang="hu-HU"/>
+          </a:p>
+          <a:p>
+            <a:endParaRPr lang="hu-HU"/>
+          </a:p>
+          <a:p>
+            <a:endParaRPr lang="hu-HU"/>
+          </a:p>
+          <a:p>
+            <a:r>
+              <a:rPr lang="hu-HU" sz="1000">
                 <a:hlinkClick r:id="rId2"/>
               </a:rPr>
               <a:t>https://developer.mozilla.org/en-US/docs/Web/JavaScript/Reference/Global_Objects/Array</a:t>
             </a:r>
-            <a:endParaRPr lang="hu-HU" sz="1000" dirty="0"/>
+            <a:endParaRPr lang="hu-HU" sz="1000"/>
           </a:p>
         </p:txBody>
       </p:sp>
@@ -36149,7 +35691,7 @@
               <a:buChar char="•"/>
             </a:pPr>
             <a:r>
-              <a:rPr lang="hu-HU" dirty="0">
+              <a:rPr lang="hu-HU">
                 <a:solidFill>
                   <a:schemeClr val="bg1"/>
                 </a:solidFill>
@@ -36160,7 +35702,7 @@
           <a:p>
             <a:pPr lvl="1"/>
             <a:r>
-              <a:rPr lang="en-US" sz="1400" b="0" dirty="0">
+              <a:rPr lang="en-US" sz="1400" b="0">
                 <a:solidFill>
                   <a:srgbClr val="569CD6"/>
                 </a:solidFill>
@@ -36170,7 +35712,7 @@
               <a:t>const</a:t>
             </a:r>
             <a:r>
-              <a:rPr lang="en-US" sz="1400" b="0" dirty="0">
+              <a:rPr lang="en-US" sz="1400" b="0">
                 <a:solidFill>
                   <a:srgbClr val="D4D4D4"/>
                 </a:solidFill>
@@ -36180,7 +35722,7 @@
               <a:t> </a:t>
             </a:r>
             <a:r>
-              <a:rPr lang="en-US" sz="1400" b="0" dirty="0">
+              <a:rPr lang="en-US" sz="1400" b="0">
                 <a:solidFill>
                   <a:srgbClr val="4FC1FF"/>
                 </a:solidFill>
@@ -36190,7 +35732,7 @@
               <a:t>array</a:t>
             </a:r>
             <a:r>
-              <a:rPr lang="en-US" sz="1400" b="0" dirty="0">
+              <a:rPr lang="en-US" sz="1400" b="0">
                 <a:solidFill>
                   <a:srgbClr val="D4D4D4"/>
                 </a:solidFill>
@@ -36203,7 +35745,7 @@
           <a:p>
             <a:pPr lvl="1"/>
             <a:r>
-              <a:rPr lang="en-US" sz="1400" b="0" dirty="0">
+              <a:rPr lang="en-US" sz="1400" b="0">
                 <a:solidFill>
                   <a:srgbClr val="569CD6"/>
                 </a:solidFill>
@@ -36213,7 +35755,7 @@
               <a:t>const</a:t>
             </a:r>
             <a:r>
-              <a:rPr lang="en-US" sz="1400" b="0" dirty="0">
+              <a:rPr lang="en-US" sz="1400" b="0">
                 <a:solidFill>
                   <a:srgbClr val="D4D4D4"/>
                 </a:solidFill>
@@ -36223,7 +35765,7 @@
               <a:t> </a:t>
             </a:r>
             <a:r>
-              <a:rPr lang="en-US" sz="1400" b="0" dirty="0">
+              <a:rPr lang="en-US" sz="1400" b="0">
                 <a:solidFill>
                   <a:srgbClr val="4FC1FF"/>
                 </a:solidFill>
@@ -36233,7 +35775,7 @@
               <a:t>array2</a:t>
             </a:r>
             <a:r>
-              <a:rPr lang="en-US" sz="1400" b="0" dirty="0">
+              <a:rPr lang="en-US" sz="1400" b="0">
                 <a:solidFill>
                   <a:srgbClr val="D4D4D4"/>
                 </a:solidFill>
@@ -36243,7 +35785,7 @@
               <a:t> = </a:t>
             </a:r>
             <a:r>
-              <a:rPr lang="en-US" sz="1400" b="0" dirty="0">
+              <a:rPr lang="en-US" sz="1400" b="0">
                 <a:solidFill>
                   <a:srgbClr val="569CD6"/>
                 </a:solidFill>
@@ -36253,7 +35795,7 @@
               <a:t>new</a:t>
             </a:r>
             <a:r>
-              <a:rPr lang="en-US" sz="1400" b="0" dirty="0">
+              <a:rPr lang="en-US" sz="1400" b="0">
                 <a:solidFill>
                   <a:srgbClr val="D4D4D4"/>
                 </a:solidFill>
@@ -36263,7 +35805,7 @@
               <a:t> </a:t>
             </a:r>
             <a:r>
-              <a:rPr lang="en-US" sz="1400" b="0" dirty="0">
+              <a:rPr lang="en-US" sz="1400" b="0">
                 <a:solidFill>
                   <a:srgbClr val="4EC9B0"/>
                 </a:solidFill>
@@ -36273,7 +35815,7 @@
               <a:t>Array</a:t>
             </a:r>
             <a:r>
-              <a:rPr lang="en-US" sz="1400" b="0" dirty="0">
+              <a:rPr lang="en-US" sz="1400" b="0">
                 <a:solidFill>
                   <a:srgbClr val="D4D4D4"/>
                 </a:solidFill>
@@ -36282,7 +35824,7 @@
               </a:rPr>
               <a:t>();</a:t>
             </a:r>
-            <a:endParaRPr lang="hu-HU" sz="1400" dirty="0">
+            <a:endParaRPr lang="hu-HU" sz="1400">
               <a:solidFill>
                 <a:schemeClr val="bg1"/>
               </a:solidFill>
@@ -36294,7 +35836,7 @@
               <a:buChar char="•"/>
             </a:pPr>
             <a:r>
-              <a:rPr lang="hu-HU" dirty="0">
+              <a:rPr lang="hu-HU">
                 <a:solidFill>
                   <a:schemeClr val="bg1"/>
                 </a:solidFill>
@@ -36305,7 +35847,7 @@
           <a:p>
             <a:pPr lvl="1"/>
             <a:r>
-              <a:rPr lang="nn-NO" sz="1400" b="0" dirty="0">
+              <a:rPr lang="nn-NO" sz="1400" b="0">
                 <a:solidFill>
                   <a:srgbClr val="C586C0"/>
                 </a:solidFill>
@@ -36315,7 +35857,7 @@
               <a:t>for</a:t>
             </a:r>
             <a:r>
-              <a:rPr lang="nn-NO" sz="1400" b="0" dirty="0">
+              <a:rPr lang="nn-NO" sz="1400" b="0">
                 <a:solidFill>
                   <a:srgbClr val="D4D4D4"/>
                 </a:solidFill>
@@ -36325,7 +35867,7 @@
               <a:t> (</a:t>
             </a:r>
             <a:r>
-              <a:rPr lang="nn-NO" sz="1400" b="0" dirty="0">
+              <a:rPr lang="nn-NO" sz="1400" b="0">
                 <a:solidFill>
                   <a:srgbClr val="569CD6"/>
                 </a:solidFill>
@@ -36335,7 +35877,7 @@
               <a:t>let</a:t>
             </a:r>
             <a:r>
-              <a:rPr lang="nn-NO" sz="1400" b="0" dirty="0">
+              <a:rPr lang="nn-NO" sz="1400" b="0">
                 <a:solidFill>
                   <a:srgbClr val="D4D4D4"/>
                 </a:solidFill>
@@ -36345,7 +35887,7 @@
               <a:t> </a:t>
             </a:r>
             <a:r>
-              <a:rPr lang="nn-NO" sz="1400" b="0" dirty="0">
+              <a:rPr lang="nn-NO" sz="1400" b="0">
                 <a:solidFill>
                   <a:srgbClr val="9CDCFE"/>
                 </a:solidFill>
@@ -36355,7 +35897,7 @@
               <a:t>i</a:t>
             </a:r>
             <a:r>
-              <a:rPr lang="nn-NO" sz="1400" b="0" dirty="0">
+              <a:rPr lang="nn-NO" sz="1400" b="0">
                 <a:solidFill>
                   <a:srgbClr val="D4D4D4"/>
                 </a:solidFill>
@@ -36365,7 +35907,7 @@
               <a:t>=</a:t>
             </a:r>
             <a:r>
-              <a:rPr lang="nn-NO" sz="1400" b="0" dirty="0">
+              <a:rPr lang="nn-NO" sz="1400" b="0">
                 <a:solidFill>
                   <a:srgbClr val="B5CEA8"/>
                 </a:solidFill>
@@ -36375,7 +35917,7 @@
               <a:t>0</a:t>
             </a:r>
             <a:r>
-              <a:rPr lang="nn-NO" sz="1400" b="0" dirty="0">
+              <a:rPr lang="nn-NO" sz="1400" b="0">
                 <a:solidFill>
                   <a:srgbClr val="D4D4D4"/>
                 </a:solidFill>
@@ -36385,7 +35927,7 @@
               <a:t>; </a:t>
             </a:r>
             <a:r>
-              <a:rPr lang="nn-NO" sz="1400" b="0" dirty="0">
+              <a:rPr lang="nn-NO" sz="1400" b="0">
                 <a:solidFill>
                   <a:srgbClr val="9CDCFE"/>
                 </a:solidFill>
@@ -36395,7 +35937,7 @@
               <a:t>i</a:t>
             </a:r>
             <a:r>
-              <a:rPr lang="nn-NO" sz="1400" b="0" dirty="0">
+              <a:rPr lang="nn-NO" sz="1400" b="0">
                 <a:solidFill>
                   <a:srgbClr val="D4D4D4"/>
                 </a:solidFill>
@@ -36405,7 +35947,7 @@
               <a:t>&lt;</a:t>
             </a:r>
             <a:r>
-              <a:rPr lang="nn-NO" sz="1400" b="0" dirty="0">
+              <a:rPr lang="nn-NO" sz="1400" b="0">
                 <a:solidFill>
                   <a:srgbClr val="4FC1FF"/>
                 </a:solidFill>
@@ -36415,7 +35957,7 @@
               <a:t>array</a:t>
             </a:r>
             <a:r>
-              <a:rPr lang="nn-NO" sz="1400" b="0" dirty="0">
+              <a:rPr lang="nn-NO" sz="1400" b="0">
                 <a:solidFill>
                   <a:srgbClr val="D4D4D4"/>
                 </a:solidFill>
@@ -36425,7 +35967,7 @@
               <a:t>.</a:t>
             </a:r>
             <a:r>
-              <a:rPr lang="nn-NO" sz="1400" b="0" dirty="0">
+              <a:rPr lang="nn-NO" sz="1400" b="0">
                 <a:solidFill>
                   <a:srgbClr val="9CDCFE"/>
                 </a:solidFill>
@@ -36435,7 +35977,7 @@
               <a:t>length</a:t>
             </a:r>
             <a:r>
-              <a:rPr lang="nn-NO" sz="1400" b="0" dirty="0">
+              <a:rPr lang="nn-NO" sz="1400" b="0">
                 <a:solidFill>
                   <a:srgbClr val="D4D4D4"/>
                 </a:solidFill>
@@ -36445,7 +35987,7 @@
               <a:t>; </a:t>
             </a:r>
             <a:r>
-              <a:rPr lang="nn-NO" sz="1400" b="0" dirty="0">
+              <a:rPr lang="nn-NO" sz="1400" b="0">
                 <a:solidFill>
                   <a:srgbClr val="9CDCFE"/>
                 </a:solidFill>
@@ -36455,7 +35997,7 @@
               <a:t>i</a:t>
             </a:r>
             <a:r>
-              <a:rPr lang="nn-NO" sz="1400" b="0" dirty="0">
+              <a:rPr lang="nn-NO" sz="1400" b="0">
                 <a:solidFill>
                   <a:srgbClr val="D4D4D4"/>
                 </a:solidFill>
@@ -36468,7 +36010,7 @@
           <a:p>
             <a:pPr lvl="1"/>
             <a:r>
-              <a:rPr lang="nn-NO" sz="1400" b="0" dirty="0">
+              <a:rPr lang="nn-NO" sz="1400" b="0">
                 <a:solidFill>
                   <a:srgbClr val="D4D4D4"/>
                 </a:solidFill>
@@ -36478,7 +36020,7 @@
               <a:t>  </a:t>
             </a:r>
             <a:r>
-              <a:rPr lang="nn-NO" sz="1400" b="0" dirty="0">
+              <a:rPr lang="nn-NO" sz="1400" b="0">
                 <a:solidFill>
                   <a:srgbClr val="9CDCFE"/>
                 </a:solidFill>
@@ -36488,7 +36030,7 @@
               <a:t>console</a:t>
             </a:r>
             <a:r>
-              <a:rPr lang="nn-NO" sz="1400" b="0" dirty="0">
+              <a:rPr lang="nn-NO" sz="1400" b="0">
                 <a:solidFill>
                   <a:srgbClr val="D4D4D4"/>
                 </a:solidFill>
@@ -36498,7 +36040,7 @@
               <a:t>.</a:t>
             </a:r>
             <a:r>
-              <a:rPr lang="nn-NO" sz="1400" b="0" dirty="0">
+              <a:rPr lang="nn-NO" sz="1400" b="0">
                 <a:solidFill>
                   <a:srgbClr val="DCDCAA"/>
                 </a:solidFill>
@@ -36508,7 +36050,7 @@
               <a:t>log</a:t>
             </a:r>
             <a:r>
-              <a:rPr lang="nn-NO" sz="1400" b="0" dirty="0">
+              <a:rPr lang="nn-NO" sz="1400" b="0">
                 <a:solidFill>
                   <a:srgbClr val="D4D4D4"/>
                 </a:solidFill>
@@ -36518,7 +36060,7 @@
               <a:t>(</a:t>
             </a:r>
             <a:r>
-              <a:rPr lang="nn-NO" sz="1400" b="0" dirty="0">
+              <a:rPr lang="nn-NO" sz="1400" b="0">
                 <a:solidFill>
                   <a:srgbClr val="4FC1FF"/>
                 </a:solidFill>
@@ -36528,7 +36070,7 @@
               <a:t>array</a:t>
             </a:r>
             <a:r>
-              <a:rPr lang="nn-NO" sz="1400" b="0" dirty="0">
+              <a:rPr lang="nn-NO" sz="1400" b="0">
                 <a:solidFill>
                   <a:srgbClr val="D4D4D4"/>
                 </a:solidFill>
@@ -36538,7 +36080,7 @@
               <a:t>[</a:t>
             </a:r>
             <a:r>
-              <a:rPr lang="nn-NO" sz="1400" b="0" dirty="0">
+              <a:rPr lang="nn-NO" sz="1400" b="0">
                 <a:solidFill>
                   <a:srgbClr val="9CDCFE"/>
                 </a:solidFill>
@@ -36548,7 +36090,7 @@
               <a:t>i</a:t>
             </a:r>
             <a:r>
-              <a:rPr lang="nn-NO" sz="1400" b="0" dirty="0">
+              <a:rPr lang="nn-NO" sz="1400" b="0">
                 <a:solidFill>
                   <a:srgbClr val="D4D4D4"/>
                 </a:solidFill>
@@ -36561,7 +36103,7 @@
           <a:p>
             <a:pPr lvl="1"/>
             <a:r>
-              <a:rPr lang="nn-NO" sz="1400" b="0" dirty="0">
+              <a:rPr lang="nn-NO" sz="1400" b="0">
                 <a:solidFill>
                   <a:srgbClr val="D4D4D4"/>
                 </a:solidFill>
@@ -36570,7 +36112,7 @@
               </a:rPr>
               <a:t>}</a:t>
             </a:r>
-            <a:endParaRPr lang="hu-HU" sz="1400" b="0" dirty="0">
+            <a:endParaRPr lang="hu-HU" sz="1400" b="0">
               <a:solidFill>
                 <a:srgbClr val="D4D4D4"/>
               </a:solidFill>
@@ -36581,7 +36123,7 @@
           <a:p>
             <a:pPr lvl="1"/>
             <a:r>
-              <a:rPr lang="en-US" sz="1400" b="0" dirty="0">
+              <a:rPr lang="en-US" sz="1400" b="0">
                 <a:solidFill>
                   <a:srgbClr val="C586C0"/>
                 </a:solidFill>
@@ -36591,7 +36133,7 @@
               <a:t>for</a:t>
             </a:r>
             <a:r>
-              <a:rPr lang="en-US" sz="1400" b="0" dirty="0">
+              <a:rPr lang="en-US" sz="1400" b="0">
                 <a:solidFill>
                   <a:srgbClr val="D4D4D4"/>
                 </a:solidFill>
@@ -36601,7 +36143,7 @@
               <a:t> (</a:t>
             </a:r>
             <a:r>
-              <a:rPr lang="en-US" sz="1400" b="0" dirty="0">
+              <a:rPr lang="en-US" sz="1400" b="0">
                 <a:solidFill>
                   <a:srgbClr val="569CD6"/>
                 </a:solidFill>
@@ -36611,7 +36153,7 @@
               <a:t>let</a:t>
             </a:r>
             <a:r>
-              <a:rPr lang="en-US" sz="1400" b="0" dirty="0">
+              <a:rPr lang="en-US" sz="1400" b="0">
                 <a:solidFill>
                   <a:srgbClr val="D4D4D4"/>
                 </a:solidFill>
@@ -36621,7 +36163,7 @@
               <a:t> </a:t>
             </a:r>
             <a:r>
-              <a:rPr lang="en-US" sz="1400" b="0" dirty="0" err="1">
+              <a:rPr lang="en-US" sz="1400" b="0" err="1">
                 <a:solidFill>
                   <a:srgbClr val="9CDCFE"/>
                 </a:solidFill>
@@ -36631,7 +36173,7 @@
               <a:t>i</a:t>
             </a:r>
             <a:r>
-              <a:rPr lang="en-US" sz="1400" b="0" dirty="0">
+              <a:rPr lang="en-US" sz="1400" b="0">
                 <a:solidFill>
                   <a:srgbClr val="D4D4D4"/>
                 </a:solidFill>
@@ -36641,7 +36183,7 @@
               <a:t> </a:t>
             </a:r>
             <a:r>
-              <a:rPr lang="en-US" sz="1400" b="0" dirty="0">
+              <a:rPr lang="en-US" sz="1400" b="0">
                 <a:solidFill>
                   <a:srgbClr val="569CD6"/>
                 </a:solidFill>
@@ -36651,7 +36193,7 @@
               <a:t>in</a:t>
             </a:r>
             <a:r>
-              <a:rPr lang="en-US" sz="1400" b="0" dirty="0">
+              <a:rPr lang="en-US" sz="1400" b="0">
                 <a:solidFill>
                   <a:srgbClr val="D4D4D4"/>
                 </a:solidFill>
@@ -36661,7 +36203,7 @@
               <a:t> </a:t>
             </a:r>
             <a:r>
-              <a:rPr lang="en-US" sz="1400" b="0" dirty="0">
+              <a:rPr lang="en-US" sz="1400" b="0">
                 <a:solidFill>
                   <a:srgbClr val="4FC1FF"/>
                 </a:solidFill>
@@ -36671,7 +36213,7 @@
               <a:t>array</a:t>
             </a:r>
             <a:r>
-              <a:rPr lang="en-US" sz="1400" b="0" dirty="0">
+              <a:rPr lang="en-US" sz="1400" b="0">
                 <a:solidFill>
                   <a:srgbClr val="D4D4D4"/>
                 </a:solidFill>
@@ -36681,7 +36223,7 @@
               <a:t>) {</a:t>
             </a:r>
             <a:r>
-              <a:rPr lang="hu-HU" sz="1400" b="0" dirty="0">
+              <a:rPr lang="hu-HU" sz="1400" b="0">
                 <a:solidFill>
                   <a:srgbClr val="D4D4D4"/>
                 </a:solidFill>
@@ -36691,7 +36233,7 @@
               <a:t>...</a:t>
             </a:r>
             <a:r>
-              <a:rPr lang="nn-NO" sz="1400" b="0" dirty="0">
+              <a:rPr lang="nn-NO" sz="1400" b="0">
                 <a:solidFill>
                   <a:srgbClr val="D4D4D4"/>
                 </a:solidFill>
@@ -36700,7 +36242,7 @@
               </a:rPr>
               <a:t>}</a:t>
             </a:r>
-            <a:endParaRPr lang="hu-HU" sz="1400" b="0" dirty="0">
+            <a:endParaRPr lang="hu-HU" sz="1400" b="0">
               <a:solidFill>
                 <a:srgbClr val="D4D4D4"/>
               </a:solidFill>
@@ -36711,7 +36253,7 @@
           <a:p>
             <a:pPr lvl="1"/>
             <a:r>
-              <a:rPr lang="nn-NO" sz="1400" b="0" dirty="0">
+              <a:rPr lang="nn-NO" sz="1400" b="0">
                 <a:solidFill>
                   <a:srgbClr val="C586C0"/>
                 </a:solidFill>
@@ -36721,7 +36263,7 @@
               <a:t>for</a:t>
             </a:r>
             <a:r>
-              <a:rPr lang="nn-NO" sz="1400" b="0" dirty="0">
+              <a:rPr lang="nn-NO" sz="1400" b="0">
                 <a:solidFill>
                   <a:srgbClr val="D4D4D4"/>
                 </a:solidFill>
@@ -36731,7 +36273,7 @@
               <a:t> (</a:t>
             </a:r>
             <a:r>
-              <a:rPr lang="nn-NO" sz="1400" b="0" dirty="0">
+              <a:rPr lang="nn-NO" sz="1400" b="0">
                 <a:solidFill>
                   <a:srgbClr val="569CD6"/>
                 </a:solidFill>
@@ -36741,7 +36283,7 @@
               <a:t>let</a:t>
             </a:r>
             <a:r>
-              <a:rPr lang="nn-NO" sz="1400" b="0" dirty="0">
+              <a:rPr lang="nn-NO" sz="1400" b="0">
                 <a:solidFill>
                   <a:srgbClr val="D4D4D4"/>
                 </a:solidFill>
@@ -36751,7 +36293,7 @@
               <a:t> </a:t>
             </a:r>
             <a:r>
-              <a:rPr lang="nn-NO" sz="1400" b="0" dirty="0">
+              <a:rPr lang="nn-NO" sz="1400" b="0">
                 <a:solidFill>
                   <a:srgbClr val="9CDCFE"/>
                 </a:solidFill>
@@ -36761,7 +36303,7 @@
               <a:t>i</a:t>
             </a:r>
             <a:r>
-              <a:rPr lang="nn-NO" sz="1400" b="0" dirty="0">
+              <a:rPr lang="nn-NO" sz="1400" b="0">
                 <a:solidFill>
                   <a:srgbClr val="D4D4D4"/>
                 </a:solidFill>
@@ -36771,7 +36313,7 @@
               <a:t> </a:t>
             </a:r>
             <a:r>
-              <a:rPr lang="nn-NO" sz="1400" b="0" dirty="0">
+              <a:rPr lang="nn-NO" sz="1400" b="0">
                 <a:solidFill>
                   <a:srgbClr val="569CD6"/>
                 </a:solidFill>
@@ -36781,7 +36323,7 @@
               <a:t>of</a:t>
             </a:r>
             <a:r>
-              <a:rPr lang="nn-NO" sz="1400" b="0" dirty="0">
+              <a:rPr lang="nn-NO" sz="1400" b="0">
                 <a:solidFill>
                   <a:srgbClr val="D4D4D4"/>
                 </a:solidFill>
@@ -36791,7 +36333,7 @@
               <a:t> </a:t>
             </a:r>
             <a:r>
-              <a:rPr lang="nn-NO" sz="1400" b="0" dirty="0">
+              <a:rPr lang="nn-NO" sz="1400" b="0">
                 <a:solidFill>
                   <a:srgbClr val="4FC1FF"/>
                 </a:solidFill>
@@ -36801,7 +36343,7 @@
               <a:t>array</a:t>
             </a:r>
             <a:r>
-              <a:rPr lang="nn-NO" sz="1400" b="0" dirty="0">
+              <a:rPr lang="nn-NO" sz="1400" b="0">
                 <a:solidFill>
                   <a:srgbClr val="D4D4D4"/>
                 </a:solidFill>
@@ -36811,7 +36353,7 @@
               <a:t>) {</a:t>
             </a:r>
             <a:r>
-              <a:rPr lang="nn-NO" sz="1400" b="0" dirty="0">
+              <a:rPr lang="nn-NO" sz="1400" b="0">
                 <a:solidFill>
                   <a:srgbClr val="9CDCFE"/>
                 </a:solidFill>
@@ -36821,7 +36363,7 @@
               <a:t>console</a:t>
             </a:r>
             <a:r>
-              <a:rPr lang="nn-NO" sz="1400" b="0" dirty="0">
+              <a:rPr lang="nn-NO" sz="1400" b="0">
                 <a:solidFill>
                   <a:srgbClr val="D4D4D4"/>
                 </a:solidFill>
@@ -36831,7 +36373,7 @@
               <a:t>.</a:t>
             </a:r>
             <a:r>
-              <a:rPr lang="nn-NO" sz="1400" b="0" dirty="0">
+              <a:rPr lang="nn-NO" sz="1400" b="0">
                 <a:solidFill>
                   <a:srgbClr val="DCDCAA"/>
                 </a:solidFill>
@@ -36841,7 +36383,7 @@
               <a:t>log</a:t>
             </a:r>
             <a:r>
-              <a:rPr lang="nn-NO" sz="1400" b="0" dirty="0">
+              <a:rPr lang="nn-NO" sz="1400" b="0">
                 <a:solidFill>
                   <a:srgbClr val="D4D4D4"/>
                 </a:solidFill>
@@ -36851,7 +36393,7 @@
               <a:t>(</a:t>
             </a:r>
             <a:r>
-              <a:rPr lang="nn-NO" sz="1400" b="0" dirty="0">
+              <a:rPr lang="nn-NO" sz="1400" b="0">
                 <a:solidFill>
                   <a:srgbClr val="9CDCFE"/>
                 </a:solidFill>
@@ -36861,7 +36403,7 @@
               <a:t>i</a:t>
             </a:r>
             <a:r>
-              <a:rPr lang="nn-NO" sz="1400" b="0" dirty="0">
+              <a:rPr lang="nn-NO" sz="1400" b="0">
                 <a:solidFill>
                   <a:srgbClr val="D4D4D4"/>
                 </a:solidFill>
@@ -36871,7 +36413,7 @@
               <a:t>);}</a:t>
             </a:r>
             <a:br>
-              <a:rPr lang="hu-HU" sz="1400" b="0" dirty="0">
+              <a:rPr lang="hu-HU" sz="1400" b="0">
                 <a:solidFill>
                   <a:srgbClr val="D4D4D4"/>
                 </a:solidFill>
@@ -36880,7 +36422,7 @@
               </a:rPr>
             </a:br>
             <a:r>
-              <a:rPr lang="en-US" sz="1400" b="0" dirty="0" err="1">
+              <a:rPr lang="en-US" sz="1400" b="0" err="1">
                 <a:solidFill>
                   <a:srgbClr val="4FC1FF"/>
                 </a:solidFill>
@@ -36890,7 +36432,7 @@
               <a:t>array</a:t>
             </a:r>
             <a:r>
-              <a:rPr lang="en-US" sz="1400" b="0" dirty="0" err="1">
+              <a:rPr lang="en-US" sz="1400" b="0" err="1">
                 <a:solidFill>
                   <a:srgbClr val="D4D4D4"/>
                 </a:solidFill>
@@ -36900,7 +36442,7 @@
               <a:t>.</a:t>
             </a:r>
             <a:r>
-              <a:rPr lang="en-US" sz="1400" b="0" dirty="0" err="1">
+              <a:rPr lang="en-US" sz="1400" b="0" err="1">
                 <a:solidFill>
                   <a:srgbClr val="DCDCAA"/>
                 </a:solidFill>
@@ -36910,7 +36452,7 @@
               <a:t>forEach</a:t>
             </a:r>
             <a:r>
-              <a:rPr lang="en-US" sz="1400" b="0" dirty="0">
+              <a:rPr lang="en-US" sz="1400" b="0">
                 <a:solidFill>
                   <a:srgbClr val="D4D4D4"/>
                 </a:solidFill>
@@ -36920,7 +36462,7 @@
               <a:t>((</a:t>
             </a:r>
             <a:r>
-              <a:rPr lang="en-US" sz="1400" b="0" dirty="0">
+              <a:rPr lang="en-US" sz="1400" b="0">
                 <a:solidFill>
                   <a:srgbClr val="9CDCFE"/>
                 </a:solidFill>
@@ -36930,7 +36472,7 @@
               <a:t>item</a:t>
             </a:r>
             <a:r>
-              <a:rPr lang="en-US" sz="1400" b="0" dirty="0">
+              <a:rPr lang="en-US" sz="1400" b="0">
                 <a:solidFill>
                   <a:srgbClr val="D4D4D4"/>
                 </a:solidFill>
@@ -36940,7 +36482,7 @@
               <a:t>, </a:t>
             </a:r>
             <a:r>
-              <a:rPr lang="en-US" sz="1400" b="0" dirty="0">
+              <a:rPr lang="en-US" sz="1400" b="0">
                 <a:solidFill>
                   <a:srgbClr val="9CDCFE"/>
                 </a:solidFill>
@@ -36950,7 +36492,7 @@
               <a:t>index</a:t>
             </a:r>
             <a:r>
-              <a:rPr lang="en-US" sz="1400" b="0" dirty="0">
+              <a:rPr lang="en-US" sz="1400" b="0">
                 <a:solidFill>
                   <a:srgbClr val="D4D4D4"/>
                 </a:solidFill>
@@ -36960,7 +36502,7 @@
               <a:t>) </a:t>
             </a:r>
             <a:r>
-              <a:rPr lang="en-US" sz="1400" b="0" dirty="0">
+              <a:rPr lang="en-US" sz="1400" b="0">
                 <a:solidFill>
                   <a:srgbClr val="569CD6"/>
                 </a:solidFill>
@@ -36970,7 +36512,7 @@
               <a:t>=&gt;</a:t>
             </a:r>
             <a:r>
-              <a:rPr lang="en-US" sz="1400" b="0" dirty="0">
+              <a:rPr lang="en-US" sz="1400" b="0">
                 <a:solidFill>
                   <a:srgbClr val="D4D4D4"/>
                 </a:solidFill>
@@ -36983,7 +36525,7 @@
           <a:p>
             <a:pPr lvl="1"/>
             <a:r>
-              <a:rPr lang="en-US" sz="1400" b="0" dirty="0">
+              <a:rPr lang="en-US" sz="1400" b="0">
                 <a:solidFill>
                   <a:srgbClr val="D4D4D4"/>
                 </a:solidFill>
@@ -36993,7 +36535,7 @@
               <a:t>  </a:t>
             </a:r>
             <a:r>
-              <a:rPr lang="en-US" sz="1400" b="0" dirty="0">
+              <a:rPr lang="en-US" sz="1400" b="0">
                 <a:solidFill>
                   <a:srgbClr val="9CDCFE"/>
                 </a:solidFill>
@@ -37003,7 +36545,7 @@
               <a:t>console</a:t>
             </a:r>
             <a:r>
-              <a:rPr lang="en-US" sz="1400" b="0" dirty="0">
+              <a:rPr lang="en-US" sz="1400" b="0">
                 <a:solidFill>
                   <a:srgbClr val="D4D4D4"/>
                 </a:solidFill>
@@ -37013,7 +36555,7 @@
               <a:t>.</a:t>
             </a:r>
             <a:r>
-              <a:rPr lang="en-US" sz="1400" b="0" dirty="0">
+              <a:rPr lang="en-US" sz="1400" b="0">
                 <a:solidFill>
                   <a:srgbClr val="DCDCAA"/>
                 </a:solidFill>
@@ -37023,7 +36565,7 @@
               <a:t>log</a:t>
             </a:r>
             <a:r>
-              <a:rPr lang="en-US" sz="1400" b="0" dirty="0">
+              <a:rPr lang="en-US" sz="1400" b="0">
                 <a:solidFill>
                   <a:srgbClr val="D4D4D4"/>
                 </a:solidFill>
@@ -37033,7 +36575,7 @@
               <a:t>(</a:t>
             </a:r>
             <a:r>
-              <a:rPr lang="en-US" sz="1400" b="0" dirty="0">
+              <a:rPr lang="en-US" sz="1400" b="0">
                 <a:solidFill>
                   <a:srgbClr val="CE9178"/>
                 </a:solidFill>
@@ -37043,7 +36585,7 @@
               <a:t>`</a:t>
             </a:r>
             <a:r>
-              <a:rPr lang="en-US" sz="1400" b="0" dirty="0">
+              <a:rPr lang="en-US" sz="1400" b="0">
                 <a:solidFill>
                   <a:srgbClr val="569CD6"/>
                 </a:solidFill>
@@ -37053,7 +36595,7 @@
               <a:t>${</a:t>
             </a:r>
             <a:r>
-              <a:rPr lang="en-US" sz="1400" b="0" dirty="0">
+              <a:rPr lang="en-US" sz="1400" b="0">
                 <a:solidFill>
                   <a:srgbClr val="9CDCFE"/>
                 </a:solidFill>
@@ -37063,7 +36605,7 @@
               <a:t>index</a:t>
             </a:r>
             <a:r>
-              <a:rPr lang="en-US" sz="1400" b="0" dirty="0">
+              <a:rPr lang="en-US" sz="1400" b="0">
                 <a:solidFill>
                   <a:srgbClr val="569CD6"/>
                 </a:solidFill>
@@ -37073,7 +36615,7 @@
               <a:t>}</a:t>
             </a:r>
             <a:r>
-              <a:rPr lang="en-US" sz="1400" b="0" dirty="0">
+              <a:rPr lang="en-US" sz="1400" b="0">
                 <a:solidFill>
                   <a:srgbClr val="CE9178"/>
                 </a:solidFill>
@@ -37083,7 +36625,7 @@
               <a:t>: </a:t>
             </a:r>
             <a:r>
-              <a:rPr lang="en-US" sz="1400" b="0" dirty="0">
+              <a:rPr lang="en-US" sz="1400" b="0">
                 <a:solidFill>
                   <a:srgbClr val="569CD6"/>
                 </a:solidFill>
@@ -37093,7 +36635,7 @@
               <a:t>${</a:t>
             </a:r>
             <a:r>
-              <a:rPr lang="en-US" sz="1400" b="0" dirty="0">
+              <a:rPr lang="en-US" sz="1400" b="0">
                 <a:solidFill>
                   <a:srgbClr val="9CDCFE"/>
                 </a:solidFill>
@@ -37103,7 +36645,7 @@
               <a:t>item</a:t>
             </a:r>
             <a:r>
-              <a:rPr lang="en-US" sz="1400" b="0" dirty="0">
+              <a:rPr lang="en-US" sz="1400" b="0">
                 <a:solidFill>
                   <a:srgbClr val="569CD6"/>
                 </a:solidFill>
@@ -37113,7 +36655,7 @@
               <a:t>}</a:t>
             </a:r>
             <a:r>
-              <a:rPr lang="en-US" sz="1400" b="0" dirty="0">
+              <a:rPr lang="en-US" sz="1400" b="0">
                 <a:solidFill>
                   <a:srgbClr val="CE9178"/>
                 </a:solidFill>
@@ -37123,7 +36665,7 @@
               <a:t>`</a:t>
             </a:r>
             <a:r>
-              <a:rPr lang="en-US" sz="1400" b="0" dirty="0">
+              <a:rPr lang="en-US" sz="1400" b="0">
                 <a:solidFill>
                   <a:srgbClr val="D4D4D4"/>
                 </a:solidFill>
@@ -37136,7 +36678,7 @@
           <a:p>
             <a:pPr lvl="1"/>
             <a:r>
-              <a:rPr lang="en-US" sz="1400" b="0" dirty="0">
+              <a:rPr lang="en-US" sz="1400" b="0">
                 <a:solidFill>
                   <a:srgbClr val="D4D4D4"/>
                 </a:solidFill>
@@ -37145,7 +36687,7 @@
               </a:rPr>
               <a:t>});</a:t>
             </a:r>
-            <a:endParaRPr lang="hu-HU" sz="1400" dirty="0">
+            <a:endParaRPr lang="hu-HU" sz="1400">
               <a:solidFill>
                 <a:schemeClr val="bg1"/>
               </a:solidFill>
@@ -37157,7 +36699,7 @@
               <a:buChar char="•"/>
             </a:pPr>
             <a:r>
-              <a:rPr lang="hu-HU" dirty="0">
+              <a:rPr lang="hu-HU">
                 <a:solidFill>
                   <a:schemeClr val="bg1"/>
                 </a:solidFill>
@@ -37171,7 +36713,7 @@
               <a:buChar char="•"/>
             </a:pPr>
             <a:r>
-              <a:rPr lang="hu-HU" sz="1400" b="0" dirty="0">
+              <a:rPr lang="hu-HU" sz="1400" b="0">
                 <a:solidFill>
                   <a:srgbClr val="DCDCAA"/>
                 </a:solidFill>
@@ -37181,7 +36723,7 @@
               <a:t>filter: </a:t>
             </a:r>
             <a:r>
-              <a:rPr lang="hu-HU" sz="1400" dirty="0">
+              <a:rPr lang="hu-HU" sz="1400">
                 <a:solidFill>
                   <a:schemeClr val="bg1"/>
                 </a:solidFill>
@@ -37195,7 +36737,7 @@
               <a:buChar char="•"/>
             </a:pPr>
             <a:r>
-              <a:rPr lang="hu-HU" sz="1400" b="0" dirty="0">
+              <a:rPr lang="hu-HU" sz="1400" b="0">
                 <a:solidFill>
                   <a:srgbClr val="DCDCAA"/>
                 </a:solidFill>
@@ -37205,7 +36747,7 @@
               <a:t>find: </a:t>
             </a:r>
             <a:r>
-              <a:rPr lang="hu-HU" sz="1400" dirty="0">
+              <a:rPr lang="hu-HU" sz="1400">
                 <a:solidFill>
                   <a:schemeClr val="bg1"/>
                 </a:solidFill>
@@ -37213,7 +36755,7 @@
               <a:t>find the first matching item (=&gt; </a:t>
             </a:r>
             <a:r>
-              <a:rPr lang="hu-HU" sz="1400" b="0" dirty="0">
+              <a:rPr lang="hu-HU" sz="1400" b="0">
                 <a:solidFill>
                   <a:srgbClr val="DCDCAA"/>
                 </a:solidFill>
@@ -37223,7 +36765,7 @@
               <a:t>findLast</a:t>
             </a:r>
             <a:r>
-              <a:rPr lang="hu-HU" sz="1400" dirty="0">
+              <a:rPr lang="hu-HU" sz="1400">
                 <a:solidFill>
                   <a:schemeClr val="bg1"/>
                 </a:solidFill>
@@ -37237,7 +36779,7 @@
               <a:buChar char="•"/>
             </a:pPr>
             <a:r>
-              <a:rPr lang="en-US" sz="1400" b="0" dirty="0" err="1">
+              <a:rPr lang="en-US" sz="1400" b="0" err="1">
                 <a:solidFill>
                   <a:srgbClr val="DCDCAA"/>
                 </a:solidFill>
@@ -37247,7 +36789,7 @@
               <a:t>forEach</a:t>
             </a:r>
             <a:r>
-              <a:rPr lang="hu-HU" sz="1400" b="0" dirty="0">
+              <a:rPr lang="hu-HU" sz="1400" b="0">
                 <a:solidFill>
                   <a:srgbClr val="DCDCAA"/>
                 </a:solidFill>
@@ -37257,7 +36799,7 @@
               <a:t>: </a:t>
             </a:r>
             <a:r>
-              <a:rPr lang="hu-HU" sz="1400" dirty="0">
+              <a:rPr lang="hu-HU" sz="1400">
                 <a:solidFill>
                   <a:schemeClr val="bg1"/>
                 </a:solidFill>
@@ -37271,7 +36813,7 @@
               <a:buChar char="•"/>
             </a:pPr>
             <a:r>
-              <a:rPr lang="hu-HU" sz="1400" b="0" dirty="0">
+              <a:rPr lang="hu-HU" sz="1400" b="0">
                 <a:solidFill>
                   <a:srgbClr val="DCDCAA"/>
                 </a:solidFill>
@@ -37281,7 +36823,7 @@
               <a:t>includes: </a:t>
             </a:r>
             <a:r>
-              <a:rPr lang="hu-HU" sz="1400" dirty="0">
+              <a:rPr lang="hu-HU" sz="1400">
                 <a:solidFill>
                   <a:schemeClr val="bg1"/>
                 </a:solidFill>
@@ -37295,7 +36837,7 @@
               <a:buChar char="•"/>
             </a:pPr>
             <a:r>
-              <a:rPr lang="hu-HU" sz="1400" b="0" dirty="0">
+              <a:rPr lang="hu-HU" sz="1400" b="0">
                 <a:solidFill>
                   <a:srgbClr val="DCDCAA"/>
                 </a:solidFill>
@@ -37305,14 +36847,14 @@
               <a:t>map: </a:t>
             </a:r>
             <a:r>
-              <a:rPr lang="hu-HU" sz="1400" dirty="0">
+              <a:rPr lang="hu-HU" sz="1400">
                 <a:solidFill>
                   <a:schemeClr val="bg1"/>
                 </a:solidFill>
               </a:rPr>
               <a:t>transform</a:t>
             </a:r>
-            <a:endParaRPr lang="hu-HU" sz="1400" b="0" dirty="0">
+            <a:endParaRPr lang="hu-HU" sz="1400" b="0">
               <a:solidFill>
                 <a:schemeClr val="bg1"/>
               </a:solidFill>
@@ -37326,7 +36868,7 @@
               <a:buChar char="•"/>
             </a:pPr>
             <a:r>
-              <a:rPr lang="hu-HU" sz="1400" b="0" dirty="0">
+              <a:rPr lang="hu-HU" sz="1400" b="0">
                 <a:solidFill>
                   <a:srgbClr val="DCDCAA"/>
                 </a:solidFill>
@@ -37336,7 +36878,7 @@
               <a:t>reduce:</a:t>
             </a:r>
             <a:r>
-              <a:rPr lang="hu-HU" sz="1400" dirty="0">
+              <a:rPr lang="hu-HU" sz="1400">
                 <a:solidFill>
                   <a:schemeClr val="bg1"/>
                 </a:solidFill>
@@ -37350,7 +36892,7 @@
               <a:buChar char="•"/>
             </a:pPr>
             <a:r>
-              <a:rPr lang="hu-HU" sz="1400" b="0" dirty="0">
+              <a:rPr lang="hu-HU" sz="1400" b="0">
                 <a:solidFill>
                   <a:srgbClr val="DCDCAA"/>
                 </a:solidFill>
@@ -37360,7 +36902,7 @@
               <a:t>some:</a:t>
             </a:r>
             <a:r>
-              <a:rPr lang="hu-HU" sz="1400" dirty="0">
+              <a:rPr lang="hu-HU" sz="1400">
                 <a:solidFill>
                   <a:schemeClr val="bg1"/>
                 </a:solidFill>
@@ -37368,7 +36910,7 @@
               <a:t> has at least one match (=&gt; </a:t>
             </a:r>
             <a:r>
-              <a:rPr lang="hu-HU" sz="1400" b="0" dirty="0">
+              <a:rPr lang="hu-HU" sz="1400" b="0">
                 <a:solidFill>
                   <a:srgbClr val="DCDCAA"/>
                 </a:solidFill>
@@ -37378,7 +36920,7 @@
               <a:t>every</a:t>
             </a:r>
             <a:r>
-              <a:rPr lang="hu-HU" sz="1400" dirty="0">
+              <a:rPr lang="hu-HU" sz="1400">
                 <a:solidFill>
                   <a:schemeClr val="bg1"/>
                 </a:solidFill>
@@ -37387,7 +36929,7 @@
             </a:r>
           </a:p>
           <a:p>
-            <a:endParaRPr lang="hu-HU" sz="1400" dirty="0">
+            <a:endParaRPr lang="hu-HU" sz="1400">
               <a:solidFill>
                 <a:schemeClr val="bg1"/>
               </a:solidFill>
@@ -37398,7 +36940,7 @@
               <a:buFont typeface="Arial" panose="020B0604020202020204" pitchFamily="34" charset="0"/>
               <a:buChar char="•"/>
             </a:pPr>
-            <a:endParaRPr lang="hu-HU" dirty="0">
+            <a:endParaRPr lang="hu-HU">
               <a:solidFill>
                 <a:schemeClr val="bg1"/>
               </a:solidFill>
@@ -38315,8 +37857,16 @@
 <file path=customXml/itemProps3.xml><?xml version="1.0" encoding="utf-8"?>
 <ds:datastoreItem xmlns:ds="http://schemas.openxmlformats.org/officeDocument/2006/customXml" ds:itemID="{412E3419-B313-4514-AD24-D56E1F80A63A}">
   <ds:schemaRefs>
+    <ds:schemaRef ds:uri="58f349b0-675b-4c01-8ee6-14db8fa12501"/>
+    <ds:schemaRef ds:uri="http://www.w3.org/XML/1998/namespace"/>
+    <ds:schemaRef ds:uri="http://purl.org/dc/elements/1.1/"/>
     <ds:schemaRef ds:uri="http://schemas.microsoft.com/office/2006/metadata/properties"/>
+    <ds:schemaRef ds:uri="http://schemas.microsoft.com/office/2006/documentManagement/types"/>
+    <ds:schemaRef ds:uri="http://purl.org/dc/terms/"/>
+    <ds:schemaRef ds:uri="http://purl.org/dc/dcmitype/"/>
+    <ds:schemaRef ds:uri="http://schemas.openxmlformats.org/package/2006/metadata/core-properties"/>
     <ds:schemaRef ds:uri="http://schemas.microsoft.com/office/infopath/2007/PartnerControls"/>
+    <ds:schemaRef ds:uri="df44d29e-ce0d-48fd-88bf-98e6a958fd4b"/>
   </ds:schemaRefs>
 </ds:datastoreItem>
 </file>
--- a/slides/02-js-basics.pptx
+++ b/slides/02-js-basics.pptx
@@ -252,7 +252,7 @@
           <a:p>
             <a:fld id="{126DA449-81D0-4C65-80FA-E84926361CC3}" type="datetimeFigureOut">
               <a:rPr lang="en-US" smtClean="0"/>
-              <a:t>2/29/2024</a:t>
+              <a:t>3/11/2024</a:t>
             </a:fld>
             <a:endParaRPr lang="en-US"/>
           </a:p>
@@ -22974,10 +22974,10 @@
           <a:lstStyle/>
           <a:p>
             <a:r>
-              <a:rPr lang="hu-HU"/>
-              <a:t>Jozsef Gal</a:t>
-            </a:r>
-            <a:endParaRPr lang="en-US"/>
+              <a:rPr lang="en-US"/>
+              <a:t>Janos Stefan</a:t>
+            </a:r>
+            <a:endParaRPr lang="en-US" dirty="0"/>
           </a:p>
         </p:txBody>
       </p:sp>
@@ -37596,15 +37596,6 @@
 </file>
 
 <file path=customXml/item1.xml><?xml version="1.0" encoding="utf-8"?>
-<?mso-contentType ?>
-<FormTemplates xmlns="http://schemas.microsoft.com/sharepoint/v3/contenttype/forms">
-  <Display>DocumentLibraryForm</Display>
-  <Edit>DocumentLibraryForm</Edit>
-  <New>DocumentLibraryForm</New>
-</FormTemplates>
-</file>
-
-<file path=customXml/item2.xml><?xml version="1.0" encoding="utf-8"?>
 <ct:contentTypeSchema xmlns:ct="http://schemas.microsoft.com/office/2006/metadata/contentType" xmlns:ma="http://schemas.microsoft.com/office/2006/metadata/properties/metaAttributes" ct:_="" ma:_="" ma:contentTypeName="Document" ma:contentTypeID="0x010100BA117DE914E1FC49A35D90CD8516D943" ma:contentTypeVersion="12" ma:contentTypeDescription="Create a new document." ma:contentTypeScope="" ma:versionID="e1f7c3316c007ddcbbfc786aee0f30b6">
   <xsd:schema xmlns:xsd="http://www.w3.org/2001/XMLSchema" xmlns:xs="http://www.w3.org/2001/XMLSchema" xmlns:p="http://schemas.microsoft.com/office/2006/metadata/properties" xmlns:ns2="58f349b0-675b-4c01-8ee6-14db8fa12501" xmlns:ns3="df44d29e-ce0d-48fd-88bf-98e6a958fd4b" targetNamespace="http://schemas.microsoft.com/office/2006/metadata/properties" ma:root="true" ma:fieldsID="ebdd3e3611f83f5edb1b485483198b2e" ns2:_="" ns3:_="">
     <xsd:import namespace="58f349b0-675b-4c01-8ee6-14db8fa12501"/>
@@ -37821,6 +37812,15 @@
 </ct:contentTypeSchema>
 </file>
 
+<file path=customXml/item2.xml><?xml version="1.0" encoding="utf-8"?>
+<?mso-contentType ?>
+<FormTemplates xmlns="http://schemas.microsoft.com/sharepoint/v3/contenttype/forms">
+  <Display>DocumentLibraryForm</Display>
+  <Edit>DocumentLibraryForm</Edit>
+  <New>DocumentLibraryForm</New>
+</FormTemplates>
+</file>
+
 <file path=customXml/item3.xml><?xml version="1.0" encoding="utf-8"?>
 <p:properties xmlns:p="http://schemas.microsoft.com/office/2006/metadata/properties" xmlns:xsi="http://www.w3.org/2001/XMLSchema-instance" xmlns:pc="http://schemas.microsoft.com/office/infopath/2007/PartnerControls">
   <documentManagement/>
@@ -37828,14 +37828,6 @@
 </file>
 
 <file path=customXml/itemProps1.xml><?xml version="1.0" encoding="utf-8"?>
-<ds:datastoreItem xmlns:ds="http://schemas.openxmlformats.org/officeDocument/2006/customXml" ds:itemID="{87CA341C-74C1-4577-8C96-EF2605DC526A}">
-  <ds:schemaRefs>
-    <ds:schemaRef ds:uri="http://schemas.microsoft.com/sharepoint/v3/contenttype/forms"/>
-  </ds:schemaRefs>
-</ds:datastoreItem>
-</file>
-
-<file path=customXml/itemProps2.xml><?xml version="1.0" encoding="utf-8"?>
 <ds:datastoreItem xmlns:ds="http://schemas.openxmlformats.org/officeDocument/2006/customXml" ds:itemID="{545DB04F-7584-4690-B257-DA90A69356DD}">
   <ds:schemaRefs>
     <ds:schemaRef ds:uri="58f349b0-675b-4c01-8ee6-14db8fa12501"/>
@@ -37850,6 +37842,14 @@
     <ds:schemaRef ds:uri="http://schemas.microsoft.com/office/infopath/2007/PartnerControls"/>
     <ds:schemaRef ds:uri="http://schemas.openxmlformats.org/package/2006/metadata/core-properties"/>
     <ds:schemaRef ds:uri="http://www.w3.org/2001/XMLSchema"/>
+  </ds:schemaRefs>
+</ds:datastoreItem>
+</file>
+
+<file path=customXml/itemProps2.xml><?xml version="1.0" encoding="utf-8"?>
+<ds:datastoreItem xmlns:ds="http://schemas.openxmlformats.org/officeDocument/2006/customXml" ds:itemID="{87CA341C-74C1-4577-8C96-EF2605DC526A}">
+  <ds:schemaRefs>
+    <ds:schemaRef ds:uri="http://schemas.microsoft.com/sharepoint/v3/contenttype/forms"/>
   </ds:schemaRefs>
 </ds:datastoreItem>
 </file>
